--- a/materials/slides/3.1 敏捷测试基础知识.pptx
+++ b/materials/slides/3.1 敏捷测试基础知识.pptx
@@ -5,7 +5,7 @@
     <p:sldMasterId id="2147483648" r:id="rId1"/>
   </p:sldMasterIdLst>
   <p:notesMasterIdLst>
-    <p:notesMasterId r:id="rId42"/>
+    <p:notesMasterId r:id="rId44"/>
   </p:notesMasterIdLst>
   <p:sldIdLst>
     <p:sldId id="256" r:id="rId2"/>
@@ -31,23 +31,25 @@
     <p:sldId id="306" r:id="rId22"/>
     <p:sldId id="324" r:id="rId23"/>
     <p:sldId id="307" r:id="rId24"/>
-    <p:sldId id="308" r:id="rId25"/>
-    <p:sldId id="312" r:id="rId26"/>
-    <p:sldId id="313" r:id="rId27"/>
-    <p:sldId id="309" r:id="rId28"/>
-    <p:sldId id="310" r:id="rId29"/>
-    <p:sldId id="311" r:id="rId30"/>
-    <p:sldId id="286" r:id="rId31"/>
-    <p:sldId id="290" r:id="rId32"/>
-    <p:sldId id="292" r:id="rId33"/>
-    <p:sldId id="314" r:id="rId34"/>
-    <p:sldId id="315" r:id="rId35"/>
-    <p:sldId id="316" r:id="rId36"/>
-    <p:sldId id="317" r:id="rId37"/>
-    <p:sldId id="293" r:id="rId38"/>
-    <p:sldId id="320" r:id="rId39"/>
-    <p:sldId id="283" r:id="rId40"/>
-    <p:sldId id="274" r:id="rId41"/>
+    <p:sldId id="327" r:id="rId25"/>
+    <p:sldId id="328" r:id="rId26"/>
+    <p:sldId id="308" r:id="rId27"/>
+    <p:sldId id="312" r:id="rId28"/>
+    <p:sldId id="313" r:id="rId29"/>
+    <p:sldId id="309" r:id="rId30"/>
+    <p:sldId id="310" r:id="rId31"/>
+    <p:sldId id="311" r:id="rId32"/>
+    <p:sldId id="286" r:id="rId33"/>
+    <p:sldId id="290" r:id="rId34"/>
+    <p:sldId id="292" r:id="rId35"/>
+    <p:sldId id="314" r:id="rId36"/>
+    <p:sldId id="315" r:id="rId37"/>
+    <p:sldId id="316" r:id="rId38"/>
+    <p:sldId id="317" r:id="rId39"/>
+    <p:sldId id="293" r:id="rId40"/>
+    <p:sldId id="320" r:id="rId41"/>
+    <p:sldId id="283" r:id="rId42"/>
+    <p:sldId id="274" r:id="rId43"/>
   </p:sldIdLst>
   <p:sldSz cx="12192000" cy="6858000"/>
   <p:notesSz cx="6858000" cy="9144000"/>
@@ -239,7 +241,7 @@
           <a:p>
             <a:fld id="{EC82124A-F363-4BD3-8BA5-C8EDB8A4673E}" type="datetimeFigureOut">
               <a:rPr lang="zh-CN" altLang="en-US" smtClean="0"/>
-              <a:t>2019/7/1</a:t>
+              <a:t>2019/10/9</a:t>
             </a:fld>
             <a:endParaRPr lang="zh-CN" altLang="en-US"/>
           </a:p>
@@ -551,2487 +553,6 @@
           <a:bodyPr/>
           <a:lstStyle/>
           <a:p>
-            <a:r>
-              <a:rPr lang="en-US" altLang="zh-CN" sz="1200" b="1" i="0" u="none" strike="noStrike" kern="1200" dirty="0" smtClean="0">
-                <a:solidFill>
-                  <a:schemeClr val="tx1"/>
-                </a:solidFill>
-                <a:effectLst/>
-                <a:latin typeface="+mn-lt"/>
-                <a:ea typeface="+mn-ea"/>
-                <a:cs typeface="+mn-cs"/>
-                <a:hlinkClick r:id="rId3"/>
-              </a:rPr>
-              <a:t>http://www.cnblogs.com/henryhappier/archive/2011/02/23/1962617.html</a:t>
-            </a:r>
-          </a:p>
-          <a:p>
-            <a:endParaRPr lang="en-US" altLang="zh-CN" sz="1200" b="1" i="0" u="none" strike="noStrike" kern="1200" dirty="0" smtClean="0">
-              <a:solidFill>
-                <a:schemeClr val="tx1"/>
-              </a:solidFill>
-              <a:effectLst/>
-              <a:latin typeface="+mn-lt"/>
-              <a:ea typeface="+mn-ea"/>
-              <a:cs typeface="+mn-cs"/>
-              <a:hlinkClick r:id="rId3"/>
-            </a:endParaRPr>
-          </a:p>
-          <a:p>
-            <a:r>
-              <a:rPr lang="zh-CN" altLang="en-US" sz="1200" b="1" i="0" u="none" strike="noStrike" kern="1200" dirty="0" smtClean="0">
-                <a:solidFill>
-                  <a:schemeClr val="tx1"/>
-                </a:solidFill>
-                <a:effectLst/>
-                <a:latin typeface="+mn-lt"/>
-                <a:ea typeface="+mn-ea"/>
-                <a:cs typeface="+mn-cs"/>
-                <a:hlinkClick r:id="rId3"/>
-              </a:rPr>
-              <a:t>敏捷：什么是用户故事（</a:t>
-            </a:r>
-            <a:r>
-              <a:rPr lang="en-US" altLang="zh-CN" sz="1200" b="1" i="0" u="none" strike="noStrike" kern="1200" dirty="0" smtClean="0">
-                <a:solidFill>
-                  <a:schemeClr val="tx1"/>
-                </a:solidFill>
-                <a:effectLst/>
-                <a:latin typeface="+mn-lt"/>
-                <a:ea typeface="+mn-ea"/>
-                <a:cs typeface="+mn-cs"/>
-                <a:hlinkClick r:id="rId3"/>
-              </a:rPr>
-              <a:t>User Story</a:t>
-            </a:r>
-            <a:r>
-              <a:rPr lang="zh-CN" altLang="en-US" sz="1200" b="1" i="0" u="none" strike="noStrike" kern="1200" dirty="0" smtClean="0">
-                <a:solidFill>
-                  <a:schemeClr val="tx1"/>
-                </a:solidFill>
-                <a:effectLst/>
-                <a:latin typeface="+mn-lt"/>
-                <a:ea typeface="+mn-ea"/>
-                <a:cs typeface="+mn-cs"/>
-                <a:hlinkClick r:id="rId3"/>
-              </a:rPr>
-              <a:t>）</a:t>
-            </a:r>
-            <a:endParaRPr lang="zh-CN" altLang="en-US" sz="1200" b="1" i="0" kern="1200" dirty="0" smtClean="0">
-              <a:solidFill>
-                <a:schemeClr val="tx1"/>
-              </a:solidFill>
-              <a:effectLst/>
-              <a:latin typeface="+mn-lt"/>
-              <a:ea typeface="+mn-ea"/>
-              <a:cs typeface="+mn-cs"/>
-            </a:endParaRPr>
-          </a:p>
-          <a:p>
-            <a:r>
-              <a:rPr lang="zh-CN" altLang="en-US" sz="1200" b="0" i="0" kern="1200" dirty="0" smtClean="0">
-                <a:solidFill>
-                  <a:schemeClr val="tx1"/>
-                </a:solidFill>
-                <a:effectLst/>
-                <a:latin typeface="+mn-lt"/>
-                <a:ea typeface="+mn-ea"/>
-                <a:cs typeface="+mn-cs"/>
-              </a:rPr>
-              <a:t>摘要</a:t>
-            </a:r>
-            <a:r>
-              <a:rPr lang="en-US" altLang="zh-CN" sz="1200" b="0" i="0" kern="1200" dirty="0" smtClean="0">
-                <a:solidFill>
-                  <a:schemeClr val="tx1"/>
-                </a:solidFill>
-                <a:effectLst/>
-                <a:latin typeface="+mn-lt"/>
-                <a:ea typeface="+mn-ea"/>
-                <a:cs typeface="+mn-cs"/>
-              </a:rPr>
-              <a:t>:</a:t>
-            </a:r>
-          </a:p>
-          <a:p>
-            <a:r>
-              <a:rPr lang="en-US" altLang="zh-CN" sz="1200" b="0" i="0" kern="1200" dirty="0" smtClean="0">
-                <a:solidFill>
-                  <a:schemeClr val="tx1"/>
-                </a:solidFill>
-                <a:effectLst/>
-                <a:latin typeface="+mn-lt"/>
-                <a:ea typeface="+mn-ea"/>
-                <a:cs typeface="+mn-cs"/>
-              </a:rPr>
-              <a:t>    </a:t>
-            </a:r>
-            <a:r>
-              <a:rPr lang="zh-CN" altLang="en-US" sz="1200" b="0" i="0" kern="1200" dirty="0" smtClean="0">
-                <a:solidFill>
-                  <a:schemeClr val="tx1"/>
-                </a:solidFill>
-                <a:effectLst/>
-                <a:latin typeface="+mn-lt"/>
-                <a:ea typeface="+mn-ea"/>
-                <a:cs typeface="+mn-cs"/>
-              </a:rPr>
-              <a:t>一件用户通过系统完成他一个有价值的目标（买一罐饮料）的事。这样的过程就叫“用户案例</a:t>
-            </a:r>
-            <a:r>
-              <a:rPr lang="en-US" altLang="zh-CN" sz="1200" b="0" i="0" kern="1200" dirty="0" smtClean="0">
-                <a:solidFill>
-                  <a:schemeClr val="tx1"/>
-                </a:solidFill>
-                <a:effectLst/>
-                <a:latin typeface="+mn-lt"/>
-                <a:ea typeface="+mn-ea"/>
-                <a:cs typeface="+mn-cs"/>
-              </a:rPr>
-              <a:t>(user case)”</a:t>
-            </a:r>
-            <a:r>
-              <a:rPr lang="zh-CN" altLang="en-US" sz="1200" b="0" i="0" kern="1200" dirty="0" smtClean="0">
-                <a:solidFill>
-                  <a:schemeClr val="tx1"/>
-                </a:solidFill>
-                <a:effectLst/>
-                <a:latin typeface="+mn-lt"/>
-                <a:ea typeface="+mn-ea"/>
-                <a:cs typeface="+mn-cs"/>
-              </a:rPr>
-              <a:t>或者“用户故事</a:t>
-            </a:r>
-            <a:r>
-              <a:rPr lang="en-US" altLang="zh-CN" sz="1200" b="0" i="0" kern="1200" dirty="0" smtClean="0">
-                <a:solidFill>
-                  <a:schemeClr val="tx1"/>
-                </a:solidFill>
-                <a:effectLst/>
-                <a:latin typeface="+mn-lt"/>
-                <a:ea typeface="+mn-ea"/>
-                <a:cs typeface="+mn-cs"/>
-              </a:rPr>
-              <a:t>(user story)”</a:t>
-            </a:r>
-            <a:r>
-              <a:rPr lang="zh-CN" altLang="en-US" sz="1200" b="0" i="0" kern="1200" dirty="0" smtClean="0">
-                <a:solidFill>
-                  <a:schemeClr val="tx1"/>
-                </a:solidFill>
-                <a:effectLst/>
-                <a:latin typeface="+mn-lt"/>
-                <a:ea typeface="+mn-ea"/>
-                <a:cs typeface="+mn-cs"/>
-              </a:rPr>
-              <a:t>。本文描述了敏捷开发的技巧：如何以用户故事管理项目</a:t>
-            </a:r>
-            <a:r>
-              <a:rPr lang="en-US" altLang="zh-CN" sz="1200" b="0" i="0" kern="1200" dirty="0" smtClean="0">
-                <a:solidFill>
-                  <a:schemeClr val="tx1"/>
-                </a:solidFill>
-                <a:effectLst/>
-                <a:latin typeface="+mn-lt"/>
-                <a:ea typeface="+mn-ea"/>
-                <a:cs typeface="+mn-cs"/>
-              </a:rPr>
-              <a:t>.</a:t>
-            </a:r>
-          </a:p>
-          <a:p>
-            <a:r>
-              <a:rPr lang="zh-CN" altLang="en-US" sz="1200" b="1" i="0" kern="1200" dirty="0" smtClean="0">
-                <a:solidFill>
-                  <a:schemeClr val="tx1"/>
-                </a:solidFill>
-                <a:effectLst/>
-                <a:latin typeface="+mn-lt"/>
-                <a:ea typeface="+mn-ea"/>
-                <a:cs typeface="+mn-cs"/>
-              </a:rPr>
-              <a:t>什么是用户故事</a:t>
-            </a:r>
-            <a:r>
-              <a:rPr lang="en-US" altLang="zh-CN" sz="1200" b="1" i="0" kern="1200" dirty="0" smtClean="0">
-                <a:solidFill>
-                  <a:schemeClr val="tx1"/>
-                </a:solidFill>
-                <a:effectLst/>
-                <a:latin typeface="+mn-lt"/>
-                <a:ea typeface="+mn-ea"/>
-                <a:cs typeface="+mn-cs"/>
-              </a:rPr>
-              <a:t>(user story)</a:t>
-            </a:r>
-            <a:endParaRPr lang="zh-CN" altLang="en-US" sz="1200" b="0" i="0" kern="1200" dirty="0" smtClean="0">
-              <a:solidFill>
-                <a:schemeClr val="tx1"/>
-              </a:solidFill>
-              <a:effectLst/>
-              <a:latin typeface="+mn-lt"/>
-              <a:ea typeface="+mn-ea"/>
-              <a:cs typeface="+mn-cs"/>
-            </a:endParaRPr>
-          </a:p>
-          <a:p>
-            <a:r>
-              <a:rPr lang="zh-CN" altLang="en-US" sz="1200" b="0" i="0" kern="1200" dirty="0" smtClean="0">
-                <a:solidFill>
-                  <a:schemeClr val="tx1"/>
-                </a:solidFill>
-                <a:effectLst/>
-                <a:latin typeface="+mn-lt"/>
-                <a:ea typeface="+mn-ea"/>
-                <a:cs typeface="+mn-cs"/>
-              </a:rPr>
-              <a:t>    假定这个项目的客户是个饮料自动售货机的制造商。他们要求我们为他们的售货机开发一款软件。我们可以找他们的市场经理了解这个软件的需求。</a:t>
-            </a:r>
-          </a:p>
-          <a:p>
-            <a:r>
-              <a:rPr lang="zh-CN" altLang="en-US" sz="1200" b="0" i="0" kern="1200" dirty="0" smtClean="0">
-                <a:solidFill>
-                  <a:schemeClr val="tx1"/>
-                </a:solidFill>
-                <a:effectLst/>
-                <a:latin typeface="+mn-lt"/>
-                <a:ea typeface="+mn-ea"/>
-                <a:cs typeface="+mn-cs"/>
-              </a:rPr>
-              <a:t>    因此，我们的客户就是他们的市场经理。谈需求的时候，有一回他这样说：“用户往售货机每塞一个硬币，售货机都要显示当前该客户已经投了多少钱。当用户投的钱够买某一款饮料时，代表这款饮料的按钮的灯就会亮。如果那个用户按了这个按钮，售货机就放一罐饮料到出口，然后找零钱给他。”</a:t>
-            </a:r>
-          </a:p>
-          <a:p>
-            <a:r>
-              <a:rPr lang="zh-CN" altLang="en-US" sz="1200" b="0" i="0" kern="1200" dirty="0" smtClean="0">
-                <a:solidFill>
-                  <a:schemeClr val="tx1"/>
-                </a:solidFill>
-                <a:effectLst/>
-                <a:latin typeface="+mn-lt"/>
-                <a:ea typeface="+mn-ea"/>
-                <a:cs typeface="+mn-cs"/>
-              </a:rPr>
-              <a:t>    上面的话描述的是一件事情，一件用户通过系统完成他一个有价值的目标（买一罐饮料）的事。这样的过程就叫“用户案例</a:t>
-            </a:r>
-            <a:r>
-              <a:rPr lang="en-US" altLang="zh-CN" sz="1200" b="0" i="0" kern="1200" dirty="0" smtClean="0">
-                <a:solidFill>
-                  <a:schemeClr val="tx1"/>
-                </a:solidFill>
-                <a:effectLst/>
-                <a:latin typeface="+mn-lt"/>
-                <a:ea typeface="+mn-ea"/>
-                <a:cs typeface="+mn-cs"/>
-              </a:rPr>
-              <a:t>(user case)”</a:t>
-            </a:r>
-            <a:r>
-              <a:rPr lang="zh-CN" altLang="en-US" sz="1200" b="0" i="0" kern="1200" dirty="0" smtClean="0">
-                <a:solidFill>
-                  <a:schemeClr val="tx1"/>
-                </a:solidFill>
-                <a:effectLst/>
-                <a:latin typeface="+mn-lt"/>
-                <a:ea typeface="+mn-ea"/>
-                <a:cs typeface="+mn-cs"/>
-              </a:rPr>
-              <a:t>或者“用户故事</a:t>
-            </a:r>
-            <a:r>
-              <a:rPr lang="en-US" altLang="zh-CN" sz="1200" b="0" i="0" kern="1200" dirty="0" smtClean="0">
-                <a:solidFill>
-                  <a:schemeClr val="tx1"/>
-                </a:solidFill>
-                <a:effectLst/>
-                <a:latin typeface="+mn-lt"/>
-                <a:ea typeface="+mn-ea"/>
-                <a:cs typeface="+mn-cs"/>
-              </a:rPr>
-              <a:t>(user story)”</a:t>
-            </a:r>
-            <a:r>
-              <a:rPr lang="zh-CN" altLang="en-US" sz="1200" b="0" i="0" kern="1200" dirty="0" smtClean="0">
-                <a:solidFill>
-                  <a:schemeClr val="tx1"/>
-                </a:solidFill>
-                <a:effectLst/>
-                <a:latin typeface="+mn-lt"/>
-                <a:ea typeface="+mn-ea"/>
-                <a:cs typeface="+mn-cs"/>
-              </a:rPr>
-              <a:t>。也就是说，上面我们的客户所说的话，就是在描述一个用户故事（</a:t>
-            </a:r>
-            <a:r>
-              <a:rPr lang="en-US" altLang="zh-CN" sz="1200" b="0" i="0" kern="1200" dirty="0" smtClean="0">
-                <a:solidFill>
-                  <a:schemeClr val="tx1"/>
-                </a:solidFill>
-                <a:effectLst/>
-                <a:latin typeface="+mn-lt"/>
-                <a:ea typeface="+mn-ea"/>
-                <a:cs typeface="+mn-cs"/>
-              </a:rPr>
-              <a:t>user story</a:t>
-            </a:r>
-            <a:r>
-              <a:rPr lang="zh-CN" altLang="en-US" sz="1200" b="0" i="0" kern="1200" dirty="0" smtClean="0">
-                <a:solidFill>
-                  <a:schemeClr val="tx1"/>
-                </a:solidFill>
-                <a:effectLst/>
-                <a:latin typeface="+mn-lt"/>
-                <a:ea typeface="+mn-ea"/>
-                <a:cs typeface="+mn-cs"/>
-              </a:rPr>
-              <a:t>）。</a:t>
-            </a:r>
-            <a:br>
-              <a:rPr lang="zh-CN" altLang="en-US" sz="1200" b="0" i="0" kern="1200" dirty="0" smtClean="0">
-                <a:solidFill>
-                  <a:schemeClr val="tx1"/>
-                </a:solidFill>
-                <a:effectLst/>
-                <a:latin typeface="+mn-lt"/>
-                <a:ea typeface="+mn-ea"/>
-                <a:cs typeface="+mn-cs"/>
-              </a:rPr>
-            </a:br>
-            <a:r>
-              <a:rPr lang="zh-CN" altLang="en-US" sz="1200" b="0" i="0" kern="1200" dirty="0" smtClean="0">
-                <a:solidFill>
-                  <a:schemeClr val="tx1"/>
-                </a:solidFill>
-                <a:effectLst/>
-                <a:latin typeface="+mn-lt"/>
-                <a:ea typeface="+mn-ea"/>
-                <a:cs typeface="+mn-cs"/>
-              </a:rPr>
-              <a:t>    </a:t>
-            </a:r>
-            <a:r>
-              <a:rPr lang="en-US" altLang="zh-CN" sz="1200" b="0" i="0" kern="1200" dirty="0" smtClean="0">
-                <a:solidFill>
-                  <a:schemeClr val="tx1"/>
-                </a:solidFill>
-                <a:effectLst/>
-                <a:latin typeface="+mn-lt"/>
-                <a:ea typeface="+mn-ea"/>
-                <a:cs typeface="+mn-cs"/>
-              </a:rPr>
-              <a:t>(</a:t>
-            </a:r>
-            <a:r>
-              <a:rPr lang="zh-CN" altLang="en-US" sz="1200" b="0" i="0" kern="1200" dirty="0" smtClean="0">
-                <a:solidFill>
-                  <a:schemeClr val="tx1"/>
-                </a:solidFill>
-                <a:effectLst/>
-                <a:latin typeface="+mn-lt"/>
-                <a:ea typeface="+mn-ea"/>
-                <a:cs typeface="+mn-cs"/>
-              </a:rPr>
-              <a:t>我解释一下为什么用故事这个词，没兴趣也可以忽略。在一个系统面前，每个用户要完成同样的目标，都要做这个系统设定的例行的事，这件事情不是一个例子，所以不叫事例，这也不是故事，也不能算一段历程，而是一个例行的事。</a:t>
-            </a:r>
-            <a:r>
-              <a:rPr lang="en-US" altLang="zh-CN" sz="1200" b="0" i="0" kern="1200" dirty="0" smtClean="0">
-                <a:solidFill>
-                  <a:schemeClr val="tx1"/>
-                </a:solidFill>
-                <a:effectLst/>
-                <a:latin typeface="+mn-lt"/>
-                <a:ea typeface="+mn-ea"/>
-                <a:cs typeface="+mn-cs"/>
-              </a:rPr>
-              <a:t>)</a:t>
-            </a:r>
-          </a:p>
-          <a:p>
-            <a:r>
-              <a:rPr lang="en-US" altLang="zh-CN" sz="1200" b="0" i="0" kern="1200" dirty="0" smtClean="0">
-                <a:solidFill>
-                  <a:schemeClr val="tx1"/>
-                </a:solidFill>
-                <a:effectLst/>
-                <a:latin typeface="+mn-lt"/>
-                <a:ea typeface="+mn-ea"/>
-                <a:cs typeface="+mn-cs"/>
-              </a:rPr>
-              <a:t>    </a:t>
-            </a:r>
-            <a:r>
-              <a:rPr lang="zh-CN" altLang="en-US" sz="1200" b="0" i="0" kern="1200" dirty="0" smtClean="0">
-                <a:solidFill>
-                  <a:schemeClr val="tx1"/>
-                </a:solidFill>
-                <a:effectLst/>
-                <a:latin typeface="+mn-lt"/>
-                <a:ea typeface="+mn-ea"/>
-                <a:cs typeface="+mn-cs"/>
-              </a:rPr>
-              <a:t>如果我们想要记下这段用户故事，我们可能会用这样的格式：</a:t>
-            </a:r>
-          </a:p>
-          <a:p>
-            <a:r>
-              <a:rPr lang="zh-CN" altLang="en-US" sz="1200" b="0" i="0" kern="1200" dirty="0" smtClean="0">
-                <a:solidFill>
-                  <a:schemeClr val="tx1"/>
-                </a:solidFill>
-                <a:effectLst/>
-                <a:latin typeface="+mn-lt"/>
-                <a:ea typeface="+mn-ea"/>
-                <a:cs typeface="+mn-cs"/>
-              </a:rPr>
-              <a:t>    名称：卖饮料</a:t>
-            </a:r>
-          </a:p>
-          <a:p>
-            <a:r>
-              <a:rPr lang="zh-CN" altLang="en-US" sz="1200" b="0" i="0" kern="1200" dirty="0" smtClean="0">
-                <a:solidFill>
-                  <a:schemeClr val="tx1"/>
-                </a:solidFill>
-                <a:effectLst/>
-                <a:latin typeface="+mn-lt"/>
-                <a:ea typeface="+mn-ea"/>
-                <a:cs typeface="+mn-cs"/>
-              </a:rPr>
-              <a:t>    事件：</a:t>
-            </a:r>
-          </a:p>
-          <a:p>
-            <a:r>
-              <a:rPr lang="zh-CN" altLang="en-US" sz="1200" b="0" i="0" kern="1200" dirty="0" smtClean="0">
-                <a:solidFill>
-                  <a:schemeClr val="tx1"/>
-                </a:solidFill>
-                <a:effectLst/>
-                <a:latin typeface="+mn-lt"/>
-                <a:ea typeface="+mn-ea"/>
-                <a:cs typeface="+mn-cs"/>
-              </a:rPr>
-              <a:t>    </a:t>
-            </a:r>
-            <a:r>
-              <a:rPr lang="en-US" altLang="zh-CN" sz="1200" b="0" i="0" kern="1200" dirty="0" smtClean="0">
-                <a:solidFill>
-                  <a:schemeClr val="tx1"/>
-                </a:solidFill>
-                <a:effectLst/>
-                <a:latin typeface="+mn-lt"/>
-                <a:ea typeface="+mn-ea"/>
-                <a:cs typeface="+mn-cs"/>
-              </a:rPr>
-              <a:t>1. </a:t>
-            </a:r>
-            <a:r>
-              <a:rPr lang="zh-CN" altLang="en-US" sz="1200" b="0" i="0" kern="1200" dirty="0" smtClean="0">
-                <a:solidFill>
-                  <a:schemeClr val="tx1"/>
-                </a:solidFill>
-                <a:effectLst/>
-                <a:latin typeface="+mn-lt"/>
-                <a:ea typeface="+mn-ea"/>
-                <a:cs typeface="+mn-cs"/>
-              </a:rPr>
-              <a:t>用户投入一些钱。</a:t>
-            </a:r>
-          </a:p>
-          <a:p>
-            <a:r>
-              <a:rPr lang="zh-CN" altLang="en-US" sz="1200" b="0" i="0" kern="1200" dirty="0" smtClean="0">
-                <a:solidFill>
-                  <a:schemeClr val="tx1"/>
-                </a:solidFill>
-                <a:effectLst/>
-                <a:latin typeface="+mn-lt"/>
-                <a:ea typeface="+mn-ea"/>
-                <a:cs typeface="+mn-cs"/>
-              </a:rPr>
-              <a:t>    </a:t>
-            </a:r>
-            <a:r>
-              <a:rPr lang="en-US" altLang="zh-CN" sz="1200" b="0" i="0" kern="1200" dirty="0" smtClean="0">
-                <a:solidFill>
-                  <a:schemeClr val="tx1"/>
-                </a:solidFill>
-                <a:effectLst/>
-                <a:latin typeface="+mn-lt"/>
-                <a:ea typeface="+mn-ea"/>
-                <a:cs typeface="+mn-cs"/>
-              </a:rPr>
-              <a:t>2. </a:t>
-            </a:r>
-            <a:r>
-              <a:rPr lang="zh-CN" altLang="en-US" sz="1200" b="0" i="0" kern="1200" dirty="0" smtClean="0">
-                <a:solidFill>
-                  <a:schemeClr val="tx1"/>
-                </a:solidFill>
-                <a:effectLst/>
-                <a:latin typeface="+mn-lt"/>
-                <a:ea typeface="+mn-ea"/>
-                <a:cs typeface="+mn-cs"/>
-              </a:rPr>
-              <a:t>售货机显示用户已经投了多少钱。</a:t>
-            </a:r>
-          </a:p>
-          <a:p>
-            <a:r>
-              <a:rPr lang="zh-CN" altLang="en-US" sz="1200" b="0" i="0" kern="1200" dirty="0" smtClean="0">
-                <a:solidFill>
-                  <a:schemeClr val="tx1"/>
-                </a:solidFill>
-                <a:effectLst/>
-                <a:latin typeface="+mn-lt"/>
-                <a:ea typeface="+mn-ea"/>
-                <a:cs typeface="+mn-cs"/>
-              </a:rPr>
-              <a:t>    </a:t>
-            </a:r>
-            <a:r>
-              <a:rPr lang="en-US" altLang="zh-CN" sz="1200" b="0" i="0" kern="1200" dirty="0" smtClean="0">
-                <a:solidFill>
-                  <a:schemeClr val="tx1"/>
-                </a:solidFill>
-                <a:effectLst/>
-                <a:latin typeface="+mn-lt"/>
-                <a:ea typeface="+mn-ea"/>
-                <a:cs typeface="+mn-cs"/>
-              </a:rPr>
-              <a:t>3. </a:t>
-            </a:r>
-            <a:r>
-              <a:rPr lang="zh-CN" altLang="en-US" sz="1200" b="0" i="0" kern="1200" dirty="0" smtClean="0">
-                <a:solidFill>
-                  <a:schemeClr val="tx1"/>
-                </a:solidFill>
-                <a:effectLst/>
-                <a:latin typeface="+mn-lt"/>
-                <a:ea typeface="+mn-ea"/>
-                <a:cs typeface="+mn-cs"/>
-              </a:rPr>
-              <a:t>如果投入的钱足够买某种饮料，这种饮料对应的按钮的灯就会亮。</a:t>
-            </a:r>
-          </a:p>
-          <a:p>
-            <a:r>
-              <a:rPr lang="zh-CN" altLang="en-US" sz="1200" b="0" i="0" kern="1200" dirty="0" smtClean="0">
-                <a:solidFill>
-                  <a:schemeClr val="tx1"/>
-                </a:solidFill>
-                <a:effectLst/>
-                <a:latin typeface="+mn-lt"/>
-                <a:ea typeface="+mn-ea"/>
-                <a:cs typeface="+mn-cs"/>
-              </a:rPr>
-              <a:t>    </a:t>
-            </a:r>
-            <a:r>
-              <a:rPr lang="en-US" altLang="zh-CN" sz="1200" b="0" i="0" kern="1200" dirty="0" smtClean="0">
-                <a:solidFill>
-                  <a:schemeClr val="tx1"/>
-                </a:solidFill>
-                <a:effectLst/>
-                <a:latin typeface="+mn-lt"/>
-                <a:ea typeface="+mn-ea"/>
-                <a:cs typeface="+mn-cs"/>
-              </a:rPr>
-              <a:t>4. </a:t>
-            </a:r>
-            <a:r>
-              <a:rPr lang="zh-CN" altLang="en-US" sz="1200" b="0" i="0" kern="1200" dirty="0" smtClean="0">
-                <a:solidFill>
-                  <a:schemeClr val="tx1"/>
-                </a:solidFill>
-                <a:effectLst/>
-                <a:latin typeface="+mn-lt"/>
-                <a:ea typeface="+mn-ea"/>
-                <a:cs typeface="+mn-cs"/>
-              </a:rPr>
-              <a:t>用户按了某个亮了的按钮。</a:t>
-            </a:r>
-          </a:p>
-          <a:p>
-            <a:r>
-              <a:rPr lang="zh-CN" altLang="en-US" sz="1200" b="0" i="0" kern="1200" dirty="0" smtClean="0">
-                <a:solidFill>
-                  <a:schemeClr val="tx1"/>
-                </a:solidFill>
-                <a:effectLst/>
-                <a:latin typeface="+mn-lt"/>
-                <a:ea typeface="+mn-ea"/>
-                <a:cs typeface="+mn-cs"/>
-              </a:rPr>
-              <a:t>    </a:t>
-            </a:r>
-            <a:r>
-              <a:rPr lang="en-US" altLang="zh-CN" sz="1200" b="0" i="0" kern="1200" dirty="0" smtClean="0">
-                <a:solidFill>
-                  <a:schemeClr val="tx1"/>
-                </a:solidFill>
-                <a:effectLst/>
-                <a:latin typeface="+mn-lt"/>
-                <a:ea typeface="+mn-ea"/>
-                <a:cs typeface="+mn-cs"/>
-              </a:rPr>
-              <a:t>5. </a:t>
-            </a:r>
-            <a:r>
-              <a:rPr lang="zh-CN" altLang="en-US" sz="1200" b="0" i="0" kern="1200" dirty="0" smtClean="0">
-                <a:solidFill>
-                  <a:schemeClr val="tx1"/>
-                </a:solidFill>
-                <a:effectLst/>
-                <a:latin typeface="+mn-lt"/>
-                <a:ea typeface="+mn-ea"/>
-                <a:cs typeface="+mn-cs"/>
-              </a:rPr>
-              <a:t>售货机卖出一罐饮料给他。</a:t>
-            </a:r>
-          </a:p>
-          <a:p>
-            <a:r>
-              <a:rPr lang="zh-CN" altLang="en-US" sz="1200" b="0" i="0" kern="1200" dirty="0" smtClean="0">
-                <a:solidFill>
-                  <a:schemeClr val="tx1"/>
-                </a:solidFill>
-                <a:effectLst/>
-                <a:latin typeface="+mn-lt"/>
-                <a:ea typeface="+mn-ea"/>
-                <a:cs typeface="+mn-cs"/>
-              </a:rPr>
-              <a:t>    </a:t>
-            </a:r>
-            <a:r>
-              <a:rPr lang="en-US" altLang="zh-CN" sz="1200" b="0" i="0" kern="1200" dirty="0" smtClean="0">
-                <a:solidFill>
-                  <a:schemeClr val="tx1"/>
-                </a:solidFill>
-                <a:effectLst/>
-                <a:latin typeface="+mn-lt"/>
-                <a:ea typeface="+mn-ea"/>
-                <a:cs typeface="+mn-cs"/>
-              </a:rPr>
-              <a:t>6. </a:t>
-            </a:r>
-            <a:r>
-              <a:rPr lang="zh-CN" altLang="en-US" sz="1200" b="0" i="0" kern="1200" dirty="0" smtClean="0">
-                <a:solidFill>
-                  <a:schemeClr val="tx1"/>
-                </a:solidFill>
-                <a:effectLst/>
-                <a:latin typeface="+mn-lt"/>
-                <a:ea typeface="+mn-ea"/>
-                <a:cs typeface="+mn-cs"/>
-              </a:rPr>
-              <a:t>售货机找零钱给他。</a:t>
-            </a:r>
-          </a:p>
-          <a:p>
-            <a:r>
-              <a:rPr lang="zh-CN" altLang="en-US" sz="1200" b="0" i="0" kern="1200" dirty="0" smtClean="0">
-                <a:solidFill>
-                  <a:schemeClr val="tx1"/>
-                </a:solidFill>
-                <a:effectLst/>
-                <a:latin typeface="+mn-lt"/>
-                <a:ea typeface="+mn-ea"/>
-                <a:cs typeface="+mn-cs"/>
-              </a:rPr>
-              <a:t>    注意到，一个用户故事里面的事件可以这样描述：</a:t>
-            </a:r>
-          </a:p>
-          <a:p>
-            <a:r>
-              <a:rPr lang="zh-CN" altLang="en-US" sz="1200" b="0" i="0" kern="1200" dirty="0" smtClean="0">
-                <a:solidFill>
-                  <a:schemeClr val="tx1"/>
-                </a:solidFill>
-                <a:effectLst/>
-                <a:latin typeface="+mn-lt"/>
-                <a:ea typeface="+mn-ea"/>
-                <a:cs typeface="+mn-cs"/>
-              </a:rPr>
-              <a:t>    </a:t>
-            </a:r>
-            <a:r>
-              <a:rPr lang="en-US" altLang="zh-CN" sz="1200" b="0" i="0" kern="1200" dirty="0" smtClean="0">
-                <a:solidFill>
-                  <a:schemeClr val="tx1"/>
-                </a:solidFill>
-                <a:effectLst/>
-                <a:latin typeface="+mn-lt"/>
-                <a:ea typeface="+mn-ea"/>
-                <a:cs typeface="+mn-cs"/>
-              </a:rPr>
-              <a:t>1. </a:t>
-            </a:r>
-            <a:r>
-              <a:rPr lang="zh-CN" altLang="en-US" sz="1200" b="0" i="0" kern="1200" dirty="0" smtClean="0">
-                <a:solidFill>
-                  <a:schemeClr val="tx1"/>
-                </a:solidFill>
-                <a:effectLst/>
-                <a:latin typeface="+mn-lt"/>
-                <a:ea typeface="+mn-ea"/>
-                <a:cs typeface="+mn-cs"/>
-              </a:rPr>
-              <a:t>用户做</a:t>
-            </a:r>
-            <a:r>
-              <a:rPr lang="en-US" altLang="zh-CN" sz="1200" b="0" i="0" kern="1200" dirty="0" smtClean="0">
-                <a:solidFill>
-                  <a:schemeClr val="tx1"/>
-                </a:solidFill>
-                <a:effectLst/>
-                <a:latin typeface="+mn-lt"/>
-                <a:ea typeface="+mn-ea"/>
-                <a:cs typeface="+mn-cs"/>
-              </a:rPr>
-              <a:t>XX</a:t>
-            </a:r>
-            <a:r>
-              <a:rPr lang="zh-CN" altLang="en-US" sz="1200" b="0" i="0" kern="1200" dirty="0" smtClean="0">
-                <a:solidFill>
-                  <a:schemeClr val="tx1"/>
-                </a:solidFill>
-                <a:effectLst/>
-                <a:latin typeface="+mn-lt"/>
-                <a:ea typeface="+mn-ea"/>
-                <a:cs typeface="+mn-cs"/>
-              </a:rPr>
-              <a:t>。</a:t>
-            </a:r>
-          </a:p>
-          <a:p>
-            <a:r>
-              <a:rPr lang="zh-CN" altLang="en-US" sz="1200" b="0" i="0" kern="1200" dirty="0" smtClean="0">
-                <a:solidFill>
-                  <a:schemeClr val="tx1"/>
-                </a:solidFill>
-                <a:effectLst/>
-                <a:latin typeface="+mn-lt"/>
-                <a:ea typeface="+mn-ea"/>
-                <a:cs typeface="+mn-cs"/>
-              </a:rPr>
-              <a:t>    </a:t>
-            </a:r>
-            <a:r>
-              <a:rPr lang="en-US" altLang="zh-CN" sz="1200" b="0" i="0" kern="1200" dirty="0" smtClean="0">
-                <a:solidFill>
-                  <a:schemeClr val="tx1"/>
-                </a:solidFill>
-                <a:effectLst/>
-                <a:latin typeface="+mn-lt"/>
-                <a:ea typeface="+mn-ea"/>
-                <a:cs typeface="+mn-cs"/>
-              </a:rPr>
-              <a:t>2. </a:t>
-            </a:r>
-            <a:r>
-              <a:rPr lang="zh-CN" altLang="en-US" sz="1200" b="0" i="0" kern="1200" dirty="0" smtClean="0">
-                <a:solidFill>
-                  <a:schemeClr val="tx1"/>
-                </a:solidFill>
-                <a:effectLst/>
-                <a:latin typeface="+mn-lt"/>
-                <a:ea typeface="+mn-ea"/>
-                <a:cs typeface="+mn-cs"/>
-              </a:rPr>
-              <a:t>系统做</a:t>
-            </a:r>
-            <a:r>
-              <a:rPr lang="en-US" altLang="zh-CN" sz="1200" b="0" i="0" kern="1200" dirty="0" smtClean="0">
-                <a:solidFill>
-                  <a:schemeClr val="tx1"/>
-                </a:solidFill>
-                <a:effectLst/>
-                <a:latin typeface="+mn-lt"/>
-                <a:ea typeface="+mn-ea"/>
-                <a:cs typeface="+mn-cs"/>
-              </a:rPr>
-              <a:t>YY</a:t>
-            </a:r>
-            <a:r>
-              <a:rPr lang="zh-CN" altLang="en-US" sz="1200" b="0" i="0" kern="1200" dirty="0" smtClean="0">
-                <a:solidFill>
-                  <a:schemeClr val="tx1"/>
-                </a:solidFill>
-                <a:effectLst/>
-                <a:latin typeface="+mn-lt"/>
-                <a:ea typeface="+mn-ea"/>
-                <a:cs typeface="+mn-cs"/>
-              </a:rPr>
-              <a:t>。</a:t>
-            </a:r>
-          </a:p>
-          <a:p>
-            <a:r>
-              <a:rPr lang="zh-CN" altLang="en-US" sz="1200" b="0" i="0" kern="1200" dirty="0" smtClean="0">
-                <a:solidFill>
-                  <a:schemeClr val="tx1"/>
-                </a:solidFill>
-                <a:effectLst/>
-                <a:latin typeface="+mn-lt"/>
-                <a:ea typeface="+mn-ea"/>
-                <a:cs typeface="+mn-cs"/>
-              </a:rPr>
-              <a:t>    </a:t>
-            </a:r>
-            <a:r>
-              <a:rPr lang="en-US" altLang="zh-CN" sz="1200" b="0" i="0" kern="1200" dirty="0" smtClean="0">
-                <a:solidFill>
-                  <a:schemeClr val="tx1"/>
-                </a:solidFill>
-                <a:effectLst/>
-                <a:latin typeface="+mn-lt"/>
-                <a:ea typeface="+mn-ea"/>
-                <a:cs typeface="+mn-cs"/>
-              </a:rPr>
-              <a:t>3. </a:t>
-            </a:r>
-            <a:r>
-              <a:rPr lang="zh-CN" altLang="en-US" sz="1200" b="0" i="0" kern="1200" dirty="0" smtClean="0">
-                <a:solidFill>
-                  <a:schemeClr val="tx1"/>
-                </a:solidFill>
-                <a:effectLst/>
-                <a:latin typeface="+mn-lt"/>
-                <a:ea typeface="+mn-ea"/>
-                <a:cs typeface="+mn-cs"/>
-              </a:rPr>
-              <a:t>用户做</a:t>
-            </a:r>
-            <a:r>
-              <a:rPr lang="en-US" altLang="zh-CN" sz="1200" b="0" i="0" kern="1200" dirty="0" smtClean="0">
-                <a:solidFill>
-                  <a:schemeClr val="tx1"/>
-                </a:solidFill>
-                <a:effectLst/>
-                <a:latin typeface="+mn-lt"/>
-                <a:ea typeface="+mn-ea"/>
-                <a:cs typeface="+mn-cs"/>
-              </a:rPr>
-              <a:t>ZZ</a:t>
-            </a:r>
-            <a:r>
-              <a:rPr lang="zh-CN" altLang="en-US" sz="1200" b="0" i="0" kern="1200" dirty="0" smtClean="0">
-                <a:solidFill>
-                  <a:schemeClr val="tx1"/>
-                </a:solidFill>
-                <a:effectLst/>
-                <a:latin typeface="+mn-lt"/>
-                <a:ea typeface="+mn-ea"/>
-                <a:cs typeface="+mn-cs"/>
-              </a:rPr>
-              <a:t>。</a:t>
-            </a:r>
-          </a:p>
-          <a:p>
-            <a:r>
-              <a:rPr lang="zh-CN" altLang="en-US" sz="1200" b="0" i="0" kern="1200" dirty="0" smtClean="0">
-                <a:solidFill>
-                  <a:schemeClr val="tx1"/>
-                </a:solidFill>
-                <a:effectLst/>
-                <a:latin typeface="+mn-lt"/>
-                <a:ea typeface="+mn-ea"/>
-                <a:cs typeface="+mn-cs"/>
-              </a:rPr>
-              <a:t>    </a:t>
-            </a:r>
-            <a:r>
-              <a:rPr lang="en-US" altLang="zh-CN" sz="1200" b="0" i="0" kern="1200" dirty="0" smtClean="0">
-                <a:solidFill>
-                  <a:schemeClr val="tx1"/>
-                </a:solidFill>
-                <a:effectLst/>
-                <a:latin typeface="+mn-lt"/>
-                <a:ea typeface="+mn-ea"/>
-                <a:cs typeface="+mn-cs"/>
-              </a:rPr>
-              <a:t>4. </a:t>
-            </a:r>
-            <a:r>
-              <a:rPr lang="zh-CN" altLang="en-US" sz="1200" b="0" i="0" kern="1200" dirty="0" smtClean="0">
-                <a:solidFill>
-                  <a:schemeClr val="tx1"/>
-                </a:solidFill>
-                <a:effectLst/>
-                <a:latin typeface="+mn-lt"/>
-                <a:ea typeface="+mn-ea"/>
-                <a:cs typeface="+mn-cs"/>
-              </a:rPr>
-              <a:t>系统做</a:t>
-            </a:r>
-            <a:r>
-              <a:rPr lang="en-US" altLang="zh-CN" sz="1200" b="0" i="0" kern="1200" dirty="0" smtClean="0">
-                <a:solidFill>
-                  <a:schemeClr val="tx1"/>
-                </a:solidFill>
-                <a:effectLst/>
-                <a:latin typeface="+mn-lt"/>
-                <a:ea typeface="+mn-ea"/>
-                <a:cs typeface="+mn-cs"/>
-              </a:rPr>
-              <a:t>TT</a:t>
-            </a:r>
-            <a:r>
-              <a:rPr lang="zh-CN" altLang="en-US" sz="1200" b="0" i="0" kern="1200" dirty="0" smtClean="0">
-                <a:solidFill>
-                  <a:schemeClr val="tx1"/>
-                </a:solidFill>
-                <a:effectLst/>
-                <a:latin typeface="+mn-lt"/>
-                <a:ea typeface="+mn-ea"/>
-                <a:cs typeface="+mn-cs"/>
-              </a:rPr>
-              <a:t>。</a:t>
-            </a:r>
-          </a:p>
-          <a:p>
-            <a:r>
-              <a:rPr lang="zh-CN" altLang="en-US" sz="1200" b="0" i="0" kern="1200" dirty="0" smtClean="0">
-                <a:solidFill>
-                  <a:schemeClr val="tx1"/>
-                </a:solidFill>
-                <a:effectLst/>
-                <a:latin typeface="+mn-lt"/>
-                <a:ea typeface="+mn-ea"/>
-                <a:cs typeface="+mn-cs"/>
-              </a:rPr>
-              <a:t>    </a:t>
-            </a:r>
-            <a:r>
-              <a:rPr lang="en-US" altLang="zh-CN" sz="1200" b="0" i="0" kern="1200" dirty="0" smtClean="0">
-                <a:solidFill>
-                  <a:schemeClr val="tx1"/>
-                </a:solidFill>
-                <a:effectLst/>
-                <a:latin typeface="+mn-lt"/>
-                <a:ea typeface="+mn-ea"/>
-                <a:cs typeface="+mn-cs"/>
-              </a:rPr>
-              <a:t>5.  ...</a:t>
-            </a:r>
-          </a:p>
-          <a:p>
-            <a:r>
-              <a:rPr lang="zh-CN" altLang="en-US" sz="1200" b="1" i="0" kern="1200" dirty="0" smtClean="0">
-                <a:solidFill>
-                  <a:schemeClr val="tx1"/>
-                </a:solidFill>
-                <a:effectLst/>
-                <a:latin typeface="+mn-lt"/>
-                <a:ea typeface="+mn-ea"/>
-                <a:cs typeface="+mn-cs"/>
-              </a:rPr>
-              <a:t>用户故事只是描述系统的外在行为</a:t>
-            </a:r>
-            <a:endParaRPr lang="zh-CN" altLang="en-US" sz="1200" b="0" i="0" kern="1200" dirty="0" smtClean="0">
-              <a:solidFill>
-                <a:schemeClr val="tx1"/>
-              </a:solidFill>
-              <a:effectLst/>
-              <a:latin typeface="+mn-lt"/>
-              <a:ea typeface="+mn-ea"/>
-              <a:cs typeface="+mn-cs"/>
-            </a:endParaRPr>
-          </a:p>
-          <a:p>
-            <a:r>
-              <a:rPr lang="zh-CN" altLang="en-US" sz="1200" b="0" i="0" kern="1200" dirty="0" smtClean="0">
-                <a:solidFill>
-                  <a:schemeClr val="tx1"/>
-                </a:solidFill>
-                <a:effectLst/>
-                <a:latin typeface="+mn-lt"/>
-                <a:ea typeface="+mn-ea"/>
-                <a:cs typeface="+mn-cs"/>
-              </a:rPr>
-              <a:t>    一个用户故事只是以客户能够明白的方式，描述了一个系统的外在行为，它完全忽略了系统的内部动作。比如，下面有下划线的那些文字，就属于不应该出现在用户故事中的系统内部动作：</a:t>
-            </a:r>
-          </a:p>
-          <a:p>
-            <a:r>
-              <a:rPr lang="zh-CN" altLang="en-US" sz="1200" b="0" i="0" kern="1200" dirty="0" smtClean="0">
-                <a:solidFill>
-                  <a:schemeClr val="tx1"/>
-                </a:solidFill>
-                <a:effectLst/>
-                <a:latin typeface="+mn-lt"/>
-                <a:ea typeface="+mn-ea"/>
-                <a:cs typeface="+mn-cs"/>
-              </a:rPr>
-              <a:t>    </a:t>
-            </a:r>
-            <a:r>
-              <a:rPr lang="en-US" altLang="zh-CN" sz="1200" b="0" i="0" kern="1200" dirty="0" smtClean="0">
-                <a:solidFill>
-                  <a:schemeClr val="tx1"/>
-                </a:solidFill>
-                <a:effectLst/>
-                <a:latin typeface="+mn-lt"/>
-                <a:ea typeface="+mn-ea"/>
-                <a:cs typeface="+mn-cs"/>
-              </a:rPr>
-              <a:t>1. </a:t>
-            </a:r>
-            <a:r>
-              <a:rPr lang="zh-CN" altLang="en-US" sz="1200" b="0" i="0" kern="1200" dirty="0" smtClean="0">
-                <a:solidFill>
-                  <a:schemeClr val="tx1"/>
-                </a:solidFill>
-                <a:effectLst/>
-                <a:latin typeface="+mn-lt"/>
-                <a:ea typeface="+mn-ea"/>
-                <a:cs typeface="+mn-cs"/>
-              </a:rPr>
-              <a:t>用户投入一些钱。</a:t>
-            </a:r>
-          </a:p>
-          <a:p>
-            <a:r>
-              <a:rPr lang="zh-CN" altLang="en-US" sz="1200" b="0" i="0" kern="1200" dirty="0" smtClean="0">
-                <a:solidFill>
-                  <a:schemeClr val="tx1"/>
-                </a:solidFill>
-                <a:effectLst/>
-                <a:latin typeface="+mn-lt"/>
-                <a:ea typeface="+mn-ea"/>
-                <a:cs typeface="+mn-cs"/>
-              </a:rPr>
-              <a:t>    </a:t>
-            </a:r>
-            <a:r>
-              <a:rPr lang="en-US" altLang="zh-CN" sz="1200" b="0" i="0" kern="1200" dirty="0" smtClean="0">
-                <a:solidFill>
-                  <a:schemeClr val="tx1"/>
-                </a:solidFill>
-                <a:effectLst/>
-                <a:latin typeface="+mn-lt"/>
-                <a:ea typeface="+mn-ea"/>
-                <a:cs typeface="+mn-cs"/>
-              </a:rPr>
-              <a:t>2. </a:t>
-            </a:r>
-            <a:r>
-              <a:rPr lang="zh-CN" altLang="en-US" sz="1200" b="0" i="0" kern="1200" dirty="0" smtClean="0">
-                <a:solidFill>
-                  <a:schemeClr val="tx1"/>
-                </a:solidFill>
-                <a:effectLst/>
-                <a:latin typeface="+mn-lt"/>
-                <a:ea typeface="+mn-ea"/>
-                <a:cs typeface="+mn-cs"/>
-              </a:rPr>
-              <a:t>售货机将塞进来的钱存在钱箱里，然后发送一条命令给屏幕，屏幕显示目前已经投入的金额。</a:t>
-            </a:r>
-          </a:p>
-          <a:p>
-            <a:r>
-              <a:rPr lang="zh-CN" altLang="en-US" sz="1200" b="0" i="0" kern="1200" dirty="0" smtClean="0">
-                <a:solidFill>
-                  <a:schemeClr val="tx1"/>
-                </a:solidFill>
-                <a:effectLst/>
-                <a:latin typeface="+mn-lt"/>
-                <a:ea typeface="+mn-ea"/>
-                <a:cs typeface="+mn-cs"/>
-              </a:rPr>
-              <a:t>    </a:t>
-            </a:r>
-            <a:r>
-              <a:rPr lang="en-US" altLang="zh-CN" sz="1200" b="0" i="0" kern="1200" dirty="0" smtClean="0">
-                <a:solidFill>
-                  <a:schemeClr val="tx1"/>
-                </a:solidFill>
-                <a:effectLst/>
-                <a:latin typeface="+mn-lt"/>
-                <a:ea typeface="+mn-ea"/>
-                <a:cs typeface="+mn-cs"/>
-              </a:rPr>
-              <a:t>3. </a:t>
-            </a:r>
-            <a:r>
-              <a:rPr lang="zh-CN" altLang="en-US" sz="1200" b="0" i="0" kern="1200" dirty="0" smtClean="0">
-                <a:solidFill>
-                  <a:schemeClr val="tx1"/>
-                </a:solidFill>
-                <a:effectLst/>
-                <a:latin typeface="+mn-lt"/>
-                <a:ea typeface="+mn-ea"/>
-                <a:cs typeface="+mn-cs"/>
-              </a:rPr>
-              <a:t>售货机查询数据库里面所有饮料的价格，判定钱足够买哪些饮料，对于钱足够买的那些饮料，对应的按钮的灯就会亮起来。</a:t>
-            </a:r>
-          </a:p>
-          <a:p>
-            <a:r>
-              <a:rPr lang="zh-CN" altLang="en-US" sz="1200" b="0" i="0" kern="1200" dirty="0" smtClean="0">
-                <a:solidFill>
-                  <a:schemeClr val="tx1"/>
-                </a:solidFill>
-                <a:effectLst/>
-                <a:latin typeface="+mn-lt"/>
-                <a:ea typeface="+mn-ea"/>
-                <a:cs typeface="+mn-cs"/>
-              </a:rPr>
-              <a:t>    </a:t>
-            </a:r>
-            <a:r>
-              <a:rPr lang="en-US" altLang="zh-CN" sz="1200" b="0" i="0" kern="1200" dirty="0" smtClean="0">
-                <a:solidFill>
-                  <a:schemeClr val="tx1"/>
-                </a:solidFill>
-                <a:effectLst/>
-                <a:latin typeface="+mn-lt"/>
-                <a:ea typeface="+mn-ea"/>
-                <a:cs typeface="+mn-cs"/>
-              </a:rPr>
-              <a:t>4. </a:t>
-            </a:r>
-            <a:r>
-              <a:rPr lang="zh-CN" altLang="en-US" sz="1200" b="0" i="0" kern="1200" dirty="0" smtClean="0">
-                <a:solidFill>
-                  <a:schemeClr val="tx1"/>
-                </a:solidFill>
-                <a:effectLst/>
-                <a:latin typeface="+mn-lt"/>
-                <a:ea typeface="+mn-ea"/>
-                <a:cs typeface="+mn-cs"/>
-              </a:rPr>
-              <a:t>用户按下一个亮起来的按钮。</a:t>
-            </a:r>
-          </a:p>
-          <a:p>
-            <a:r>
-              <a:rPr lang="zh-CN" altLang="en-US" sz="1200" b="0" i="0" kern="1200" dirty="0" smtClean="0">
-                <a:solidFill>
-                  <a:schemeClr val="tx1"/>
-                </a:solidFill>
-                <a:effectLst/>
-                <a:latin typeface="+mn-lt"/>
-                <a:ea typeface="+mn-ea"/>
-                <a:cs typeface="+mn-cs"/>
-              </a:rPr>
-              <a:t>    </a:t>
-            </a:r>
-            <a:r>
-              <a:rPr lang="en-US" altLang="zh-CN" sz="1200" b="0" i="0" kern="1200" dirty="0" smtClean="0">
-                <a:solidFill>
-                  <a:schemeClr val="tx1"/>
-                </a:solidFill>
-                <a:effectLst/>
-                <a:latin typeface="+mn-lt"/>
-                <a:ea typeface="+mn-ea"/>
-                <a:cs typeface="+mn-cs"/>
-              </a:rPr>
-              <a:t>5. </a:t>
-            </a:r>
-            <a:r>
-              <a:rPr lang="zh-CN" altLang="en-US" sz="1200" b="0" i="0" kern="1200" dirty="0" smtClean="0">
-                <a:solidFill>
-                  <a:schemeClr val="tx1"/>
-                </a:solidFill>
-                <a:effectLst/>
-                <a:latin typeface="+mn-lt"/>
-                <a:ea typeface="+mn-ea"/>
-                <a:cs typeface="+mn-cs"/>
-              </a:rPr>
-              <a:t>售货机卖出一罐饮料给用户，然后将数据库里面该饮料的存货数量减</a:t>
-            </a:r>
-            <a:r>
-              <a:rPr lang="en-US" altLang="zh-CN" sz="1200" b="0" i="0" kern="1200" dirty="0" smtClean="0">
-                <a:solidFill>
-                  <a:schemeClr val="tx1"/>
-                </a:solidFill>
-                <a:effectLst/>
-                <a:latin typeface="+mn-lt"/>
-                <a:ea typeface="+mn-ea"/>
-                <a:cs typeface="+mn-cs"/>
-              </a:rPr>
-              <a:t>1</a:t>
-            </a:r>
-            <a:r>
-              <a:rPr lang="zh-CN" altLang="en-US" sz="1200" b="0" i="0" kern="1200" dirty="0" smtClean="0">
-                <a:solidFill>
-                  <a:schemeClr val="tx1"/>
-                </a:solidFill>
-                <a:effectLst/>
-                <a:latin typeface="+mn-lt"/>
-                <a:ea typeface="+mn-ea"/>
-                <a:cs typeface="+mn-cs"/>
-              </a:rPr>
-              <a:t>。</a:t>
-            </a:r>
-          </a:p>
-          <a:p>
-            <a:r>
-              <a:rPr lang="zh-CN" altLang="en-US" sz="1200" b="0" i="0" kern="1200" dirty="0" smtClean="0">
-                <a:solidFill>
-                  <a:schemeClr val="tx1"/>
-                </a:solidFill>
-                <a:effectLst/>
-                <a:latin typeface="+mn-lt"/>
-                <a:ea typeface="+mn-ea"/>
-                <a:cs typeface="+mn-cs"/>
-              </a:rPr>
-              <a:t>    </a:t>
-            </a:r>
-            <a:r>
-              <a:rPr lang="en-US" altLang="zh-CN" sz="1200" b="0" i="0" kern="1200" dirty="0" smtClean="0">
-                <a:solidFill>
-                  <a:schemeClr val="tx1"/>
-                </a:solidFill>
-                <a:effectLst/>
-                <a:latin typeface="+mn-lt"/>
-                <a:ea typeface="+mn-ea"/>
-                <a:cs typeface="+mn-cs"/>
-              </a:rPr>
-              <a:t>6. </a:t>
-            </a:r>
-            <a:r>
-              <a:rPr lang="zh-CN" altLang="en-US" sz="1200" b="0" i="0" kern="1200" dirty="0" smtClean="0">
-                <a:solidFill>
-                  <a:schemeClr val="tx1"/>
-                </a:solidFill>
-                <a:effectLst/>
-                <a:latin typeface="+mn-lt"/>
-                <a:ea typeface="+mn-ea"/>
-                <a:cs typeface="+mn-cs"/>
-              </a:rPr>
-              <a:t>售货机找零钱给用户。</a:t>
-            </a:r>
-          </a:p>
-          <a:p>
-            <a:r>
-              <a:rPr lang="zh-CN" altLang="en-US" sz="1200" b="0" i="0" kern="1200" dirty="0" smtClean="0">
-                <a:solidFill>
-                  <a:schemeClr val="tx1"/>
-                </a:solidFill>
-                <a:effectLst/>
-                <a:latin typeface="+mn-lt"/>
-                <a:ea typeface="+mn-ea"/>
-                <a:cs typeface="+mn-cs"/>
-              </a:rPr>
-              <a:t>    不管是口头描述的，还是书面形式，这样的内容是描述用户故事时一个很常见的错误。特别的，千万不要提及任何有关数据库，记录，字段之类的对客户一点意义都没有的东西。</a:t>
-            </a:r>
-          </a:p>
-          <a:p>
-            <a:r>
-              <a:rPr lang="zh-CN" altLang="en-US" sz="1200" b="1" i="0" kern="1200" dirty="0" smtClean="0">
-                <a:solidFill>
-                  <a:schemeClr val="tx1"/>
-                </a:solidFill>
-                <a:effectLst/>
-                <a:latin typeface="+mn-lt"/>
-                <a:ea typeface="+mn-ea"/>
-                <a:cs typeface="+mn-cs"/>
-              </a:rPr>
-              <a:t>评估发布时间</a:t>
-            </a:r>
-            <a:endParaRPr lang="zh-CN" altLang="en-US" sz="1200" b="0" i="0" kern="1200" dirty="0" smtClean="0">
-              <a:solidFill>
-                <a:schemeClr val="tx1"/>
-              </a:solidFill>
-              <a:effectLst/>
-              <a:latin typeface="+mn-lt"/>
-              <a:ea typeface="+mn-ea"/>
-              <a:cs typeface="+mn-cs"/>
-            </a:endParaRPr>
-          </a:p>
-          <a:p>
-            <a:r>
-              <a:rPr lang="zh-CN" altLang="en-US" sz="1200" b="0" i="0" kern="1200" dirty="0" smtClean="0">
-                <a:solidFill>
-                  <a:schemeClr val="tx1"/>
-                </a:solidFill>
-                <a:effectLst/>
-                <a:latin typeface="+mn-lt"/>
-                <a:ea typeface="+mn-ea"/>
-                <a:cs typeface="+mn-cs"/>
-              </a:rPr>
-              <a:t>    用户故事是用来干嘛的？假定客户希望在</a:t>
-            </a:r>
-            <a:r>
-              <a:rPr lang="en-US" altLang="zh-CN" sz="1200" b="0" i="0" kern="1200" dirty="0" smtClean="0">
-                <a:solidFill>
-                  <a:schemeClr val="tx1"/>
-                </a:solidFill>
-                <a:effectLst/>
-                <a:latin typeface="+mn-lt"/>
-                <a:ea typeface="+mn-ea"/>
-                <a:cs typeface="+mn-cs"/>
-              </a:rPr>
-              <a:t>50</a:t>
-            </a:r>
-            <a:r>
-              <a:rPr lang="zh-CN" altLang="en-US" sz="1200" b="0" i="0" kern="1200" dirty="0" smtClean="0">
-                <a:solidFill>
-                  <a:schemeClr val="tx1"/>
-                </a:solidFill>
-                <a:effectLst/>
-                <a:latin typeface="+mn-lt"/>
-                <a:ea typeface="+mn-ea"/>
-                <a:cs typeface="+mn-cs"/>
-              </a:rPr>
-              <a:t>天内递交这个系统。我们做得了吗？为了解答这个问题，我们就要在项目开始的阶段，试着找出所有的用户故事，然后评估一下，每一项历程需要多长的开发时间。可是，怎么评估呢？</a:t>
-            </a:r>
-            <a:br>
-              <a:rPr lang="zh-CN" altLang="en-US" sz="1200" b="0" i="0" kern="1200" dirty="0" smtClean="0">
-                <a:solidFill>
-                  <a:schemeClr val="tx1"/>
-                </a:solidFill>
-                <a:effectLst/>
-                <a:latin typeface="+mn-lt"/>
-                <a:ea typeface="+mn-ea"/>
-                <a:cs typeface="+mn-cs"/>
-              </a:rPr>
-            </a:br>
-            <a:r>
-              <a:rPr lang="zh-CN" altLang="en-US" sz="1200" b="0" i="0" kern="1200" dirty="0" smtClean="0">
-                <a:solidFill>
-                  <a:schemeClr val="tx1"/>
-                </a:solidFill>
-                <a:effectLst/>
-                <a:latin typeface="+mn-lt"/>
-                <a:ea typeface="+mn-ea"/>
-                <a:cs typeface="+mn-cs"/>
-              </a:rPr>
-              <a:t>    比如，我们现在收集了下面这些用户故事：</a:t>
-            </a:r>
-          </a:p>
-          <a:p>
-            <a:r>
-              <a:rPr lang="zh-CN" altLang="en-US" sz="1200" b="0" i="0" kern="1200" dirty="0" smtClean="0">
-                <a:solidFill>
-                  <a:schemeClr val="tx1"/>
-                </a:solidFill>
-                <a:effectLst/>
-                <a:latin typeface="+mn-lt"/>
-                <a:ea typeface="+mn-ea"/>
-                <a:cs typeface="+mn-cs"/>
-              </a:rPr>
-              <a:t>    卖饮料：如上面所说的。</a:t>
-            </a:r>
-            <a:br>
-              <a:rPr lang="zh-CN" altLang="en-US" sz="1200" b="0" i="0" kern="1200" dirty="0" smtClean="0">
-                <a:solidFill>
-                  <a:schemeClr val="tx1"/>
-                </a:solidFill>
-                <a:effectLst/>
-                <a:latin typeface="+mn-lt"/>
-                <a:ea typeface="+mn-ea"/>
-                <a:cs typeface="+mn-cs"/>
-              </a:rPr>
-            </a:br>
-            <a:r>
-              <a:rPr lang="zh-CN" altLang="en-US" sz="1200" b="0" i="0" kern="1200" dirty="0" smtClean="0">
-                <a:solidFill>
-                  <a:schemeClr val="tx1"/>
-                </a:solidFill>
-                <a:effectLst/>
-                <a:latin typeface="+mn-lt"/>
-                <a:ea typeface="+mn-ea"/>
-                <a:cs typeface="+mn-cs"/>
-              </a:rPr>
-              <a:t>    取消购买：在投入了一些钱后，用户可以取消购买。</a:t>
-            </a:r>
-            <a:br>
-              <a:rPr lang="zh-CN" altLang="en-US" sz="1200" b="0" i="0" kern="1200" dirty="0" smtClean="0">
-                <a:solidFill>
-                  <a:schemeClr val="tx1"/>
-                </a:solidFill>
-                <a:effectLst/>
-                <a:latin typeface="+mn-lt"/>
-                <a:ea typeface="+mn-ea"/>
-                <a:cs typeface="+mn-cs"/>
-              </a:rPr>
-            </a:br>
-            <a:r>
-              <a:rPr lang="zh-CN" altLang="en-US" sz="1200" b="0" i="0" kern="1200" dirty="0" smtClean="0">
-                <a:solidFill>
-                  <a:schemeClr val="tx1"/>
-                </a:solidFill>
-                <a:effectLst/>
-                <a:latin typeface="+mn-lt"/>
-                <a:ea typeface="+mn-ea"/>
-                <a:cs typeface="+mn-cs"/>
-              </a:rPr>
-              <a:t>    输入管理密码：授权的人可以输入管理密码，然后增加存货，设定价格，拿走里面的钱等等。</a:t>
-            </a:r>
-            <a:br>
-              <a:rPr lang="zh-CN" altLang="en-US" sz="1200" b="0" i="0" kern="1200" dirty="0" smtClean="0">
-                <a:solidFill>
-                  <a:schemeClr val="tx1"/>
-                </a:solidFill>
-                <a:effectLst/>
-                <a:latin typeface="+mn-lt"/>
-                <a:ea typeface="+mn-ea"/>
-                <a:cs typeface="+mn-cs"/>
-              </a:rPr>
-            </a:br>
-            <a:r>
-              <a:rPr lang="zh-CN" altLang="en-US" sz="1200" b="0" i="0" kern="1200" dirty="0" smtClean="0">
-                <a:solidFill>
-                  <a:schemeClr val="tx1"/>
-                </a:solidFill>
-                <a:effectLst/>
-                <a:latin typeface="+mn-lt"/>
-                <a:ea typeface="+mn-ea"/>
-                <a:cs typeface="+mn-cs"/>
-              </a:rPr>
-              <a:t>    补充饮料：授权的人可以在输入管理密码后增加存货。</a:t>
-            </a:r>
-            <a:br>
-              <a:rPr lang="zh-CN" altLang="en-US" sz="1200" b="0" i="0" kern="1200" dirty="0" smtClean="0">
-                <a:solidFill>
-                  <a:schemeClr val="tx1"/>
-                </a:solidFill>
-                <a:effectLst/>
-                <a:latin typeface="+mn-lt"/>
-                <a:ea typeface="+mn-ea"/>
-                <a:cs typeface="+mn-cs"/>
-              </a:rPr>
-            </a:br>
-            <a:r>
-              <a:rPr lang="zh-CN" altLang="en-US" sz="1200" b="0" i="0" kern="1200" dirty="0" smtClean="0">
-                <a:solidFill>
-                  <a:schemeClr val="tx1"/>
-                </a:solidFill>
-                <a:effectLst/>
-                <a:latin typeface="+mn-lt"/>
-                <a:ea typeface="+mn-ea"/>
-                <a:cs typeface="+mn-cs"/>
-              </a:rPr>
-              <a:t>    取出钱箱里的钱：授权的人在输入管理密码后，可以取出钱箱里的钱箱里面的钱。</a:t>
-            </a:r>
-            <a:br>
-              <a:rPr lang="zh-CN" altLang="en-US" sz="1200" b="0" i="0" kern="1200" dirty="0" smtClean="0">
-                <a:solidFill>
-                  <a:schemeClr val="tx1"/>
-                </a:solidFill>
-                <a:effectLst/>
-                <a:latin typeface="+mn-lt"/>
-                <a:ea typeface="+mn-ea"/>
-                <a:cs typeface="+mn-cs"/>
-              </a:rPr>
-            </a:br>
-            <a:r>
-              <a:rPr lang="zh-CN" altLang="en-US" sz="1200" b="0" i="0" kern="1200" dirty="0" smtClean="0">
-                <a:solidFill>
-                  <a:schemeClr val="tx1"/>
-                </a:solidFill>
-                <a:effectLst/>
-                <a:latin typeface="+mn-lt"/>
-                <a:ea typeface="+mn-ea"/>
-                <a:cs typeface="+mn-cs"/>
-              </a:rPr>
-              <a:t>    安全警报：有些事情经常发生的话，系统会自动打开安全警报。</a:t>
-            </a:r>
-            <a:br>
-              <a:rPr lang="zh-CN" altLang="en-US" sz="1200" b="0" i="0" kern="1200" dirty="0" smtClean="0">
-                <a:solidFill>
-                  <a:schemeClr val="tx1"/>
-                </a:solidFill>
-                <a:effectLst/>
-                <a:latin typeface="+mn-lt"/>
-                <a:ea typeface="+mn-ea"/>
-                <a:cs typeface="+mn-cs"/>
-              </a:rPr>
-            </a:br>
-            <a:r>
-              <a:rPr lang="zh-CN" altLang="en-US" sz="1200" b="0" i="0" kern="1200" dirty="0" smtClean="0">
-                <a:solidFill>
-                  <a:schemeClr val="tx1"/>
-                </a:solidFill>
-                <a:effectLst/>
-                <a:latin typeface="+mn-lt"/>
-                <a:ea typeface="+mn-ea"/>
-                <a:cs typeface="+mn-cs"/>
-              </a:rPr>
-              <a:t>    打印月销售报表：授权的人可以打印出月销售报表。</a:t>
-            </a:r>
-          </a:p>
-          <a:p>
-            <a:r>
-              <a:rPr lang="zh-CN" altLang="en-US" sz="1200" b="0" i="0" kern="1200" dirty="0" smtClean="0">
-                <a:solidFill>
-                  <a:schemeClr val="tx1"/>
-                </a:solidFill>
-                <a:effectLst/>
-                <a:latin typeface="+mn-lt"/>
-                <a:ea typeface="+mn-ea"/>
-                <a:cs typeface="+mn-cs"/>
-              </a:rPr>
-              <a:t>    然后找出里面最简单的用户故事（这里的“简单”，意思是说实现周期最短）。我们不一定非常精准的判断哪个最简单。只要挑出你觉得最简单的就行了。比如，我们觉得“输入管理密码”是最简单的用户故事。然后我们判断说，这个用户故事算</a:t>
-            </a:r>
-            <a:r>
-              <a:rPr lang="en-US" altLang="zh-CN" sz="1200" b="0" i="0" kern="1200" dirty="0" smtClean="0">
-                <a:solidFill>
-                  <a:schemeClr val="tx1"/>
-                </a:solidFill>
-                <a:effectLst/>
-                <a:latin typeface="+mn-lt"/>
-                <a:ea typeface="+mn-ea"/>
-                <a:cs typeface="+mn-cs"/>
-              </a:rPr>
-              <a:t>1</a:t>
-            </a:r>
-            <a:r>
-              <a:rPr lang="zh-CN" altLang="en-US" sz="1200" b="0" i="0" kern="1200" dirty="0" smtClean="0">
-                <a:solidFill>
-                  <a:schemeClr val="tx1"/>
-                </a:solidFill>
-                <a:effectLst/>
-                <a:latin typeface="+mn-lt"/>
-                <a:ea typeface="+mn-ea"/>
-                <a:cs typeface="+mn-cs"/>
-              </a:rPr>
-              <a:t>个“故事点（</a:t>
-            </a:r>
-            <a:r>
-              <a:rPr lang="en-US" altLang="zh-CN" sz="1200" b="0" i="0" kern="1200" dirty="0" smtClean="0">
-                <a:solidFill>
-                  <a:schemeClr val="tx1"/>
-                </a:solidFill>
-                <a:effectLst/>
-                <a:latin typeface="+mn-lt"/>
-                <a:ea typeface="+mn-ea"/>
-                <a:cs typeface="+mn-cs"/>
-              </a:rPr>
-              <a:t>story point</a:t>
-            </a:r>
-            <a:r>
-              <a:rPr lang="zh-CN" altLang="en-US" sz="1200" b="0" i="0" kern="1200" dirty="0" smtClean="0">
-                <a:solidFill>
-                  <a:schemeClr val="tx1"/>
-                </a:solidFill>
-                <a:effectLst/>
-                <a:latin typeface="+mn-lt"/>
-                <a:ea typeface="+mn-ea"/>
-                <a:cs typeface="+mn-cs"/>
-              </a:rPr>
-              <a:t>）”。</a:t>
-            </a:r>
-            <a:br>
-              <a:rPr lang="zh-CN" altLang="en-US" sz="1200" b="0" i="0" kern="1200" dirty="0" smtClean="0">
-                <a:solidFill>
-                  <a:schemeClr val="tx1"/>
-                </a:solidFill>
-                <a:effectLst/>
-                <a:latin typeface="+mn-lt"/>
-                <a:ea typeface="+mn-ea"/>
-                <a:cs typeface="+mn-cs"/>
-              </a:rPr>
-            </a:br>
-            <a:r>
-              <a:rPr lang="zh-CN" altLang="en-US" sz="1200" b="0" i="0" kern="1200" dirty="0" smtClean="0">
-                <a:solidFill>
-                  <a:schemeClr val="tx1"/>
-                </a:solidFill>
-                <a:effectLst/>
-                <a:latin typeface="+mn-lt"/>
-                <a:ea typeface="+mn-ea"/>
-                <a:cs typeface="+mn-cs"/>
-              </a:rPr>
-              <a:t>                        </a:t>
-            </a:r>
-            <a:br>
-              <a:rPr lang="zh-CN" altLang="en-US" sz="1200" b="0" i="0" kern="1200" dirty="0" smtClean="0">
-                <a:solidFill>
-                  <a:schemeClr val="tx1"/>
-                </a:solidFill>
-                <a:effectLst/>
-                <a:latin typeface="+mn-lt"/>
-                <a:ea typeface="+mn-ea"/>
-                <a:cs typeface="+mn-cs"/>
-              </a:rPr>
-            </a:br>
-            <a:r>
-              <a:rPr lang="zh-CN" altLang="en-US" sz="1200" b="0" i="0" kern="1200" dirty="0" smtClean="0">
-                <a:solidFill>
-                  <a:schemeClr val="tx1"/>
-                </a:solidFill>
-                <a:effectLst/>
-                <a:latin typeface="+mn-lt"/>
-                <a:ea typeface="+mn-ea"/>
-                <a:cs typeface="+mn-cs"/>
-              </a:rPr>
-              <a:t>用户故事          故事点</a:t>
-            </a:r>
-            <a:br>
-              <a:rPr lang="zh-CN" altLang="en-US" sz="1200" b="0" i="0" kern="1200" dirty="0" smtClean="0">
-                <a:solidFill>
-                  <a:schemeClr val="tx1"/>
-                </a:solidFill>
-                <a:effectLst/>
-                <a:latin typeface="+mn-lt"/>
-                <a:ea typeface="+mn-ea"/>
-                <a:cs typeface="+mn-cs"/>
-              </a:rPr>
-            </a:br>
-            <a:r>
-              <a:rPr lang="zh-CN" altLang="en-US" sz="1200" b="0" i="0" kern="1200" dirty="0" smtClean="0">
-                <a:solidFill>
-                  <a:schemeClr val="tx1"/>
-                </a:solidFill>
-                <a:effectLst/>
-                <a:latin typeface="+mn-lt"/>
-                <a:ea typeface="+mn-ea"/>
-                <a:cs typeface="+mn-cs"/>
-              </a:rPr>
-              <a:t>卖饮料        </a:t>
-            </a:r>
-            <a:br>
-              <a:rPr lang="zh-CN" altLang="en-US" sz="1200" b="0" i="0" kern="1200" dirty="0" smtClean="0">
-                <a:solidFill>
-                  <a:schemeClr val="tx1"/>
-                </a:solidFill>
-                <a:effectLst/>
-                <a:latin typeface="+mn-lt"/>
-                <a:ea typeface="+mn-ea"/>
-                <a:cs typeface="+mn-cs"/>
-              </a:rPr>
-            </a:br>
-            <a:r>
-              <a:rPr lang="zh-CN" altLang="en-US" sz="1200" b="0" i="0" kern="1200" dirty="0" smtClean="0">
-                <a:solidFill>
-                  <a:schemeClr val="tx1"/>
-                </a:solidFill>
-                <a:effectLst/>
-                <a:latin typeface="+mn-lt"/>
-                <a:ea typeface="+mn-ea"/>
-                <a:cs typeface="+mn-cs"/>
-              </a:rPr>
-              <a:t>取消购买        </a:t>
-            </a:r>
-            <a:br>
-              <a:rPr lang="zh-CN" altLang="en-US" sz="1200" b="0" i="0" kern="1200" dirty="0" smtClean="0">
-                <a:solidFill>
-                  <a:schemeClr val="tx1"/>
-                </a:solidFill>
-                <a:effectLst/>
-                <a:latin typeface="+mn-lt"/>
-                <a:ea typeface="+mn-ea"/>
-                <a:cs typeface="+mn-cs"/>
-              </a:rPr>
-            </a:br>
-            <a:r>
-              <a:rPr lang="zh-CN" altLang="en-US" sz="1200" b="0" i="0" kern="1200" dirty="0" smtClean="0">
-                <a:solidFill>
-                  <a:schemeClr val="tx1"/>
-                </a:solidFill>
-                <a:effectLst/>
-                <a:latin typeface="+mn-lt"/>
-                <a:ea typeface="+mn-ea"/>
-                <a:cs typeface="+mn-cs"/>
-              </a:rPr>
-              <a:t>输入管理密码   </a:t>
-            </a:r>
-            <a:r>
-              <a:rPr lang="en-US" altLang="zh-CN" sz="1200" b="0" i="0" kern="1200" dirty="0" smtClean="0">
-                <a:solidFill>
-                  <a:schemeClr val="tx1"/>
-                </a:solidFill>
-                <a:effectLst/>
-                <a:latin typeface="+mn-lt"/>
-                <a:ea typeface="+mn-ea"/>
-                <a:cs typeface="+mn-cs"/>
-              </a:rPr>
-              <a:t>1</a:t>
-            </a:r>
-            <a:br>
-              <a:rPr lang="en-US" altLang="zh-CN" sz="1200" b="0" i="0" kern="1200" dirty="0" smtClean="0">
-                <a:solidFill>
-                  <a:schemeClr val="tx1"/>
-                </a:solidFill>
-                <a:effectLst/>
-                <a:latin typeface="+mn-lt"/>
-                <a:ea typeface="+mn-ea"/>
-                <a:cs typeface="+mn-cs"/>
-              </a:rPr>
-            </a:br>
-            <a:r>
-              <a:rPr lang="zh-CN" altLang="en-US" sz="1200" b="0" i="0" kern="1200" dirty="0" smtClean="0">
-                <a:solidFill>
-                  <a:schemeClr val="tx1"/>
-                </a:solidFill>
-                <a:effectLst/>
-                <a:latin typeface="+mn-lt"/>
-                <a:ea typeface="+mn-ea"/>
-                <a:cs typeface="+mn-cs"/>
-              </a:rPr>
-              <a:t>补充饮料        </a:t>
-            </a:r>
-            <a:br>
-              <a:rPr lang="zh-CN" altLang="en-US" sz="1200" b="0" i="0" kern="1200" dirty="0" smtClean="0">
-                <a:solidFill>
-                  <a:schemeClr val="tx1"/>
-                </a:solidFill>
-                <a:effectLst/>
-                <a:latin typeface="+mn-lt"/>
-                <a:ea typeface="+mn-ea"/>
-                <a:cs typeface="+mn-cs"/>
-              </a:rPr>
-            </a:br>
-            <a:r>
-              <a:rPr lang="zh-CN" altLang="en-US" sz="1200" b="0" i="0" kern="1200" dirty="0" smtClean="0">
-                <a:solidFill>
-                  <a:schemeClr val="tx1"/>
-                </a:solidFill>
-                <a:effectLst/>
-                <a:latin typeface="+mn-lt"/>
-                <a:ea typeface="+mn-ea"/>
-                <a:cs typeface="+mn-cs"/>
-              </a:rPr>
-              <a:t>取出钱箱里的钱        </a:t>
-            </a:r>
-            <a:br>
-              <a:rPr lang="zh-CN" altLang="en-US" sz="1200" b="0" i="0" kern="1200" dirty="0" smtClean="0">
-                <a:solidFill>
-                  <a:schemeClr val="tx1"/>
-                </a:solidFill>
-                <a:effectLst/>
-                <a:latin typeface="+mn-lt"/>
-                <a:ea typeface="+mn-ea"/>
-                <a:cs typeface="+mn-cs"/>
-              </a:rPr>
-            </a:br>
-            <a:r>
-              <a:rPr lang="zh-CN" altLang="en-US" sz="1200" b="0" i="0" kern="1200" dirty="0" smtClean="0">
-                <a:solidFill>
-                  <a:schemeClr val="tx1"/>
-                </a:solidFill>
-                <a:effectLst/>
-                <a:latin typeface="+mn-lt"/>
-                <a:ea typeface="+mn-ea"/>
-                <a:cs typeface="+mn-cs"/>
-              </a:rPr>
-              <a:t>安全警报        </a:t>
-            </a:r>
-            <a:br>
-              <a:rPr lang="zh-CN" altLang="en-US" sz="1200" b="0" i="0" kern="1200" dirty="0" smtClean="0">
-                <a:solidFill>
-                  <a:schemeClr val="tx1"/>
-                </a:solidFill>
-                <a:effectLst/>
-                <a:latin typeface="+mn-lt"/>
-                <a:ea typeface="+mn-ea"/>
-                <a:cs typeface="+mn-cs"/>
-              </a:rPr>
-            </a:br>
-            <a:r>
-              <a:rPr lang="zh-CN" altLang="en-US" sz="1200" b="0" i="0" kern="1200" dirty="0" smtClean="0">
-                <a:solidFill>
-                  <a:schemeClr val="tx1"/>
-                </a:solidFill>
-                <a:effectLst/>
-                <a:latin typeface="+mn-lt"/>
-                <a:ea typeface="+mn-ea"/>
-                <a:cs typeface="+mn-cs"/>
-              </a:rPr>
-              <a:t>打印月销售报表       </a:t>
-            </a:r>
-          </a:p>
-          <a:p>
-            <a:r>
-              <a:rPr lang="zh-CN" altLang="en-US" sz="1200" b="0" i="0" kern="1200" dirty="0" smtClean="0">
-                <a:solidFill>
-                  <a:schemeClr val="tx1"/>
-                </a:solidFill>
-                <a:effectLst/>
-                <a:latin typeface="+mn-lt"/>
-                <a:ea typeface="+mn-ea"/>
-                <a:cs typeface="+mn-cs"/>
-              </a:rPr>
-              <a:t>不过一般我们不会列出清单，而是做出一堆卡片贴在墙上，每张卡片记录一个用户故事，然后将故事点写在卡片上面：</a:t>
-            </a:r>
-          </a:p>
-          <a:p>
-            <a:r>
-              <a:rPr lang="zh-CN" altLang="en-US" sz="1200" b="0" i="0" kern="1200" dirty="0" smtClean="0">
-                <a:solidFill>
-                  <a:schemeClr val="tx1"/>
-                </a:solidFill>
-                <a:effectLst/>
-                <a:latin typeface="+mn-lt"/>
-                <a:ea typeface="+mn-ea"/>
-                <a:cs typeface="+mn-cs"/>
-              </a:rPr>
-              <a:t>这样的一张卡片就叫“</a:t>
-            </a:r>
-            <a:r>
-              <a:rPr lang="zh-CN" altLang="en-US" sz="1200" b="1" i="0" kern="1200" dirty="0" smtClean="0">
-                <a:solidFill>
-                  <a:schemeClr val="tx1"/>
-                </a:solidFill>
-                <a:effectLst/>
-                <a:latin typeface="+mn-lt"/>
-                <a:ea typeface="+mn-ea"/>
-                <a:cs typeface="+mn-cs"/>
-              </a:rPr>
-              <a:t>故事卡（</a:t>
-            </a:r>
-            <a:r>
-              <a:rPr lang="en-US" altLang="zh-CN" sz="1200" b="1" i="0" kern="1200" dirty="0" smtClean="0">
-                <a:solidFill>
-                  <a:schemeClr val="tx1"/>
-                </a:solidFill>
-                <a:effectLst/>
-                <a:latin typeface="+mn-lt"/>
-                <a:ea typeface="+mn-ea"/>
-                <a:cs typeface="+mn-cs"/>
-              </a:rPr>
-              <a:t>story card</a:t>
-            </a:r>
-            <a:r>
-              <a:rPr lang="zh-CN" altLang="en-US" sz="1200" b="1" i="0" kern="1200" dirty="0" smtClean="0">
-                <a:solidFill>
-                  <a:schemeClr val="tx1"/>
-                </a:solidFill>
-                <a:effectLst/>
-                <a:latin typeface="+mn-lt"/>
-                <a:ea typeface="+mn-ea"/>
-                <a:cs typeface="+mn-cs"/>
-              </a:rPr>
-              <a:t>）</a:t>
-            </a:r>
-            <a:r>
-              <a:rPr lang="zh-CN" altLang="en-US" sz="1200" b="0" i="0" kern="1200" dirty="0" smtClean="0">
-                <a:solidFill>
-                  <a:schemeClr val="tx1"/>
-                </a:solidFill>
-                <a:effectLst/>
-                <a:latin typeface="+mn-lt"/>
-                <a:ea typeface="+mn-ea"/>
-                <a:cs typeface="+mn-cs"/>
-              </a:rPr>
-              <a:t>”。</a:t>
-            </a:r>
-          </a:p>
-          <a:p>
-            <a:r>
-              <a:rPr lang="zh-CN" altLang="en-US" sz="1200" b="0" i="0" kern="1200" dirty="0" smtClean="0">
-                <a:solidFill>
-                  <a:schemeClr val="tx1"/>
-                </a:solidFill>
-                <a:effectLst/>
-                <a:latin typeface="+mn-lt"/>
-                <a:ea typeface="+mn-ea"/>
-                <a:cs typeface="+mn-cs"/>
-              </a:rPr>
-              <a:t> </a:t>
-            </a:r>
-          </a:p>
-          <a:p>
-            <a:r>
-              <a:rPr lang="zh-CN" altLang="en-US" sz="1200" b="0" i="0" kern="1200" dirty="0" smtClean="0">
-                <a:solidFill>
-                  <a:schemeClr val="tx1"/>
-                </a:solidFill>
-                <a:effectLst/>
-                <a:latin typeface="+mn-lt"/>
-                <a:ea typeface="+mn-ea"/>
-                <a:cs typeface="+mn-cs"/>
-              </a:rPr>
-              <a:t> </a:t>
-            </a:r>
-          </a:p>
-          <a:p>
-            <a:r>
-              <a:rPr lang="zh-CN" altLang="en-US" sz="1200" b="0" i="0" kern="1200" dirty="0" smtClean="0">
-                <a:solidFill>
-                  <a:schemeClr val="tx1"/>
-                </a:solidFill>
-                <a:effectLst/>
-                <a:latin typeface="+mn-lt"/>
-                <a:ea typeface="+mn-ea"/>
-                <a:cs typeface="+mn-cs"/>
-              </a:rPr>
-              <a:t>用户故事通常按照如下的格式来表达：</a:t>
-            </a:r>
-          </a:p>
-          <a:p>
-            <a:r>
-              <a:rPr lang="zh-CN" altLang="en-US" sz="1200" b="0" i="0" kern="1200" dirty="0" smtClean="0">
-                <a:solidFill>
-                  <a:schemeClr val="tx1"/>
-                </a:solidFill>
-                <a:effectLst/>
-                <a:latin typeface="+mn-lt"/>
-                <a:ea typeface="+mn-ea"/>
-                <a:cs typeface="+mn-cs"/>
-              </a:rPr>
-              <a:t>英文：</a:t>
-            </a:r>
-          </a:p>
-          <a:p>
-            <a:r>
-              <a:rPr lang="en-US" altLang="zh-CN" sz="1200" b="0" i="0" kern="1200" dirty="0" smtClean="0">
-                <a:solidFill>
-                  <a:schemeClr val="tx1"/>
-                </a:solidFill>
-                <a:effectLst/>
-                <a:latin typeface="+mn-lt"/>
-                <a:ea typeface="+mn-ea"/>
-                <a:cs typeface="+mn-cs"/>
-              </a:rPr>
-              <a:t>As a &lt;Role&gt;, I want to &lt;Activity&gt;, so that &lt;Business Value&gt;.</a:t>
-            </a:r>
-          </a:p>
-          <a:p>
-            <a:r>
-              <a:rPr lang="zh-CN" altLang="en-US" sz="1200" b="0" i="0" kern="1200" dirty="0" smtClean="0">
-                <a:solidFill>
-                  <a:schemeClr val="tx1"/>
-                </a:solidFill>
-                <a:effectLst/>
-                <a:latin typeface="+mn-lt"/>
-                <a:ea typeface="+mn-ea"/>
-                <a:cs typeface="+mn-cs"/>
-              </a:rPr>
-              <a:t>中文：</a:t>
-            </a:r>
-          </a:p>
-          <a:p>
-            <a:r>
-              <a:rPr lang="zh-CN" altLang="en-US" sz="1200" b="0" i="0" kern="1200" dirty="0" smtClean="0">
-                <a:solidFill>
-                  <a:schemeClr val="tx1"/>
-                </a:solidFill>
-                <a:effectLst/>
-                <a:latin typeface="+mn-lt"/>
-                <a:ea typeface="+mn-ea"/>
-                <a:cs typeface="+mn-cs"/>
-              </a:rPr>
-              <a:t>作为一个</a:t>
-            </a:r>
-            <a:r>
-              <a:rPr lang="en-US" altLang="zh-CN" sz="1200" b="0" i="0" kern="1200" dirty="0" smtClean="0">
-                <a:solidFill>
-                  <a:schemeClr val="tx1"/>
-                </a:solidFill>
-                <a:effectLst/>
-                <a:latin typeface="+mn-lt"/>
-                <a:ea typeface="+mn-ea"/>
-                <a:cs typeface="+mn-cs"/>
-              </a:rPr>
-              <a:t>&lt;</a:t>
-            </a:r>
-            <a:r>
-              <a:rPr lang="zh-CN" altLang="en-US" sz="1200" b="0" i="0" kern="1200" dirty="0" smtClean="0">
-                <a:solidFill>
-                  <a:schemeClr val="tx1"/>
-                </a:solidFill>
-                <a:effectLst/>
-                <a:latin typeface="+mn-lt"/>
-                <a:ea typeface="+mn-ea"/>
-                <a:cs typeface="+mn-cs"/>
-              </a:rPr>
-              <a:t>角色</a:t>
-            </a:r>
-            <a:r>
-              <a:rPr lang="en-US" altLang="zh-CN" sz="1200" b="0" i="0" kern="1200" dirty="0" smtClean="0">
-                <a:solidFill>
-                  <a:schemeClr val="tx1"/>
-                </a:solidFill>
-                <a:effectLst/>
-                <a:latin typeface="+mn-lt"/>
-                <a:ea typeface="+mn-ea"/>
-                <a:cs typeface="+mn-cs"/>
-              </a:rPr>
-              <a:t>&gt;, </a:t>
-            </a:r>
-            <a:r>
-              <a:rPr lang="zh-CN" altLang="en-US" sz="1200" b="0" i="0" kern="1200" dirty="0" smtClean="0">
-                <a:solidFill>
-                  <a:schemeClr val="tx1"/>
-                </a:solidFill>
-                <a:effectLst/>
-                <a:latin typeface="+mn-lt"/>
-                <a:ea typeface="+mn-ea"/>
-                <a:cs typeface="+mn-cs"/>
-              </a:rPr>
-              <a:t>我想要</a:t>
-            </a:r>
-            <a:r>
-              <a:rPr lang="en-US" altLang="zh-CN" sz="1200" b="0" i="0" kern="1200" dirty="0" smtClean="0">
-                <a:solidFill>
-                  <a:schemeClr val="tx1"/>
-                </a:solidFill>
-                <a:effectLst/>
-                <a:latin typeface="+mn-lt"/>
-                <a:ea typeface="+mn-ea"/>
-                <a:cs typeface="+mn-cs"/>
-              </a:rPr>
-              <a:t>&lt;</a:t>
-            </a:r>
-            <a:r>
-              <a:rPr lang="zh-CN" altLang="en-US" sz="1200" b="0" i="0" kern="1200" dirty="0" smtClean="0">
-                <a:solidFill>
-                  <a:schemeClr val="tx1"/>
-                </a:solidFill>
-                <a:effectLst/>
-                <a:latin typeface="+mn-lt"/>
-                <a:ea typeface="+mn-ea"/>
-                <a:cs typeface="+mn-cs"/>
-              </a:rPr>
-              <a:t>活动</a:t>
-            </a:r>
-            <a:r>
-              <a:rPr lang="en-US" altLang="zh-CN" sz="1200" b="0" i="0" kern="1200" dirty="0" smtClean="0">
-                <a:solidFill>
-                  <a:schemeClr val="tx1"/>
-                </a:solidFill>
-                <a:effectLst/>
-                <a:latin typeface="+mn-lt"/>
-                <a:ea typeface="+mn-ea"/>
-                <a:cs typeface="+mn-cs"/>
-              </a:rPr>
-              <a:t>&gt;, </a:t>
-            </a:r>
-            <a:r>
-              <a:rPr lang="zh-CN" altLang="en-US" sz="1200" b="0" i="0" kern="1200" dirty="0" smtClean="0">
-                <a:solidFill>
-                  <a:schemeClr val="tx1"/>
-                </a:solidFill>
-                <a:effectLst/>
-                <a:latin typeface="+mn-lt"/>
-                <a:ea typeface="+mn-ea"/>
-                <a:cs typeface="+mn-cs"/>
-              </a:rPr>
-              <a:t>以便于</a:t>
-            </a:r>
-            <a:r>
-              <a:rPr lang="en-US" altLang="zh-CN" sz="1200" b="0" i="0" kern="1200" dirty="0" smtClean="0">
-                <a:solidFill>
-                  <a:schemeClr val="tx1"/>
-                </a:solidFill>
-                <a:effectLst/>
-                <a:latin typeface="+mn-lt"/>
-                <a:ea typeface="+mn-ea"/>
-                <a:cs typeface="+mn-cs"/>
-              </a:rPr>
-              <a:t>&lt;</a:t>
-            </a:r>
-            <a:r>
-              <a:rPr lang="zh-CN" altLang="en-US" sz="1200" b="0" i="0" kern="1200" dirty="0" smtClean="0">
-                <a:solidFill>
-                  <a:schemeClr val="tx1"/>
-                </a:solidFill>
-                <a:effectLst/>
-                <a:latin typeface="+mn-lt"/>
-                <a:ea typeface="+mn-ea"/>
-                <a:cs typeface="+mn-cs"/>
-              </a:rPr>
-              <a:t>商业价值</a:t>
-            </a:r>
-            <a:r>
-              <a:rPr lang="en-US" altLang="zh-CN" sz="1200" b="0" i="0" kern="1200" dirty="0" smtClean="0">
-                <a:solidFill>
-                  <a:schemeClr val="tx1"/>
-                </a:solidFill>
-                <a:effectLst/>
-                <a:latin typeface="+mn-lt"/>
-                <a:ea typeface="+mn-ea"/>
-                <a:cs typeface="+mn-cs"/>
-              </a:rPr>
-              <a:t>&gt;</a:t>
-            </a:r>
-          </a:p>
-          <a:p>
-            <a:r>
-              <a:rPr lang="zh-CN" altLang="en-US" sz="1200" b="0" i="0" kern="1200" dirty="0" smtClean="0">
-                <a:solidFill>
-                  <a:schemeClr val="tx1"/>
-                </a:solidFill>
-                <a:effectLst/>
-                <a:latin typeface="+mn-lt"/>
-                <a:ea typeface="+mn-ea"/>
-                <a:cs typeface="+mn-cs"/>
-              </a:rPr>
-              <a:t>举例：</a:t>
-            </a:r>
-          </a:p>
-          <a:p>
-            <a:r>
-              <a:rPr lang="zh-CN" altLang="en-US" sz="1200" b="0" i="0" kern="1200" dirty="0" smtClean="0">
-                <a:solidFill>
-                  <a:schemeClr val="tx1"/>
-                </a:solidFill>
-                <a:effectLst/>
-                <a:latin typeface="+mn-lt"/>
-                <a:ea typeface="+mn-ea"/>
-                <a:cs typeface="+mn-cs"/>
-              </a:rPr>
-              <a:t>作为一个“网站管理员”，我想要“统计每天有多少人访问了我的网站”，以便于“我的赞助商了解我的网站会给他们带来什么收益。”</a:t>
-            </a:r>
-          </a:p>
-          <a:p>
-            <a:r>
-              <a:rPr lang="zh-CN" altLang="en-US" sz="1200" b="0" i="0" kern="1200" dirty="0" smtClean="0">
-                <a:solidFill>
-                  <a:schemeClr val="tx1"/>
-                </a:solidFill>
-                <a:effectLst/>
-                <a:latin typeface="+mn-lt"/>
-                <a:ea typeface="+mn-ea"/>
-                <a:cs typeface="+mn-cs"/>
-              </a:rPr>
-              <a:t>需要注意的是用户故事不能够使用技术语言来描述，要使用用户可以理解的业务语言来描述。</a:t>
-            </a:r>
-          </a:p>
-          <a:p>
-            <a:r>
-              <a:rPr lang="en-US" altLang="zh-CN" sz="1200" b="0" i="0" kern="1200" dirty="0" smtClean="0">
-                <a:solidFill>
-                  <a:schemeClr val="tx1"/>
-                </a:solidFill>
-                <a:effectLst/>
-                <a:latin typeface="+mn-lt"/>
-                <a:ea typeface="+mn-ea"/>
-                <a:cs typeface="+mn-cs"/>
-              </a:rPr>
-              <a:t>Ron Jeffries</a:t>
-            </a:r>
-            <a:r>
-              <a:rPr lang="zh-CN" altLang="en-US" sz="1200" b="0" i="0" kern="1200" dirty="0" smtClean="0">
-                <a:solidFill>
-                  <a:schemeClr val="tx1"/>
-                </a:solidFill>
-                <a:effectLst/>
-                <a:latin typeface="+mn-lt"/>
-                <a:ea typeface="+mn-ea"/>
-                <a:cs typeface="+mn-cs"/>
-              </a:rPr>
-              <a:t>的</a:t>
-            </a:r>
-            <a:r>
-              <a:rPr lang="en-US" altLang="zh-CN" sz="1200" b="0" i="0" kern="1200" dirty="0" smtClean="0">
-                <a:solidFill>
-                  <a:schemeClr val="tx1"/>
-                </a:solidFill>
-                <a:effectLst/>
-                <a:latin typeface="+mn-lt"/>
-                <a:ea typeface="+mn-ea"/>
-                <a:cs typeface="+mn-cs"/>
-              </a:rPr>
-              <a:t>3</a:t>
-            </a:r>
-            <a:r>
-              <a:rPr lang="zh-CN" altLang="en-US" sz="1200" b="0" i="0" kern="1200" dirty="0" smtClean="0">
-                <a:solidFill>
-                  <a:schemeClr val="tx1"/>
-                </a:solidFill>
-                <a:effectLst/>
-                <a:latin typeface="+mn-lt"/>
-                <a:ea typeface="+mn-ea"/>
-                <a:cs typeface="+mn-cs"/>
-              </a:rPr>
-              <a:t>个</a:t>
-            </a:r>
-            <a:r>
-              <a:rPr lang="en-US" altLang="zh-CN" sz="1200" b="0" i="0" kern="1200" dirty="0" smtClean="0">
-                <a:solidFill>
-                  <a:schemeClr val="tx1"/>
-                </a:solidFill>
-                <a:effectLst/>
-                <a:latin typeface="+mn-lt"/>
-                <a:ea typeface="+mn-ea"/>
-                <a:cs typeface="+mn-cs"/>
-              </a:rPr>
-              <a:t>C</a:t>
-            </a:r>
-          </a:p>
-          <a:p>
-            <a:r>
-              <a:rPr lang="zh-CN" altLang="en-US" sz="1200" b="0" i="0" kern="1200" dirty="0" smtClean="0">
-                <a:solidFill>
-                  <a:schemeClr val="tx1"/>
-                </a:solidFill>
-                <a:effectLst/>
-                <a:latin typeface="+mn-lt"/>
-                <a:ea typeface="+mn-ea"/>
-                <a:cs typeface="+mn-cs"/>
-              </a:rPr>
-              <a:t>关于用户故事，</a:t>
-            </a:r>
-            <a:r>
-              <a:rPr lang="en-US" altLang="zh-CN" sz="1200" b="0" i="0" kern="1200" dirty="0" smtClean="0">
-                <a:solidFill>
-                  <a:schemeClr val="tx1"/>
-                </a:solidFill>
-                <a:effectLst/>
-                <a:latin typeface="+mn-lt"/>
-                <a:ea typeface="+mn-ea"/>
-                <a:cs typeface="+mn-cs"/>
-              </a:rPr>
-              <a:t>Ron Jeffries</a:t>
-            </a:r>
-            <a:r>
-              <a:rPr lang="zh-CN" altLang="en-US" sz="1200" b="0" i="0" kern="1200" dirty="0" smtClean="0">
-                <a:solidFill>
-                  <a:schemeClr val="tx1"/>
-                </a:solidFill>
-                <a:effectLst/>
-                <a:latin typeface="+mn-lt"/>
-                <a:ea typeface="+mn-ea"/>
-                <a:cs typeface="+mn-cs"/>
-              </a:rPr>
-              <a:t>用</a:t>
-            </a:r>
-            <a:r>
-              <a:rPr lang="en-US" altLang="zh-CN" sz="1200" b="0" i="0" kern="1200" dirty="0" smtClean="0">
-                <a:solidFill>
-                  <a:schemeClr val="tx1"/>
-                </a:solidFill>
-                <a:effectLst/>
-                <a:latin typeface="+mn-lt"/>
-                <a:ea typeface="+mn-ea"/>
-                <a:cs typeface="+mn-cs"/>
-              </a:rPr>
-              <a:t>3</a:t>
-            </a:r>
-            <a:r>
-              <a:rPr lang="zh-CN" altLang="en-US" sz="1200" b="0" i="0" kern="1200" dirty="0" smtClean="0">
-                <a:solidFill>
-                  <a:schemeClr val="tx1"/>
-                </a:solidFill>
-                <a:effectLst/>
-                <a:latin typeface="+mn-lt"/>
-                <a:ea typeface="+mn-ea"/>
-                <a:cs typeface="+mn-cs"/>
-              </a:rPr>
-              <a:t>个</a:t>
-            </a:r>
-            <a:r>
-              <a:rPr lang="en-US" altLang="zh-CN" sz="1200" b="0" i="0" kern="1200" dirty="0" smtClean="0">
-                <a:solidFill>
-                  <a:schemeClr val="tx1"/>
-                </a:solidFill>
-                <a:effectLst/>
-                <a:latin typeface="+mn-lt"/>
-                <a:ea typeface="+mn-ea"/>
-                <a:cs typeface="+mn-cs"/>
-              </a:rPr>
-              <a:t>C</a:t>
-            </a:r>
-            <a:r>
-              <a:rPr lang="zh-CN" altLang="en-US" sz="1200" b="0" i="0" kern="1200" dirty="0" smtClean="0">
-                <a:solidFill>
-                  <a:schemeClr val="tx1"/>
-                </a:solidFill>
-                <a:effectLst/>
-                <a:latin typeface="+mn-lt"/>
-                <a:ea typeface="+mn-ea"/>
-                <a:cs typeface="+mn-cs"/>
-              </a:rPr>
-              <a:t>来描述它：</a:t>
-            </a:r>
-          </a:p>
-          <a:p>
-            <a:r>
-              <a:rPr lang="zh-CN" altLang="en-US" sz="1200" b="1" i="0" kern="1200" dirty="0" smtClean="0">
-                <a:solidFill>
-                  <a:schemeClr val="tx1"/>
-                </a:solidFill>
-                <a:effectLst/>
-                <a:latin typeface="+mn-lt"/>
-                <a:ea typeface="+mn-ea"/>
-                <a:cs typeface="+mn-cs"/>
-              </a:rPr>
-              <a:t>卡片（</a:t>
-            </a:r>
-            <a:r>
-              <a:rPr lang="en-US" altLang="zh-CN" sz="1200" b="1" i="0" kern="1200" dirty="0" smtClean="0">
-                <a:solidFill>
-                  <a:schemeClr val="tx1"/>
-                </a:solidFill>
-                <a:effectLst/>
-                <a:latin typeface="+mn-lt"/>
-                <a:ea typeface="+mn-ea"/>
-                <a:cs typeface="+mn-cs"/>
-              </a:rPr>
-              <a:t>Card</a:t>
-            </a:r>
-            <a:r>
-              <a:rPr lang="zh-CN" altLang="en-US" sz="1200" b="1" i="0" kern="1200" dirty="0" smtClean="0">
-                <a:solidFill>
-                  <a:schemeClr val="tx1"/>
-                </a:solidFill>
-                <a:effectLst/>
-                <a:latin typeface="+mn-lt"/>
-                <a:ea typeface="+mn-ea"/>
-                <a:cs typeface="+mn-cs"/>
-              </a:rPr>
-              <a:t>）</a:t>
-            </a:r>
-            <a:r>
-              <a:rPr lang="zh-CN" altLang="en-US" sz="1200" b="0" i="0" kern="1200" dirty="0" smtClean="0">
-                <a:solidFill>
-                  <a:schemeClr val="tx1"/>
-                </a:solidFill>
-                <a:effectLst/>
-                <a:latin typeface="+mn-lt"/>
-                <a:ea typeface="+mn-ea"/>
-                <a:cs typeface="+mn-cs"/>
-              </a:rPr>
-              <a:t> </a:t>
-            </a:r>
-            <a:r>
-              <a:rPr lang="en-US" altLang="zh-CN" sz="1200" b="0" i="0" kern="1200" dirty="0" smtClean="0">
-                <a:solidFill>
-                  <a:schemeClr val="tx1"/>
-                </a:solidFill>
-                <a:effectLst/>
-                <a:latin typeface="+mn-lt"/>
-                <a:ea typeface="+mn-ea"/>
-                <a:cs typeface="+mn-cs"/>
-              </a:rPr>
-              <a:t>- </a:t>
-            </a:r>
-            <a:r>
-              <a:rPr lang="zh-CN" altLang="en-US" sz="1200" b="0" i="0" kern="1200" dirty="0" smtClean="0">
-                <a:solidFill>
-                  <a:schemeClr val="tx1"/>
-                </a:solidFill>
-                <a:effectLst/>
-                <a:latin typeface="+mn-lt"/>
-                <a:ea typeface="+mn-ea"/>
-                <a:cs typeface="+mn-cs"/>
-              </a:rPr>
-              <a:t>用户故事一般写在小的记事卡片上。卡片上可能会写上故事的简短描述，工作量估算等。</a:t>
-            </a:r>
-          </a:p>
-          <a:p>
-            <a:r>
-              <a:rPr lang="zh-CN" altLang="en-US" sz="1200" b="1" i="0" kern="1200" dirty="0" smtClean="0">
-                <a:solidFill>
-                  <a:schemeClr val="tx1"/>
-                </a:solidFill>
-                <a:effectLst/>
-                <a:latin typeface="+mn-lt"/>
-                <a:ea typeface="+mn-ea"/>
-                <a:cs typeface="+mn-cs"/>
-              </a:rPr>
-              <a:t>交谈（</a:t>
-            </a:r>
-            <a:r>
-              <a:rPr lang="en-US" altLang="zh-CN" sz="1200" b="1" i="0" kern="1200" dirty="0" smtClean="0">
-                <a:solidFill>
-                  <a:schemeClr val="tx1"/>
-                </a:solidFill>
-                <a:effectLst/>
-                <a:latin typeface="+mn-lt"/>
-                <a:ea typeface="+mn-ea"/>
-                <a:cs typeface="+mn-cs"/>
-              </a:rPr>
-              <a:t>Conversation</a:t>
-            </a:r>
-            <a:r>
-              <a:rPr lang="zh-CN" altLang="en-US" sz="1200" b="1" i="0" kern="1200" dirty="0" smtClean="0">
-                <a:solidFill>
-                  <a:schemeClr val="tx1"/>
-                </a:solidFill>
-                <a:effectLst/>
-                <a:latin typeface="+mn-lt"/>
-                <a:ea typeface="+mn-ea"/>
-                <a:cs typeface="+mn-cs"/>
-              </a:rPr>
-              <a:t>）</a:t>
-            </a:r>
-            <a:r>
-              <a:rPr lang="en-US" altLang="zh-CN" sz="1200" b="1" i="0" kern="1200" dirty="0" smtClean="0">
-                <a:solidFill>
-                  <a:schemeClr val="tx1"/>
-                </a:solidFill>
-                <a:effectLst/>
-                <a:latin typeface="+mn-lt"/>
-                <a:ea typeface="+mn-ea"/>
-                <a:cs typeface="+mn-cs"/>
-              </a:rPr>
-              <a:t>-</a:t>
-            </a:r>
-            <a:r>
-              <a:rPr lang="zh-CN" altLang="en-US" sz="1200" b="0" i="0" kern="1200" dirty="0" smtClean="0">
-                <a:solidFill>
-                  <a:schemeClr val="tx1"/>
-                </a:solidFill>
-                <a:effectLst/>
-                <a:latin typeface="+mn-lt"/>
-                <a:ea typeface="+mn-ea"/>
-                <a:cs typeface="+mn-cs"/>
-              </a:rPr>
-              <a:t> 用户故事背后的细节来源于和客户或者产品负责人的交流沟通。</a:t>
-            </a:r>
-          </a:p>
-          <a:p>
-            <a:r>
-              <a:rPr lang="zh-CN" altLang="en-US" sz="1200" b="1" i="0" kern="1200" dirty="0" smtClean="0">
-                <a:solidFill>
-                  <a:schemeClr val="tx1"/>
-                </a:solidFill>
-                <a:effectLst/>
-                <a:latin typeface="+mn-lt"/>
-                <a:ea typeface="+mn-ea"/>
-                <a:cs typeface="+mn-cs"/>
-              </a:rPr>
-              <a:t>确认（</a:t>
-            </a:r>
-            <a:r>
-              <a:rPr lang="en-US" altLang="zh-CN" sz="1200" b="1" i="0" kern="1200" dirty="0" smtClean="0">
-                <a:solidFill>
-                  <a:schemeClr val="tx1"/>
-                </a:solidFill>
-                <a:effectLst/>
-                <a:latin typeface="+mn-lt"/>
-                <a:ea typeface="+mn-ea"/>
-                <a:cs typeface="+mn-cs"/>
-              </a:rPr>
-              <a:t>Confirmation</a:t>
-            </a:r>
-            <a:r>
-              <a:rPr lang="zh-CN" altLang="en-US" sz="1200" b="1" i="0" kern="1200" dirty="0" smtClean="0">
-                <a:solidFill>
-                  <a:schemeClr val="tx1"/>
-                </a:solidFill>
-                <a:effectLst/>
-                <a:latin typeface="+mn-lt"/>
-                <a:ea typeface="+mn-ea"/>
-                <a:cs typeface="+mn-cs"/>
-              </a:rPr>
-              <a:t>）</a:t>
-            </a:r>
-            <a:r>
-              <a:rPr lang="en-US" altLang="zh-CN" sz="1200" b="1" i="0" kern="1200" dirty="0" smtClean="0">
-                <a:solidFill>
-                  <a:schemeClr val="tx1"/>
-                </a:solidFill>
-                <a:effectLst/>
-                <a:latin typeface="+mn-lt"/>
-                <a:ea typeface="+mn-ea"/>
-                <a:cs typeface="+mn-cs"/>
-              </a:rPr>
-              <a:t>-</a:t>
-            </a:r>
-            <a:r>
-              <a:rPr lang="zh-CN" altLang="en-US" sz="1200" b="0" i="0" kern="1200" dirty="0" smtClean="0">
-                <a:solidFill>
-                  <a:schemeClr val="tx1"/>
-                </a:solidFill>
-                <a:effectLst/>
-                <a:latin typeface="+mn-lt"/>
-                <a:ea typeface="+mn-ea"/>
-                <a:cs typeface="+mn-cs"/>
-              </a:rPr>
-              <a:t> 通过验收测试确认用户故事被正确完成。</a:t>
-            </a:r>
-          </a:p>
-          <a:p>
             <a:endParaRPr lang="zh-CN" altLang="en-US" dirty="0"/>
           </a:p>
         </p:txBody>
@@ -3053,7 +574,7 @@
           <a:p>
             <a:fld id="{8D7ACA88-C620-47A1-A6D3-F68F6DD6FEE9}" type="slidenum">
               <a:rPr lang="zh-CN" altLang="en-US" smtClean="0"/>
-              <a:t>20</a:t>
+              <a:t>2</a:t>
             </a:fld>
             <a:endParaRPr lang="zh-CN" altLang="en-US"/>
           </a:p>
@@ -3062,7 +583,7 @@
     </p:spTree>
     <p:extLst>
       <p:ext uri="{BB962C8B-B14F-4D97-AF65-F5344CB8AC3E}">
-        <p14:creationId xmlns:p14="http://schemas.microsoft.com/office/powerpoint/2010/main" val="967524837"/>
+        <p14:creationId xmlns:p14="http://schemas.microsoft.com/office/powerpoint/2010/main" val="409144813"/>
       </p:ext>
     </p:extLst>
   </p:cSld>
@@ -3137,7 +658,7 @@
           <a:p>
             <a:fld id="{8D7ACA88-C620-47A1-A6D3-F68F6DD6FEE9}" type="slidenum">
               <a:rPr lang="zh-CN" altLang="en-US" smtClean="0"/>
-              <a:t>21</a:t>
+              <a:t>8</a:t>
             </a:fld>
             <a:endParaRPr lang="zh-CN" altLang="en-US"/>
           </a:p>
@@ -3146,7 +667,7 @@
     </p:spTree>
     <p:extLst>
       <p:ext uri="{BB962C8B-B14F-4D97-AF65-F5344CB8AC3E}">
-        <p14:creationId xmlns:p14="http://schemas.microsoft.com/office/powerpoint/2010/main" val="460690887"/>
+        <p14:creationId xmlns:p14="http://schemas.microsoft.com/office/powerpoint/2010/main" val="2320712145"/>
       </p:ext>
     </p:extLst>
   </p:cSld>
@@ -3200,6 +721,2655 @@
           <a:bodyPr/>
           <a:lstStyle/>
           <a:p>
+            <a:r>
+              <a:rPr lang="en-US" altLang="zh-CN" sz="1200" b="1" i="0" u="none" strike="noStrike" kern="1200" dirty="0" smtClean="0">
+                <a:solidFill>
+                  <a:schemeClr val="tx1"/>
+                </a:solidFill>
+                <a:effectLst/>
+                <a:latin typeface="+mn-lt"/>
+                <a:ea typeface="+mn-ea"/>
+                <a:cs typeface="+mn-cs"/>
+                <a:hlinkClick r:id="rId3"/>
+              </a:rPr>
+              <a:t>http://www.cnblogs.com/henryhappier/archive/2011/02/23/1962617.html</a:t>
+            </a:r>
+          </a:p>
+          <a:p>
+            <a:endParaRPr lang="en-US" altLang="zh-CN" sz="1200" b="1" i="0" u="none" strike="noStrike" kern="1200" dirty="0" smtClean="0">
+              <a:solidFill>
+                <a:schemeClr val="tx1"/>
+              </a:solidFill>
+              <a:effectLst/>
+              <a:latin typeface="+mn-lt"/>
+              <a:ea typeface="+mn-ea"/>
+              <a:cs typeface="+mn-cs"/>
+              <a:hlinkClick r:id="rId3"/>
+            </a:endParaRPr>
+          </a:p>
+          <a:p>
+            <a:r>
+              <a:rPr lang="zh-CN" altLang="en-US" sz="1200" b="1" i="0" u="none" strike="noStrike" kern="1200" dirty="0" smtClean="0">
+                <a:solidFill>
+                  <a:schemeClr val="tx1"/>
+                </a:solidFill>
+                <a:effectLst/>
+                <a:latin typeface="+mn-lt"/>
+                <a:ea typeface="+mn-ea"/>
+                <a:cs typeface="+mn-cs"/>
+                <a:hlinkClick r:id="rId3"/>
+              </a:rPr>
+              <a:t>敏捷：什么是用户故事（</a:t>
+            </a:r>
+            <a:r>
+              <a:rPr lang="en-US" altLang="zh-CN" sz="1200" b="1" i="0" u="none" strike="noStrike" kern="1200" dirty="0" smtClean="0">
+                <a:solidFill>
+                  <a:schemeClr val="tx1"/>
+                </a:solidFill>
+                <a:effectLst/>
+                <a:latin typeface="+mn-lt"/>
+                <a:ea typeface="+mn-ea"/>
+                <a:cs typeface="+mn-cs"/>
+                <a:hlinkClick r:id="rId3"/>
+              </a:rPr>
+              <a:t>User Story</a:t>
+            </a:r>
+            <a:r>
+              <a:rPr lang="zh-CN" altLang="en-US" sz="1200" b="1" i="0" u="none" strike="noStrike" kern="1200" dirty="0" smtClean="0">
+                <a:solidFill>
+                  <a:schemeClr val="tx1"/>
+                </a:solidFill>
+                <a:effectLst/>
+                <a:latin typeface="+mn-lt"/>
+                <a:ea typeface="+mn-ea"/>
+                <a:cs typeface="+mn-cs"/>
+                <a:hlinkClick r:id="rId3"/>
+              </a:rPr>
+              <a:t>）</a:t>
+            </a:r>
+            <a:endParaRPr lang="zh-CN" altLang="en-US" sz="1200" b="1" i="0" kern="1200" dirty="0" smtClean="0">
+              <a:solidFill>
+                <a:schemeClr val="tx1"/>
+              </a:solidFill>
+              <a:effectLst/>
+              <a:latin typeface="+mn-lt"/>
+              <a:ea typeface="+mn-ea"/>
+              <a:cs typeface="+mn-cs"/>
+            </a:endParaRPr>
+          </a:p>
+          <a:p>
+            <a:r>
+              <a:rPr lang="zh-CN" altLang="en-US" sz="1200" b="0" i="0" kern="1200" dirty="0" smtClean="0">
+                <a:solidFill>
+                  <a:schemeClr val="tx1"/>
+                </a:solidFill>
+                <a:effectLst/>
+                <a:latin typeface="+mn-lt"/>
+                <a:ea typeface="+mn-ea"/>
+                <a:cs typeface="+mn-cs"/>
+              </a:rPr>
+              <a:t>摘要</a:t>
+            </a:r>
+            <a:r>
+              <a:rPr lang="en-US" altLang="zh-CN" sz="1200" b="0" i="0" kern="1200" dirty="0" smtClean="0">
+                <a:solidFill>
+                  <a:schemeClr val="tx1"/>
+                </a:solidFill>
+                <a:effectLst/>
+                <a:latin typeface="+mn-lt"/>
+                <a:ea typeface="+mn-ea"/>
+                <a:cs typeface="+mn-cs"/>
+              </a:rPr>
+              <a:t>:</a:t>
+            </a:r>
+          </a:p>
+          <a:p>
+            <a:r>
+              <a:rPr lang="en-US" altLang="zh-CN" sz="1200" b="0" i="0" kern="1200" dirty="0" smtClean="0">
+                <a:solidFill>
+                  <a:schemeClr val="tx1"/>
+                </a:solidFill>
+                <a:effectLst/>
+                <a:latin typeface="+mn-lt"/>
+                <a:ea typeface="+mn-ea"/>
+                <a:cs typeface="+mn-cs"/>
+              </a:rPr>
+              <a:t>    </a:t>
+            </a:r>
+            <a:r>
+              <a:rPr lang="zh-CN" altLang="en-US" sz="1200" b="0" i="0" kern="1200" dirty="0" smtClean="0">
+                <a:solidFill>
+                  <a:schemeClr val="tx1"/>
+                </a:solidFill>
+                <a:effectLst/>
+                <a:latin typeface="+mn-lt"/>
+                <a:ea typeface="+mn-ea"/>
+                <a:cs typeface="+mn-cs"/>
+              </a:rPr>
+              <a:t>一件用户通过系统完成他一个有价值的目标（买一罐饮料）的事。这样的过程就叫“用户案例</a:t>
+            </a:r>
+            <a:r>
+              <a:rPr lang="en-US" altLang="zh-CN" sz="1200" b="0" i="0" kern="1200" dirty="0" smtClean="0">
+                <a:solidFill>
+                  <a:schemeClr val="tx1"/>
+                </a:solidFill>
+                <a:effectLst/>
+                <a:latin typeface="+mn-lt"/>
+                <a:ea typeface="+mn-ea"/>
+                <a:cs typeface="+mn-cs"/>
+              </a:rPr>
+              <a:t>(user case)”</a:t>
+            </a:r>
+            <a:r>
+              <a:rPr lang="zh-CN" altLang="en-US" sz="1200" b="0" i="0" kern="1200" dirty="0" smtClean="0">
+                <a:solidFill>
+                  <a:schemeClr val="tx1"/>
+                </a:solidFill>
+                <a:effectLst/>
+                <a:latin typeface="+mn-lt"/>
+                <a:ea typeface="+mn-ea"/>
+                <a:cs typeface="+mn-cs"/>
+              </a:rPr>
+              <a:t>或者“用户故事</a:t>
+            </a:r>
+            <a:r>
+              <a:rPr lang="en-US" altLang="zh-CN" sz="1200" b="0" i="0" kern="1200" dirty="0" smtClean="0">
+                <a:solidFill>
+                  <a:schemeClr val="tx1"/>
+                </a:solidFill>
+                <a:effectLst/>
+                <a:latin typeface="+mn-lt"/>
+                <a:ea typeface="+mn-ea"/>
+                <a:cs typeface="+mn-cs"/>
+              </a:rPr>
+              <a:t>(user story)”</a:t>
+            </a:r>
+            <a:r>
+              <a:rPr lang="zh-CN" altLang="en-US" sz="1200" b="0" i="0" kern="1200" dirty="0" smtClean="0">
+                <a:solidFill>
+                  <a:schemeClr val="tx1"/>
+                </a:solidFill>
+                <a:effectLst/>
+                <a:latin typeface="+mn-lt"/>
+                <a:ea typeface="+mn-ea"/>
+                <a:cs typeface="+mn-cs"/>
+              </a:rPr>
+              <a:t>。本文描述了敏捷开发的技巧：如何以用户故事管理项目</a:t>
+            </a:r>
+            <a:r>
+              <a:rPr lang="en-US" altLang="zh-CN" sz="1200" b="0" i="0" kern="1200" dirty="0" smtClean="0">
+                <a:solidFill>
+                  <a:schemeClr val="tx1"/>
+                </a:solidFill>
+                <a:effectLst/>
+                <a:latin typeface="+mn-lt"/>
+                <a:ea typeface="+mn-ea"/>
+                <a:cs typeface="+mn-cs"/>
+              </a:rPr>
+              <a:t>.</a:t>
+            </a:r>
+          </a:p>
+          <a:p>
+            <a:r>
+              <a:rPr lang="zh-CN" altLang="en-US" sz="1200" b="1" i="0" kern="1200" dirty="0" smtClean="0">
+                <a:solidFill>
+                  <a:schemeClr val="tx1"/>
+                </a:solidFill>
+                <a:effectLst/>
+                <a:latin typeface="+mn-lt"/>
+                <a:ea typeface="+mn-ea"/>
+                <a:cs typeface="+mn-cs"/>
+              </a:rPr>
+              <a:t>什么是用户故事</a:t>
+            </a:r>
+            <a:r>
+              <a:rPr lang="en-US" altLang="zh-CN" sz="1200" b="1" i="0" kern="1200" dirty="0" smtClean="0">
+                <a:solidFill>
+                  <a:schemeClr val="tx1"/>
+                </a:solidFill>
+                <a:effectLst/>
+                <a:latin typeface="+mn-lt"/>
+                <a:ea typeface="+mn-ea"/>
+                <a:cs typeface="+mn-cs"/>
+              </a:rPr>
+              <a:t>(user story)</a:t>
+            </a:r>
+            <a:endParaRPr lang="zh-CN" altLang="en-US" sz="1200" b="0" i="0" kern="1200" dirty="0" smtClean="0">
+              <a:solidFill>
+                <a:schemeClr val="tx1"/>
+              </a:solidFill>
+              <a:effectLst/>
+              <a:latin typeface="+mn-lt"/>
+              <a:ea typeface="+mn-ea"/>
+              <a:cs typeface="+mn-cs"/>
+            </a:endParaRPr>
+          </a:p>
+          <a:p>
+            <a:r>
+              <a:rPr lang="zh-CN" altLang="en-US" sz="1200" b="0" i="0" kern="1200" dirty="0" smtClean="0">
+                <a:solidFill>
+                  <a:schemeClr val="tx1"/>
+                </a:solidFill>
+                <a:effectLst/>
+                <a:latin typeface="+mn-lt"/>
+                <a:ea typeface="+mn-ea"/>
+                <a:cs typeface="+mn-cs"/>
+              </a:rPr>
+              <a:t>    假定这个项目的客户是个饮料自动售货机的制造商。他们要求我们为他们的售货机开发一款软件。我们可以找他们的市场经理了解这个软件的需求。</a:t>
+            </a:r>
+          </a:p>
+          <a:p>
+            <a:r>
+              <a:rPr lang="zh-CN" altLang="en-US" sz="1200" b="0" i="0" kern="1200" dirty="0" smtClean="0">
+                <a:solidFill>
+                  <a:schemeClr val="tx1"/>
+                </a:solidFill>
+                <a:effectLst/>
+                <a:latin typeface="+mn-lt"/>
+                <a:ea typeface="+mn-ea"/>
+                <a:cs typeface="+mn-cs"/>
+              </a:rPr>
+              <a:t>    因此，我们的客户就是他们的市场经理。谈需求的时候，有一回他这样说：“用户往售货机每塞一个硬币，售货机都要显示当前该客户已经投了多少钱。当用户投的钱够买某一款饮料时，代表这款饮料的按钮的灯就会亮。如果那个用户按了这个按钮，售货机就放一罐饮料到出口，然后找零钱给他。”</a:t>
+            </a:r>
+          </a:p>
+          <a:p>
+            <a:r>
+              <a:rPr lang="zh-CN" altLang="en-US" sz="1200" b="0" i="0" kern="1200" dirty="0" smtClean="0">
+                <a:solidFill>
+                  <a:schemeClr val="tx1"/>
+                </a:solidFill>
+                <a:effectLst/>
+                <a:latin typeface="+mn-lt"/>
+                <a:ea typeface="+mn-ea"/>
+                <a:cs typeface="+mn-cs"/>
+              </a:rPr>
+              <a:t>    上面的话描述的是一件事情，一件用户通过系统完成他一个有价值的目标（买一罐饮料）的事。这样的过程就叫“用户案例</a:t>
+            </a:r>
+            <a:r>
+              <a:rPr lang="en-US" altLang="zh-CN" sz="1200" b="0" i="0" kern="1200" dirty="0" smtClean="0">
+                <a:solidFill>
+                  <a:schemeClr val="tx1"/>
+                </a:solidFill>
+                <a:effectLst/>
+                <a:latin typeface="+mn-lt"/>
+                <a:ea typeface="+mn-ea"/>
+                <a:cs typeface="+mn-cs"/>
+              </a:rPr>
+              <a:t>(user case)”</a:t>
+            </a:r>
+            <a:r>
+              <a:rPr lang="zh-CN" altLang="en-US" sz="1200" b="0" i="0" kern="1200" dirty="0" smtClean="0">
+                <a:solidFill>
+                  <a:schemeClr val="tx1"/>
+                </a:solidFill>
+                <a:effectLst/>
+                <a:latin typeface="+mn-lt"/>
+                <a:ea typeface="+mn-ea"/>
+                <a:cs typeface="+mn-cs"/>
+              </a:rPr>
+              <a:t>或者“用户故事</a:t>
+            </a:r>
+            <a:r>
+              <a:rPr lang="en-US" altLang="zh-CN" sz="1200" b="0" i="0" kern="1200" dirty="0" smtClean="0">
+                <a:solidFill>
+                  <a:schemeClr val="tx1"/>
+                </a:solidFill>
+                <a:effectLst/>
+                <a:latin typeface="+mn-lt"/>
+                <a:ea typeface="+mn-ea"/>
+                <a:cs typeface="+mn-cs"/>
+              </a:rPr>
+              <a:t>(user story)”</a:t>
+            </a:r>
+            <a:r>
+              <a:rPr lang="zh-CN" altLang="en-US" sz="1200" b="0" i="0" kern="1200" dirty="0" smtClean="0">
+                <a:solidFill>
+                  <a:schemeClr val="tx1"/>
+                </a:solidFill>
+                <a:effectLst/>
+                <a:latin typeface="+mn-lt"/>
+                <a:ea typeface="+mn-ea"/>
+                <a:cs typeface="+mn-cs"/>
+              </a:rPr>
+              <a:t>。也就是说，上面我们的客户所说的话，就是在描述一个用户故事（</a:t>
+            </a:r>
+            <a:r>
+              <a:rPr lang="en-US" altLang="zh-CN" sz="1200" b="0" i="0" kern="1200" dirty="0" smtClean="0">
+                <a:solidFill>
+                  <a:schemeClr val="tx1"/>
+                </a:solidFill>
+                <a:effectLst/>
+                <a:latin typeface="+mn-lt"/>
+                <a:ea typeface="+mn-ea"/>
+                <a:cs typeface="+mn-cs"/>
+              </a:rPr>
+              <a:t>user story</a:t>
+            </a:r>
+            <a:r>
+              <a:rPr lang="zh-CN" altLang="en-US" sz="1200" b="0" i="0" kern="1200" dirty="0" smtClean="0">
+                <a:solidFill>
+                  <a:schemeClr val="tx1"/>
+                </a:solidFill>
+                <a:effectLst/>
+                <a:latin typeface="+mn-lt"/>
+                <a:ea typeface="+mn-ea"/>
+                <a:cs typeface="+mn-cs"/>
+              </a:rPr>
+              <a:t>）。</a:t>
+            </a:r>
+            <a:br>
+              <a:rPr lang="zh-CN" altLang="en-US" sz="1200" b="0" i="0" kern="1200" dirty="0" smtClean="0">
+                <a:solidFill>
+                  <a:schemeClr val="tx1"/>
+                </a:solidFill>
+                <a:effectLst/>
+                <a:latin typeface="+mn-lt"/>
+                <a:ea typeface="+mn-ea"/>
+                <a:cs typeface="+mn-cs"/>
+              </a:rPr>
+            </a:br>
+            <a:r>
+              <a:rPr lang="zh-CN" altLang="en-US" sz="1200" b="0" i="0" kern="1200" dirty="0" smtClean="0">
+                <a:solidFill>
+                  <a:schemeClr val="tx1"/>
+                </a:solidFill>
+                <a:effectLst/>
+                <a:latin typeface="+mn-lt"/>
+                <a:ea typeface="+mn-ea"/>
+                <a:cs typeface="+mn-cs"/>
+              </a:rPr>
+              <a:t>    </a:t>
+            </a:r>
+            <a:r>
+              <a:rPr lang="en-US" altLang="zh-CN" sz="1200" b="0" i="0" kern="1200" dirty="0" smtClean="0">
+                <a:solidFill>
+                  <a:schemeClr val="tx1"/>
+                </a:solidFill>
+                <a:effectLst/>
+                <a:latin typeface="+mn-lt"/>
+                <a:ea typeface="+mn-ea"/>
+                <a:cs typeface="+mn-cs"/>
+              </a:rPr>
+              <a:t>(</a:t>
+            </a:r>
+            <a:r>
+              <a:rPr lang="zh-CN" altLang="en-US" sz="1200" b="0" i="0" kern="1200" dirty="0" smtClean="0">
+                <a:solidFill>
+                  <a:schemeClr val="tx1"/>
+                </a:solidFill>
+                <a:effectLst/>
+                <a:latin typeface="+mn-lt"/>
+                <a:ea typeface="+mn-ea"/>
+                <a:cs typeface="+mn-cs"/>
+              </a:rPr>
+              <a:t>我解释一下为什么用故事这个词，没兴趣也可以忽略。在一个系统面前，每个用户要完成同样的目标，都要做这个系统设定的例行的事，这件事情不是一个例子，所以不叫事例，这也不是故事，也不能算一段历程，而是一个例行的事。</a:t>
+            </a:r>
+            <a:r>
+              <a:rPr lang="en-US" altLang="zh-CN" sz="1200" b="0" i="0" kern="1200" dirty="0" smtClean="0">
+                <a:solidFill>
+                  <a:schemeClr val="tx1"/>
+                </a:solidFill>
+                <a:effectLst/>
+                <a:latin typeface="+mn-lt"/>
+                <a:ea typeface="+mn-ea"/>
+                <a:cs typeface="+mn-cs"/>
+              </a:rPr>
+              <a:t>)</a:t>
+            </a:r>
+          </a:p>
+          <a:p>
+            <a:r>
+              <a:rPr lang="en-US" altLang="zh-CN" sz="1200" b="0" i="0" kern="1200" dirty="0" smtClean="0">
+                <a:solidFill>
+                  <a:schemeClr val="tx1"/>
+                </a:solidFill>
+                <a:effectLst/>
+                <a:latin typeface="+mn-lt"/>
+                <a:ea typeface="+mn-ea"/>
+                <a:cs typeface="+mn-cs"/>
+              </a:rPr>
+              <a:t>    </a:t>
+            </a:r>
+            <a:r>
+              <a:rPr lang="zh-CN" altLang="en-US" sz="1200" b="0" i="0" kern="1200" dirty="0" smtClean="0">
+                <a:solidFill>
+                  <a:schemeClr val="tx1"/>
+                </a:solidFill>
+                <a:effectLst/>
+                <a:latin typeface="+mn-lt"/>
+                <a:ea typeface="+mn-ea"/>
+                <a:cs typeface="+mn-cs"/>
+              </a:rPr>
+              <a:t>如果我们想要记下这段用户故事，我们可能会用这样的格式：</a:t>
+            </a:r>
+          </a:p>
+          <a:p>
+            <a:r>
+              <a:rPr lang="zh-CN" altLang="en-US" sz="1200" b="0" i="0" kern="1200" dirty="0" smtClean="0">
+                <a:solidFill>
+                  <a:schemeClr val="tx1"/>
+                </a:solidFill>
+                <a:effectLst/>
+                <a:latin typeface="+mn-lt"/>
+                <a:ea typeface="+mn-ea"/>
+                <a:cs typeface="+mn-cs"/>
+              </a:rPr>
+              <a:t>    名称：卖饮料</a:t>
+            </a:r>
+          </a:p>
+          <a:p>
+            <a:r>
+              <a:rPr lang="zh-CN" altLang="en-US" sz="1200" b="0" i="0" kern="1200" dirty="0" smtClean="0">
+                <a:solidFill>
+                  <a:schemeClr val="tx1"/>
+                </a:solidFill>
+                <a:effectLst/>
+                <a:latin typeface="+mn-lt"/>
+                <a:ea typeface="+mn-ea"/>
+                <a:cs typeface="+mn-cs"/>
+              </a:rPr>
+              <a:t>    事件：</a:t>
+            </a:r>
+          </a:p>
+          <a:p>
+            <a:r>
+              <a:rPr lang="zh-CN" altLang="en-US" sz="1200" b="0" i="0" kern="1200" dirty="0" smtClean="0">
+                <a:solidFill>
+                  <a:schemeClr val="tx1"/>
+                </a:solidFill>
+                <a:effectLst/>
+                <a:latin typeface="+mn-lt"/>
+                <a:ea typeface="+mn-ea"/>
+                <a:cs typeface="+mn-cs"/>
+              </a:rPr>
+              <a:t>    </a:t>
+            </a:r>
+            <a:r>
+              <a:rPr lang="en-US" altLang="zh-CN" sz="1200" b="0" i="0" kern="1200" dirty="0" smtClean="0">
+                <a:solidFill>
+                  <a:schemeClr val="tx1"/>
+                </a:solidFill>
+                <a:effectLst/>
+                <a:latin typeface="+mn-lt"/>
+                <a:ea typeface="+mn-ea"/>
+                <a:cs typeface="+mn-cs"/>
+              </a:rPr>
+              <a:t>1. </a:t>
+            </a:r>
+            <a:r>
+              <a:rPr lang="zh-CN" altLang="en-US" sz="1200" b="0" i="0" kern="1200" dirty="0" smtClean="0">
+                <a:solidFill>
+                  <a:schemeClr val="tx1"/>
+                </a:solidFill>
+                <a:effectLst/>
+                <a:latin typeface="+mn-lt"/>
+                <a:ea typeface="+mn-ea"/>
+                <a:cs typeface="+mn-cs"/>
+              </a:rPr>
+              <a:t>用户投入一些钱。</a:t>
+            </a:r>
+          </a:p>
+          <a:p>
+            <a:r>
+              <a:rPr lang="zh-CN" altLang="en-US" sz="1200" b="0" i="0" kern="1200" dirty="0" smtClean="0">
+                <a:solidFill>
+                  <a:schemeClr val="tx1"/>
+                </a:solidFill>
+                <a:effectLst/>
+                <a:latin typeface="+mn-lt"/>
+                <a:ea typeface="+mn-ea"/>
+                <a:cs typeface="+mn-cs"/>
+              </a:rPr>
+              <a:t>    </a:t>
+            </a:r>
+            <a:r>
+              <a:rPr lang="en-US" altLang="zh-CN" sz="1200" b="0" i="0" kern="1200" dirty="0" smtClean="0">
+                <a:solidFill>
+                  <a:schemeClr val="tx1"/>
+                </a:solidFill>
+                <a:effectLst/>
+                <a:latin typeface="+mn-lt"/>
+                <a:ea typeface="+mn-ea"/>
+                <a:cs typeface="+mn-cs"/>
+              </a:rPr>
+              <a:t>2. </a:t>
+            </a:r>
+            <a:r>
+              <a:rPr lang="zh-CN" altLang="en-US" sz="1200" b="0" i="0" kern="1200" dirty="0" smtClean="0">
+                <a:solidFill>
+                  <a:schemeClr val="tx1"/>
+                </a:solidFill>
+                <a:effectLst/>
+                <a:latin typeface="+mn-lt"/>
+                <a:ea typeface="+mn-ea"/>
+                <a:cs typeface="+mn-cs"/>
+              </a:rPr>
+              <a:t>售货机显示用户已经投了多少钱。</a:t>
+            </a:r>
+          </a:p>
+          <a:p>
+            <a:r>
+              <a:rPr lang="zh-CN" altLang="en-US" sz="1200" b="0" i="0" kern="1200" dirty="0" smtClean="0">
+                <a:solidFill>
+                  <a:schemeClr val="tx1"/>
+                </a:solidFill>
+                <a:effectLst/>
+                <a:latin typeface="+mn-lt"/>
+                <a:ea typeface="+mn-ea"/>
+                <a:cs typeface="+mn-cs"/>
+              </a:rPr>
+              <a:t>    </a:t>
+            </a:r>
+            <a:r>
+              <a:rPr lang="en-US" altLang="zh-CN" sz="1200" b="0" i="0" kern="1200" dirty="0" smtClean="0">
+                <a:solidFill>
+                  <a:schemeClr val="tx1"/>
+                </a:solidFill>
+                <a:effectLst/>
+                <a:latin typeface="+mn-lt"/>
+                <a:ea typeface="+mn-ea"/>
+                <a:cs typeface="+mn-cs"/>
+              </a:rPr>
+              <a:t>3. </a:t>
+            </a:r>
+            <a:r>
+              <a:rPr lang="zh-CN" altLang="en-US" sz="1200" b="0" i="0" kern="1200" dirty="0" smtClean="0">
+                <a:solidFill>
+                  <a:schemeClr val="tx1"/>
+                </a:solidFill>
+                <a:effectLst/>
+                <a:latin typeface="+mn-lt"/>
+                <a:ea typeface="+mn-ea"/>
+                <a:cs typeface="+mn-cs"/>
+              </a:rPr>
+              <a:t>如果投入的钱足够买某种饮料，这种饮料对应的按钮的灯就会亮。</a:t>
+            </a:r>
+          </a:p>
+          <a:p>
+            <a:r>
+              <a:rPr lang="zh-CN" altLang="en-US" sz="1200" b="0" i="0" kern="1200" dirty="0" smtClean="0">
+                <a:solidFill>
+                  <a:schemeClr val="tx1"/>
+                </a:solidFill>
+                <a:effectLst/>
+                <a:latin typeface="+mn-lt"/>
+                <a:ea typeface="+mn-ea"/>
+                <a:cs typeface="+mn-cs"/>
+              </a:rPr>
+              <a:t>    </a:t>
+            </a:r>
+            <a:r>
+              <a:rPr lang="en-US" altLang="zh-CN" sz="1200" b="0" i="0" kern="1200" dirty="0" smtClean="0">
+                <a:solidFill>
+                  <a:schemeClr val="tx1"/>
+                </a:solidFill>
+                <a:effectLst/>
+                <a:latin typeface="+mn-lt"/>
+                <a:ea typeface="+mn-ea"/>
+                <a:cs typeface="+mn-cs"/>
+              </a:rPr>
+              <a:t>4. </a:t>
+            </a:r>
+            <a:r>
+              <a:rPr lang="zh-CN" altLang="en-US" sz="1200" b="0" i="0" kern="1200" dirty="0" smtClean="0">
+                <a:solidFill>
+                  <a:schemeClr val="tx1"/>
+                </a:solidFill>
+                <a:effectLst/>
+                <a:latin typeface="+mn-lt"/>
+                <a:ea typeface="+mn-ea"/>
+                <a:cs typeface="+mn-cs"/>
+              </a:rPr>
+              <a:t>用户按了某个亮了的按钮。</a:t>
+            </a:r>
+          </a:p>
+          <a:p>
+            <a:r>
+              <a:rPr lang="zh-CN" altLang="en-US" sz="1200" b="0" i="0" kern="1200" dirty="0" smtClean="0">
+                <a:solidFill>
+                  <a:schemeClr val="tx1"/>
+                </a:solidFill>
+                <a:effectLst/>
+                <a:latin typeface="+mn-lt"/>
+                <a:ea typeface="+mn-ea"/>
+                <a:cs typeface="+mn-cs"/>
+              </a:rPr>
+              <a:t>    </a:t>
+            </a:r>
+            <a:r>
+              <a:rPr lang="en-US" altLang="zh-CN" sz="1200" b="0" i="0" kern="1200" dirty="0" smtClean="0">
+                <a:solidFill>
+                  <a:schemeClr val="tx1"/>
+                </a:solidFill>
+                <a:effectLst/>
+                <a:latin typeface="+mn-lt"/>
+                <a:ea typeface="+mn-ea"/>
+                <a:cs typeface="+mn-cs"/>
+              </a:rPr>
+              <a:t>5. </a:t>
+            </a:r>
+            <a:r>
+              <a:rPr lang="zh-CN" altLang="en-US" sz="1200" b="0" i="0" kern="1200" dirty="0" smtClean="0">
+                <a:solidFill>
+                  <a:schemeClr val="tx1"/>
+                </a:solidFill>
+                <a:effectLst/>
+                <a:latin typeface="+mn-lt"/>
+                <a:ea typeface="+mn-ea"/>
+                <a:cs typeface="+mn-cs"/>
+              </a:rPr>
+              <a:t>售货机卖出一罐饮料给他。</a:t>
+            </a:r>
+          </a:p>
+          <a:p>
+            <a:r>
+              <a:rPr lang="zh-CN" altLang="en-US" sz="1200" b="0" i="0" kern="1200" dirty="0" smtClean="0">
+                <a:solidFill>
+                  <a:schemeClr val="tx1"/>
+                </a:solidFill>
+                <a:effectLst/>
+                <a:latin typeface="+mn-lt"/>
+                <a:ea typeface="+mn-ea"/>
+                <a:cs typeface="+mn-cs"/>
+              </a:rPr>
+              <a:t>    </a:t>
+            </a:r>
+            <a:r>
+              <a:rPr lang="en-US" altLang="zh-CN" sz="1200" b="0" i="0" kern="1200" dirty="0" smtClean="0">
+                <a:solidFill>
+                  <a:schemeClr val="tx1"/>
+                </a:solidFill>
+                <a:effectLst/>
+                <a:latin typeface="+mn-lt"/>
+                <a:ea typeface="+mn-ea"/>
+                <a:cs typeface="+mn-cs"/>
+              </a:rPr>
+              <a:t>6. </a:t>
+            </a:r>
+            <a:r>
+              <a:rPr lang="zh-CN" altLang="en-US" sz="1200" b="0" i="0" kern="1200" dirty="0" smtClean="0">
+                <a:solidFill>
+                  <a:schemeClr val="tx1"/>
+                </a:solidFill>
+                <a:effectLst/>
+                <a:latin typeface="+mn-lt"/>
+                <a:ea typeface="+mn-ea"/>
+                <a:cs typeface="+mn-cs"/>
+              </a:rPr>
+              <a:t>售货机找零钱给他。</a:t>
+            </a:r>
+          </a:p>
+          <a:p>
+            <a:r>
+              <a:rPr lang="zh-CN" altLang="en-US" sz="1200" b="0" i="0" kern="1200" dirty="0" smtClean="0">
+                <a:solidFill>
+                  <a:schemeClr val="tx1"/>
+                </a:solidFill>
+                <a:effectLst/>
+                <a:latin typeface="+mn-lt"/>
+                <a:ea typeface="+mn-ea"/>
+                <a:cs typeface="+mn-cs"/>
+              </a:rPr>
+              <a:t>    注意到，一个用户故事里面的事件可以这样描述：</a:t>
+            </a:r>
+          </a:p>
+          <a:p>
+            <a:r>
+              <a:rPr lang="zh-CN" altLang="en-US" sz="1200" b="0" i="0" kern="1200" dirty="0" smtClean="0">
+                <a:solidFill>
+                  <a:schemeClr val="tx1"/>
+                </a:solidFill>
+                <a:effectLst/>
+                <a:latin typeface="+mn-lt"/>
+                <a:ea typeface="+mn-ea"/>
+                <a:cs typeface="+mn-cs"/>
+              </a:rPr>
+              <a:t>    </a:t>
+            </a:r>
+            <a:r>
+              <a:rPr lang="en-US" altLang="zh-CN" sz="1200" b="0" i="0" kern="1200" dirty="0" smtClean="0">
+                <a:solidFill>
+                  <a:schemeClr val="tx1"/>
+                </a:solidFill>
+                <a:effectLst/>
+                <a:latin typeface="+mn-lt"/>
+                <a:ea typeface="+mn-ea"/>
+                <a:cs typeface="+mn-cs"/>
+              </a:rPr>
+              <a:t>1. </a:t>
+            </a:r>
+            <a:r>
+              <a:rPr lang="zh-CN" altLang="en-US" sz="1200" b="0" i="0" kern="1200" dirty="0" smtClean="0">
+                <a:solidFill>
+                  <a:schemeClr val="tx1"/>
+                </a:solidFill>
+                <a:effectLst/>
+                <a:latin typeface="+mn-lt"/>
+                <a:ea typeface="+mn-ea"/>
+                <a:cs typeface="+mn-cs"/>
+              </a:rPr>
+              <a:t>用户做</a:t>
+            </a:r>
+            <a:r>
+              <a:rPr lang="en-US" altLang="zh-CN" sz="1200" b="0" i="0" kern="1200" dirty="0" smtClean="0">
+                <a:solidFill>
+                  <a:schemeClr val="tx1"/>
+                </a:solidFill>
+                <a:effectLst/>
+                <a:latin typeface="+mn-lt"/>
+                <a:ea typeface="+mn-ea"/>
+                <a:cs typeface="+mn-cs"/>
+              </a:rPr>
+              <a:t>XX</a:t>
+            </a:r>
+            <a:r>
+              <a:rPr lang="zh-CN" altLang="en-US" sz="1200" b="0" i="0" kern="1200" dirty="0" smtClean="0">
+                <a:solidFill>
+                  <a:schemeClr val="tx1"/>
+                </a:solidFill>
+                <a:effectLst/>
+                <a:latin typeface="+mn-lt"/>
+                <a:ea typeface="+mn-ea"/>
+                <a:cs typeface="+mn-cs"/>
+              </a:rPr>
+              <a:t>。</a:t>
+            </a:r>
+          </a:p>
+          <a:p>
+            <a:r>
+              <a:rPr lang="zh-CN" altLang="en-US" sz="1200" b="0" i="0" kern="1200" dirty="0" smtClean="0">
+                <a:solidFill>
+                  <a:schemeClr val="tx1"/>
+                </a:solidFill>
+                <a:effectLst/>
+                <a:latin typeface="+mn-lt"/>
+                <a:ea typeface="+mn-ea"/>
+                <a:cs typeface="+mn-cs"/>
+              </a:rPr>
+              <a:t>    </a:t>
+            </a:r>
+            <a:r>
+              <a:rPr lang="en-US" altLang="zh-CN" sz="1200" b="0" i="0" kern="1200" dirty="0" smtClean="0">
+                <a:solidFill>
+                  <a:schemeClr val="tx1"/>
+                </a:solidFill>
+                <a:effectLst/>
+                <a:latin typeface="+mn-lt"/>
+                <a:ea typeface="+mn-ea"/>
+                <a:cs typeface="+mn-cs"/>
+              </a:rPr>
+              <a:t>2. </a:t>
+            </a:r>
+            <a:r>
+              <a:rPr lang="zh-CN" altLang="en-US" sz="1200" b="0" i="0" kern="1200" dirty="0" smtClean="0">
+                <a:solidFill>
+                  <a:schemeClr val="tx1"/>
+                </a:solidFill>
+                <a:effectLst/>
+                <a:latin typeface="+mn-lt"/>
+                <a:ea typeface="+mn-ea"/>
+                <a:cs typeface="+mn-cs"/>
+              </a:rPr>
+              <a:t>系统做</a:t>
+            </a:r>
+            <a:r>
+              <a:rPr lang="en-US" altLang="zh-CN" sz="1200" b="0" i="0" kern="1200" dirty="0" smtClean="0">
+                <a:solidFill>
+                  <a:schemeClr val="tx1"/>
+                </a:solidFill>
+                <a:effectLst/>
+                <a:latin typeface="+mn-lt"/>
+                <a:ea typeface="+mn-ea"/>
+                <a:cs typeface="+mn-cs"/>
+              </a:rPr>
+              <a:t>YY</a:t>
+            </a:r>
+            <a:r>
+              <a:rPr lang="zh-CN" altLang="en-US" sz="1200" b="0" i="0" kern="1200" dirty="0" smtClean="0">
+                <a:solidFill>
+                  <a:schemeClr val="tx1"/>
+                </a:solidFill>
+                <a:effectLst/>
+                <a:latin typeface="+mn-lt"/>
+                <a:ea typeface="+mn-ea"/>
+                <a:cs typeface="+mn-cs"/>
+              </a:rPr>
+              <a:t>。</a:t>
+            </a:r>
+          </a:p>
+          <a:p>
+            <a:r>
+              <a:rPr lang="zh-CN" altLang="en-US" sz="1200" b="0" i="0" kern="1200" dirty="0" smtClean="0">
+                <a:solidFill>
+                  <a:schemeClr val="tx1"/>
+                </a:solidFill>
+                <a:effectLst/>
+                <a:latin typeface="+mn-lt"/>
+                <a:ea typeface="+mn-ea"/>
+                <a:cs typeface="+mn-cs"/>
+              </a:rPr>
+              <a:t>    </a:t>
+            </a:r>
+            <a:r>
+              <a:rPr lang="en-US" altLang="zh-CN" sz="1200" b="0" i="0" kern="1200" dirty="0" smtClean="0">
+                <a:solidFill>
+                  <a:schemeClr val="tx1"/>
+                </a:solidFill>
+                <a:effectLst/>
+                <a:latin typeface="+mn-lt"/>
+                <a:ea typeface="+mn-ea"/>
+                <a:cs typeface="+mn-cs"/>
+              </a:rPr>
+              <a:t>3. </a:t>
+            </a:r>
+            <a:r>
+              <a:rPr lang="zh-CN" altLang="en-US" sz="1200" b="0" i="0" kern="1200" dirty="0" smtClean="0">
+                <a:solidFill>
+                  <a:schemeClr val="tx1"/>
+                </a:solidFill>
+                <a:effectLst/>
+                <a:latin typeface="+mn-lt"/>
+                <a:ea typeface="+mn-ea"/>
+                <a:cs typeface="+mn-cs"/>
+              </a:rPr>
+              <a:t>用户做</a:t>
+            </a:r>
+            <a:r>
+              <a:rPr lang="en-US" altLang="zh-CN" sz="1200" b="0" i="0" kern="1200" dirty="0" smtClean="0">
+                <a:solidFill>
+                  <a:schemeClr val="tx1"/>
+                </a:solidFill>
+                <a:effectLst/>
+                <a:latin typeface="+mn-lt"/>
+                <a:ea typeface="+mn-ea"/>
+                <a:cs typeface="+mn-cs"/>
+              </a:rPr>
+              <a:t>ZZ</a:t>
+            </a:r>
+            <a:r>
+              <a:rPr lang="zh-CN" altLang="en-US" sz="1200" b="0" i="0" kern="1200" dirty="0" smtClean="0">
+                <a:solidFill>
+                  <a:schemeClr val="tx1"/>
+                </a:solidFill>
+                <a:effectLst/>
+                <a:latin typeface="+mn-lt"/>
+                <a:ea typeface="+mn-ea"/>
+                <a:cs typeface="+mn-cs"/>
+              </a:rPr>
+              <a:t>。</a:t>
+            </a:r>
+          </a:p>
+          <a:p>
+            <a:r>
+              <a:rPr lang="zh-CN" altLang="en-US" sz="1200" b="0" i="0" kern="1200" dirty="0" smtClean="0">
+                <a:solidFill>
+                  <a:schemeClr val="tx1"/>
+                </a:solidFill>
+                <a:effectLst/>
+                <a:latin typeface="+mn-lt"/>
+                <a:ea typeface="+mn-ea"/>
+                <a:cs typeface="+mn-cs"/>
+              </a:rPr>
+              <a:t>    </a:t>
+            </a:r>
+            <a:r>
+              <a:rPr lang="en-US" altLang="zh-CN" sz="1200" b="0" i="0" kern="1200" dirty="0" smtClean="0">
+                <a:solidFill>
+                  <a:schemeClr val="tx1"/>
+                </a:solidFill>
+                <a:effectLst/>
+                <a:latin typeface="+mn-lt"/>
+                <a:ea typeface="+mn-ea"/>
+                <a:cs typeface="+mn-cs"/>
+              </a:rPr>
+              <a:t>4. </a:t>
+            </a:r>
+            <a:r>
+              <a:rPr lang="zh-CN" altLang="en-US" sz="1200" b="0" i="0" kern="1200" dirty="0" smtClean="0">
+                <a:solidFill>
+                  <a:schemeClr val="tx1"/>
+                </a:solidFill>
+                <a:effectLst/>
+                <a:latin typeface="+mn-lt"/>
+                <a:ea typeface="+mn-ea"/>
+                <a:cs typeface="+mn-cs"/>
+              </a:rPr>
+              <a:t>系统做</a:t>
+            </a:r>
+            <a:r>
+              <a:rPr lang="en-US" altLang="zh-CN" sz="1200" b="0" i="0" kern="1200" dirty="0" smtClean="0">
+                <a:solidFill>
+                  <a:schemeClr val="tx1"/>
+                </a:solidFill>
+                <a:effectLst/>
+                <a:latin typeface="+mn-lt"/>
+                <a:ea typeface="+mn-ea"/>
+                <a:cs typeface="+mn-cs"/>
+              </a:rPr>
+              <a:t>TT</a:t>
+            </a:r>
+            <a:r>
+              <a:rPr lang="zh-CN" altLang="en-US" sz="1200" b="0" i="0" kern="1200" dirty="0" smtClean="0">
+                <a:solidFill>
+                  <a:schemeClr val="tx1"/>
+                </a:solidFill>
+                <a:effectLst/>
+                <a:latin typeface="+mn-lt"/>
+                <a:ea typeface="+mn-ea"/>
+                <a:cs typeface="+mn-cs"/>
+              </a:rPr>
+              <a:t>。</a:t>
+            </a:r>
+          </a:p>
+          <a:p>
+            <a:r>
+              <a:rPr lang="zh-CN" altLang="en-US" sz="1200" b="0" i="0" kern="1200" dirty="0" smtClean="0">
+                <a:solidFill>
+                  <a:schemeClr val="tx1"/>
+                </a:solidFill>
+                <a:effectLst/>
+                <a:latin typeface="+mn-lt"/>
+                <a:ea typeface="+mn-ea"/>
+                <a:cs typeface="+mn-cs"/>
+              </a:rPr>
+              <a:t>    </a:t>
+            </a:r>
+            <a:r>
+              <a:rPr lang="en-US" altLang="zh-CN" sz="1200" b="0" i="0" kern="1200" dirty="0" smtClean="0">
+                <a:solidFill>
+                  <a:schemeClr val="tx1"/>
+                </a:solidFill>
+                <a:effectLst/>
+                <a:latin typeface="+mn-lt"/>
+                <a:ea typeface="+mn-ea"/>
+                <a:cs typeface="+mn-cs"/>
+              </a:rPr>
+              <a:t>5.  ...</a:t>
+            </a:r>
+          </a:p>
+          <a:p>
+            <a:r>
+              <a:rPr lang="zh-CN" altLang="en-US" sz="1200" b="1" i="0" kern="1200" dirty="0" smtClean="0">
+                <a:solidFill>
+                  <a:schemeClr val="tx1"/>
+                </a:solidFill>
+                <a:effectLst/>
+                <a:latin typeface="+mn-lt"/>
+                <a:ea typeface="+mn-ea"/>
+                <a:cs typeface="+mn-cs"/>
+              </a:rPr>
+              <a:t>用户故事只是描述系统的外在行为</a:t>
+            </a:r>
+            <a:endParaRPr lang="zh-CN" altLang="en-US" sz="1200" b="0" i="0" kern="1200" dirty="0" smtClean="0">
+              <a:solidFill>
+                <a:schemeClr val="tx1"/>
+              </a:solidFill>
+              <a:effectLst/>
+              <a:latin typeface="+mn-lt"/>
+              <a:ea typeface="+mn-ea"/>
+              <a:cs typeface="+mn-cs"/>
+            </a:endParaRPr>
+          </a:p>
+          <a:p>
+            <a:r>
+              <a:rPr lang="zh-CN" altLang="en-US" sz="1200" b="0" i="0" kern="1200" dirty="0" smtClean="0">
+                <a:solidFill>
+                  <a:schemeClr val="tx1"/>
+                </a:solidFill>
+                <a:effectLst/>
+                <a:latin typeface="+mn-lt"/>
+                <a:ea typeface="+mn-ea"/>
+                <a:cs typeface="+mn-cs"/>
+              </a:rPr>
+              <a:t>    一个用户故事只是以客户能够明白的方式，描述了一个系统的外在行为，它完全忽略了系统的内部动作。比如，下面有下划线的那些文字，就属于不应该出现在用户故事中的系统内部动作：</a:t>
+            </a:r>
+          </a:p>
+          <a:p>
+            <a:r>
+              <a:rPr lang="zh-CN" altLang="en-US" sz="1200" b="0" i="0" kern="1200" dirty="0" smtClean="0">
+                <a:solidFill>
+                  <a:schemeClr val="tx1"/>
+                </a:solidFill>
+                <a:effectLst/>
+                <a:latin typeface="+mn-lt"/>
+                <a:ea typeface="+mn-ea"/>
+                <a:cs typeface="+mn-cs"/>
+              </a:rPr>
+              <a:t>    </a:t>
+            </a:r>
+            <a:r>
+              <a:rPr lang="en-US" altLang="zh-CN" sz="1200" b="0" i="0" kern="1200" dirty="0" smtClean="0">
+                <a:solidFill>
+                  <a:schemeClr val="tx1"/>
+                </a:solidFill>
+                <a:effectLst/>
+                <a:latin typeface="+mn-lt"/>
+                <a:ea typeface="+mn-ea"/>
+                <a:cs typeface="+mn-cs"/>
+              </a:rPr>
+              <a:t>1. </a:t>
+            </a:r>
+            <a:r>
+              <a:rPr lang="zh-CN" altLang="en-US" sz="1200" b="0" i="0" kern="1200" dirty="0" smtClean="0">
+                <a:solidFill>
+                  <a:schemeClr val="tx1"/>
+                </a:solidFill>
+                <a:effectLst/>
+                <a:latin typeface="+mn-lt"/>
+                <a:ea typeface="+mn-ea"/>
+                <a:cs typeface="+mn-cs"/>
+              </a:rPr>
+              <a:t>用户投入一些钱。</a:t>
+            </a:r>
+          </a:p>
+          <a:p>
+            <a:r>
+              <a:rPr lang="zh-CN" altLang="en-US" sz="1200" b="0" i="0" kern="1200" dirty="0" smtClean="0">
+                <a:solidFill>
+                  <a:schemeClr val="tx1"/>
+                </a:solidFill>
+                <a:effectLst/>
+                <a:latin typeface="+mn-lt"/>
+                <a:ea typeface="+mn-ea"/>
+                <a:cs typeface="+mn-cs"/>
+              </a:rPr>
+              <a:t>    </a:t>
+            </a:r>
+            <a:r>
+              <a:rPr lang="en-US" altLang="zh-CN" sz="1200" b="0" i="0" kern="1200" dirty="0" smtClean="0">
+                <a:solidFill>
+                  <a:schemeClr val="tx1"/>
+                </a:solidFill>
+                <a:effectLst/>
+                <a:latin typeface="+mn-lt"/>
+                <a:ea typeface="+mn-ea"/>
+                <a:cs typeface="+mn-cs"/>
+              </a:rPr>
+              <a:t>2. </a:t>
+            </a:r>
+            <a:r>
+              <a:rPr lang="zh-CN" altLang="en-US" sz="1200" b="0" i="0" kern="1200" dirty="0" smtClean="0">
+                <a:solidFill>
+                  <a:schemeClr val="tx1"/>
+                </a:solidFill>
+                <a:effectLst/>
+                <a:latin typeface="+mn-lt"/>
+                <a:ea typeface="+mn-ea"/>
+                <a:cs typeface="+mn-cs"/>
+              </a:rPr>
+              <a:t>售货机将塞进来的钱存在钱箱里，然后发送一条命令给屏幕，屏幕显示目前已经投入的金额。</a:t>
+            </a:r>
+          </a:p>
+          <a:p>
+            <a:r>
+              <a:rPr lang="zh-CN" altLang="en-US" sz="1200" b="0" i="0" kern="1200" dirty="0" smtClean="0">
+                <a:solidFill>
+                  <a:schemeClr val="tx1"/>
+                </a:solidFill>
+                <a:effectLst/>
+                <a:latin typeface="+mn-lt"/>
+                <a:ea typeface="+mn-ea"/>
+                <a:cs typeface="+mn-cs"/>
+              </a:rPr>
+              <a:t>    </a:t>
+            </a:r>
+            <a:r>
+              <a:rPr lang="en-US" altLang="zh-CN" sz="1200" b="0" i="0" kern="1200" dirty="0" smtClean="0">
+                <a:solidFill>
+                  <a:schemeClr val="tx1"/>
+                </a:solidFill>
+                <a:effectLst/>
+                <a:latin typeface="+mn-lt"/>
+                <a:ea typeface="+mn-ea"/>
+                <a:cs typeface="+mn-cs"/>
+              </a:rPr>
+              <a:t>3. </a:t>
+            </a:r>
+            <a:r>
+              <a:rPr lang="zh-CN" altLang="en-US" sz="1200" b="0" i="0" kern="1200" dirty="0" smtClean="0">
+                <a:solidFill>
+                  <a:schemeClr val="tx1"/>
+                </a:solidFill>
+                <a:effectLst/>
+                <a:latin typeface="+mn-lt"/>
+                <a:ea typeface="+mn-ea"/>
+                <a:cs typeface="+mn-cs"/>
+              </a:rPr>
+              <a:t>售货机查询数据库里面所有饮料的价格，判定钱足够买哪些饮料，对于钱足够买的那些饮料，对应的按钮的灯就会亮起来。</a:t>
+            </a:r>
+          </a:p>
+          <a:p>
+            <a:r>
+              <a:rPr lang="zh-CN" altLang="en-US" sz="1200" b="0" i="0" kern="1200" dirty="0" smtClean="0">
+                <a:solidFill>
+                  <a:schemeClr val="tx1"/>
+                </a:solidFill>
+                <a:effectLst/>
+                <a:latin typeface="+mn-lt"/>
+                <a:ea typeface="+mn-ea"/>
+                <a:cs typeface="+mn-cs"/>
+              </a:rPr>
+              <a:t>    </a:t>
+            </a:r>
+            <a:r>
+              <a:rPr lang="en-US" altLang="zh-CN" sz="1200" b="0" i="0" kern="1200" dirty="0" smtClean="0">
+                <a:solidFill>
+                  <a:schemeClr val="tx1"/>
+                </a:solidFill>
+                <a:effectLst/>
+                <a:latin typeface="+mn-lt"/>
+                <a:ea typeface="+mn-ea"/>
+                <a:cs typeface="+mn-cs"/>
+              </a:rPr>
+              <a:t>4. </a:t>
+            </a:r>
+            <a:r>
+              <a:rPr lang="zh-CN" altLang="en-US" sz="1200" b="0" i="0" kern="1200" dirty="0" smtClean="0">
+                <a:solidFill>
+                  <a:schemeClr val="tx1"/>
+                </a:solidFill>
+                <a:effectLst/>
+                <a:latin typeface="+mn-lt"/>
+                <a:ea typeface="+mn-ea"/>
+                <a:cs typeface="+mn-cs"/>
+              </a:rPr>
+              <a:t>用户按下一个亮起来的按钮。</a:t>
+            </a:r>
+          </a:p>
+          <a:p>
+            <a:r>
+              <a:rPr lang="zh-CN" altLang="en-US" sz="1200" b="0" i="0" kern="1200" dirty="0" smtClean="0">
+                <a:solidFill>
+                  <a:schemeClr val="tx1"/>
+                </a:solidFill>
+                <a:effectLst/>
+                <a:latin typeface="+mn-lt"/>
+                <a:ea typeface="+mn-ea"/>
+                <a:cs typeface="+mn-cs"/>
+              </a:rPr>
+              <a:t>    </a:t>
+            </a:r>
+            <a:r>
+              <a:rPr lang="en-US" altLang="zh-CN" sz="1200" b="0" i="0" kern="1200" dirty="0" smtClean="0">
+                <a:solidFill>
+                  <a:schemeClr val="tx1"/>
+                </a:solidFill>
+                <a:effectLst/>
+                <a:latin typeface="+mn-lt"/>
+                <a:ea typeface="+mn-ea"/>
+                <a:cs typeface="+mn-cs"/>
+              </a:rPr>
+              <a:t>5. </a:t>
+            </a:r>
+            <a:r>
+              <a:rPr lang="zh-CN" altLang="en-US" sz="1200" b="0" i="0" kern="1200" dirty="0" smtClean="0">
+                <a:solidFill>
+                  <a:schemeClr val="tx1"/>
+                </a:solidFill>
+                <a:effectLst/>
+                <a:latin typeface="+mn-lt"/>
+                <a:ea typeface="+mn-ea"/>
+                <a:cs typeface="+mn-cs"/>
+              </a:rPr>
+              <a:t>售货机卖出一罐饮料给用户，然后将数据库里面该饮料的存货数量减</a:t>
+            </a:r>
+            <a:r>
+              <a:rPr lang="en-US" altLang="zh-CN" sz="1200" b="0" i="0" kern="1200" dirty="0" smtClean="0">
+                <a:solidFill>
+                  <a:schemeClr val="tx1"/>
+                </a:solidFill>
+                <a:effectLst/>
+                <a:latin typeface="+mn-lt"/>
+                <a:ea typeface="+mn-ea"/>
+                <a:cs typeface="+mn-cs"/>
+              </a:rPr>
+              <a:t>1</a:t>
+            </a:r>
+            <a:r>
+              <a:rPr lang="zh-CN" altLang="en-US" sz="1200" b="0" i="0" kern="1200" dirty="0" smtClean="0">
+                <a:solidFill>
+                  <a:schemeClr val="tx1"/>
+                </a:solidFill>
+                <a:effectLst/>
+                <a:latin typeface="+mn-lt"/>
+                <a:ea typeface="+mn-ea"/>
+                <a:cs typeface="+mn-cs"/>
+              </a:rPr>
+              <a:t>。</a:t>
+            </a:r>
+          </a:p>
+          <a:p>
+            <a:r>
+              <a:rPr lang="zh-CN" altLang="en-US" sz="1200" b="0" i="0" kern="1200" dirty="0" smtClean="0">
+                <a:solidFill>
+                  <a:schemeClr val="tx1"/>
+                </a:solidFill>
+                <a:effectLst/>
+                <a:latin typeface="+mn-lt"/>
+                <a:ea typeface="+mn-ea"/>
+                <a:cs typeface="+mn-cs"/>
+              </a:rPr>
+              <a:t>    </a:t>
+            </a:r>
+            <a:r>
+              <a:rPr lang="en-US" altLang="zh-CN" sz="1200" b="0" i="0" kern="1200" dirty="0" smtClean="0">
+                <a:solidFill>
+                  <a:schemeClr val="tx1"/>
+                </a:solidFill>
+                <a:effectLst/>
+                <a:latin typeface="+mn-lt"/>
+                <a:ea typeface="+mn-ea"/>
+                <a:cs typeface="+mn-cs"/>
+              </a:rPr>
+              <a:t>6. </a:t>
+            </a:r>
+            <a:r>
+              <a:rPr lang="zh-CN" altLang="en-US" sz="1200" b="0" i="0" kern="1200" dirty="0" smtClean="0">
+                <a:solidFill>
+                  <a:schemeClr val="tx1"/>
+                </a:solidFill>
+                <a:effectLst/>
+                <a:latin typeface="+mn-lt"/>
+                <a:ea typeface="+mn-ea"/>
+                <a:cs typeface="+mn-cs"/>
+              </a:rPr>
+              <a:t>售货机找零钱给用户。</a:t>
+            </a:r>
+          </a:p>
+          <a:p>
+            <a:r>
+              <a:rPr lang="zh-CN" altLang="en-US" sz="1200" b="0" i="0" kern="1200" dirty="0" smtClean="0">
+                <a:solidFill>
+                  <a:schemeClr val="tx1"/>
+                </a:solidFill>
+                <a:effectLst/>
+                <a:latin typeface="+mn-lt"/>
+                <a:ea typeface="+mn-ea"/>
+                <a:cs typeface="+mn-cs"/>
+              </a:rPr>
+              <a:t>    不管是口头描述的，还是书面形式，这样的内容是描述用户故事时一个很常见的错误。特别的，千万不要提及任何有关数据库，记录，字段之类的对客户一点意义都没有的东西。</a:t>
+            </a:r>
+          </a:p>
+          <a:p>
+            <a:r>
+              <a:rPr lang="zh-CN" altLang="en-US" sz="1200" b="1" i="0" kern="1200" dirty="0" smtClean="0">
+                <a:solidFill>
+                  <a:schemeClr val="tx1"/>
+                </a:solidFill>
+                <a:effectLst/>
+                <a:latin typeface="+mn-lt"/>
+                <a:ea typeface="+mn-ea"/>
+                <a:cs typeface="+mn-cs"/>
+              </a:rPr>
+              <a:t>评估发布时间</a:t>
+            </a:r>
+            <a:endParaRPr lang="zh-CN" altLang="en-US" sz="1200" b="0" i="0" kern="1200" dirty="0" smtClean="0">
+              <a:solidFill>
+                <a:schemeClr val="tx1"/>
+              </a:solidFill>
+              <a:effectLst/>
+              <a:latin typeface="+mn-lt"/>
+              <a:ea typeface="+mn-ea"/>
+              <a:cs typeface="+mn-cs"/>
+            </a:endParaRPr>
+          </a:p>
+          <a:p>
+            <a:r>
+              <a:rPr lang="zh-CN" altLang="en-US" sz="1200" b="0" i="0" kern="1200" dirty="0" smtClean="0">
+                <a:solidFill>
+                  <a:schemeClr val="tx1"/>
+                </a:solidFill>
+                <a:effectLst/>
+                <a:latin typeface="+mn-lt"/>
+                <a:ea typeface="+mn-ea"/>
+                <a:cs typeface="+mn-cs"/>
+              </a:rPr>
+              <a:t>    用户故事是用来干嘛的？假定客户希望在</a:t>
+            </a:r>
+            <a:r>
+              <a:rPr lang="en-US" altLang="zh-CN" sz="1200" b="0" i="0" kern="1200" dirty="0" smtClean="0">
+                <a:solidFill>
+                  <a:schemeClr val="tx1"/>
+                </a:solidFill>
+                <a:effectLst/>
+                <a:latin typeface="+mn-lt"/>
+                <a:ea typeface="+mn-ea"/>
+                <a:cs typeface="+mn-cs"/>
+              </a:rPr>
+              <a:t>50</a:t>
+            </a:r>
+            <a:r>
+              <a:rPr lang="zh-CN" altLang="en-US" sz="1200" b="0" i="0" kern="1200" dirty="0" smtClean="0">
+                <a:solidFill>
+                  <a:schemeClr val="tx1"/>
+                </a:solidFill>
+                <a:effectLst/>
+                <a:latin typeface="+mn-lt"/>
+                <a:ea typeface="+mn-ea"/>
+                <a:cs typeface="+mn-cs"/>
+              </a:rPr>
+              <a:t>天内递交这个系统。我们做得了吗？为了解答这个问题，我们就要在项目开始的阶段，试着找出所有的用户故事，然后评估一下，每一项历程需要多长的开发时间。可是，怎么评估呢？</a:t>
+            </a:r>
+            <a:br>
+              <a:rPr lang="zh-CN" altLang="en-US" sz="1200" b="0" i="0" kern="1200" dirty="0" smtClean="0">
+                <a:solidFill>
+                  <a:schemeClr val="tx1"/>
+                </a:solidFill>
+                <a:effectLst/>
+                <a:latin typeface="+mn-lt"/>
+                <a:ea typeface="+mn-ea"/>
+                <a:cs typeface="+mn-cs"/>
+              </a:rPr>
+            </a:br>
+            <a:r>
+              <a:rPr lang="zh-CN" altLang="en-US" sz="1200" b="0" i="0" kern="1200" dirty="0" smtClean="0">
+                <a:solidFill>
+                  <a:schemeClr val="tx1"/>
+                </a:solidFill>
+                <a:effectLst/>
+                <a:latin typeface="+mn-lt"/>
+                <a:ea typeface="+mn-ea"/>
+                <a:cs typeface="+mn-cs"/>
+              </a:rPr>
+              <a:t>    比如，我们现在收集了下面这些用户故事：</a:t>
+            </a:r>
+          </a:p>
+          <a:p>
+            <a:r>
+              <a:rPr lang="zh-CN" altLang="en-US" sz="1200" b="0" i="0" kern="1200" dirty="0" smtClean="0">
+                <a:solidFill>
+                  <a:schemeClr val="tx1"/>
+                </a:solidFill>
+                <a:effectLst/>
+                <a:latin typeface="+mn-lt"/>
+                <a:ea typeface="+mn-ea"/>
+                <a:cs typeface="+mn-cs"/>
+              </a:rPr>
+              <a:t>    卖饮料：如上面所说的。</a:t>
+            </a:r>
+            <a:br>
+              <a:rPr lang="zh-CN" altLang="en-US" sz="1200" b="0" i="0" kern="1200" dirty="0" smtClean="0">
+                <a:solidFill>
+                  <a:schemeClr val="tx1"/>
+                </a:solidFill>
+                <a:effectLst/>
+                <a:latin typeface="+mn-lt"/>
+                <a:ea typeface="+mn-ea"/>
+                <a:cs typeface="+mn-cs"/>
+              </a:rPr>
+            </a:br>
+            <a:r>
+              <a:rPr lang="zh-CN" altLang="en-US" sz="1200" b="0" i="0" kern="1200" dirty="0" smtClean="0">
+                <a:solidFill>
+                  <a:schemeClr val="tx1"/>
+                </a:solidFill>
+                <a:effectLst/>
+                <a:latin typeface="+mn-lt"/>
+                <a:ea typeface="+mn-ea"/>
+                <a:cs typeface="+mn-cs"/>
+              </a:rPr>
+              <a:t>    取消购买：在投入了一些钱后，用户可以取消购买。</a:t>
+            </a:r>
+            <a:br>
+              <a:rPr lang="zh-CN" altLang="en-US" sz="1200" b="0" i="0" kern="1200" dirty="0" smtClean="0">
+                <a:solidFill>
+                  <a:schemeClr val="tx1"/>
+                </a:solidFill>
+                <a:effectLst/>
+                <a:latin typeface="+mn-lt"/>
+                <a:ea typeface="+mn-ea"/>
+                <a:cs typeface="+mn-cs"/>
+              </a:rPr>
+            </a:br>
+            <a:r>
+              <a:rPr lang="zh-CN" altLang="en-US" sz="1200" b="0" i="0" kern="1200" dirty="0" smtClean="0">
+                <a:solidFill>
+                  <a:schemeClr val="tx1"/>
+                </a:solidFill>
+                <a:effectLst/>
+                <a:latin typeface="+mn-lt"/>
+                <a:ea typeface="+mn-ea"/>
+                <a:cs typeface="+mn-cs"/>
+              </a:rPr>
+              <a:t>    输入管理密码：授权的人可以输入管理密码，然后增加存货，设定价格，拿走里面的钱等等。</a:t>
+            </a:r>
+            <a:br>
+              <a:rPr lang="zh-CN" altLang="en-US" sz="1200" b="0" i="0" kern="1200" dirty="0" smtClean="0">
+                <a:solidFill>
+                  <a:schemeClr val="tx1"/>
+                </a:solidFill>
+                <a:effectLst/>
+                <a:latin typeface="+mn-lt"/>
+                <a:ea typeface="+mn-ea"/>
+                <a:cs typeface="+mn-cs"/>
+              </a:rPr>
+            </a:br>
+            <a:r>
+              <a:rPr lang="zh-CN" altLang="en-US" sz="1200" b="0" i="0" kern="1200" dirty="0" smtClean="0">
+                <a:solidFill>
+                  <a:schemeClr val="tx1"/>
+                </a:solidFill>
+                <a:effectLst/>
+                <a:latin typeface="+mn-lt"/>
+                <a:ea typeface="+mn-ea"/>
+                <a:cs typeface="+mn-cs"/>
+              </a:rPr>
+              <a:t>    补充饮料：授权的人可以在输入管理密码后增加存货。</a:t>
+            </a:r>
+            <a:br>
+              <a:rPr lang="zh-CN" altLang="en-US" sz="1200" b="0" i="0" kern="1200" dirty="0" smtClean="0">
+                <a:solidFill>
+                  <a:schemeClr val="tx1"/>
+                </a:solidFill>
+                <a:effectLst/>
+                <a:latin typeface="+mn-lt"/>
+                <a:ea typeface="+mn-ea"/>
+                <a:cs typeface="+mn-cs"/>
+              </a:rPr>
+            </a:br>
+            <a:r>
+              <a:rPr lang="zh-CN" altLang="en-US" sz="1200" b="0" i="0" kern="1200" dirty="0" smtClean="0">
+                <a:solidFill>
+                  <a:schemeClr val="tx1"/>
+                </a:solidFill>
+                <a:effectLst/>
+                <a:latin typeface="+mn-lt"/>
+                <a:ea typeface="+mn-ea"/>
+                <a:cs typeface="+mn-cs"/>
+              </a:rPr>
+              <a:t>    取出钱箱里的钱：授权的人在输入管理密码后，可以取出钱箱里的钱箱里面的钱。</a:t>
+            </a:r>
+            <a:br>
+              <a:rPr lang="zh-CN" altLang="en-US" sz="1200" b="0" i="0" kern="1200" dirty="0" smtClean="0">
+                <a:solidFill>
+                  <a:schemeClr val="tx1"/>
+                </a:solidFill>
+                <a:effectLst/>
+                <a:latin typeface="+mn-lt"/>
+                <a:ea typeface="+mn-ea"/>
+                <a:cs typeface="+mn-cs"/>
+              </a:rPr>
+            </a:br>
+            <a:r>
+              <a:rPr lang="zh-CN" altLang="en-US" sz="1200" b="0" i="0" kern="1200" dirty="0" smtClean="0">
+                <a:solidFill>
+                  <a:schemeClr val="tx1"/>
+                </a:solidFill>
+                <a:effectLst/>
+                <a:latin typeface="+mn-lt"/>
+                <a:ea typeface="+mn-ea"/>
+                <a:cs typeface="+mn-cs"/>
+              </a:rPr>
+              <a:t>    安全警报：有些事情经常发生的话，系统会自动打开安全警报。</a:t>
+            </a:r>
+            <a:br>
+              <a:rPr lang="zh-CN" altLang="en-US" sz="1200" b="0" i="0" kern="1200" dirty="0" smtClean="0">
+                <a:solidFill>
+                  <a:schemeClr val="tx1"/>
+                </a:solidFill>
+                <a:effectLst/>
+                <a:latin typeface="+mn-lt"/>
+                <a:ea typeface="+mn-ea"/>
+                <a:cs typeface="+mn-cs"/>
+              </a:rPr>
+            </a:br>
+            <a:r>
+              <a:rPr lang="zh-CN" altLang="en-US" sz="1200" b="0" i="0" kern="1200" dirty="0" smtClean="0">
+                <a:solidFill>
+                  <a:schemeClr val="tx1"/>
+                </a:solidFill>
+                <a:effectLst/>
+                <a:latin typeface="+mn-lt"/>
+                <a:ea typeface="+mn-ea"/>
+                <a:cs typeface="+mn-cs"/>
+              </a:rPr>
+              <a:t>    打印月销售报表：授权的人可以打印出月销售报表。</a:t>
+            </a:r>
+          </a:p>
+          <a:p>
+            <a:r>
+              <a:rPr lang="zh-CN" altLang="en-US" sz="1200" b="0" i="0" kern="1200" dirty="0" smtClean="0">
+                <a:solidFill>
+                  <a:schemeClr val="tx1"/>
+                </a:solidFill>
+                <a:effectLst/>
+                <a:latin typeface="+mn-lt"/>
+                <a:ea typeface="+mn-ea"/>
+                <a:cs typeface="+mn-cs"/>
+              </a:rPr>
+              <a:t>    然后找出里面最简单的用户故事（这里的“简单”，意思是说实现周期最短）。我们不一定非常精准的判断哪个最简单。只要挑出你觉得最简单的就行了。比如，我们觉得“输入管理密码”是最简单的用户故事。然后我们判断说，这个用户故事算</a:t>
+            </a:r>
+            <a:r>
+              <a:rPr lang="en-US" altLang="zh-CN" sz="1200" b="0" i="0" kern="1200" dirty="0" smtClean="0">
+                <a:solidFill>
+                  <a:schemeClr val="tx1"/>
+                </a:solidFill>
+                <a:effectLst/>
+                <a:latin typeface="+mn-lt"/>
+                <a:ea typeface="+mn-ea"/>
+                <a:cs typeface="+mn-cs"/>
+              </a:rPr>
+              <a:t>1</a:t>
+            </a:r>
+            <a:r>
+              <a:rPr lang="zh-CN" altLang="en-US" sz="1200" b="0" i="0" kern="1200" dirty="0" smtClean="0">
+                <a:solidFill>
+                  <a:schemeClr val="tx1"/>
+                </a:solidFill>
+                <a:effectLst/>
+                <a:latin typeface="+mn-lt"/>
+                <a:ea typeface="+mn-ea"/>
+                <a:cs typeface="+mn-cs"/>
+              </a:rPr>
+              <a:t>个“故事点（</a:t>
+            </a:r>
+            <a:r>
+              <a:rPr lang="en-US" altLang="zh-CN" sz="1200" b="0" i="0" kern="1200" dirty="0" smtClean="0">
+                <a:solidFill>
+                  <a:schemeClr val="tx1"/>
+                </a:solidFill>
+                <a:effectLst/>
+                <a:latin typeface="+mn-lt"/>
+                <a:ea typeface="+mn-ea"/>
+                <a:cs typeface="+mn-cs"/>
+              </a:rPr>
+              <a:t>story point</a:t>
+            </a:r>
+            <a:r>
+              <a:rPr lang="zh-CN" altLang="en-US" sz="1200" b="0" i="0" kern="1200" dirty="0" smtClean="0">
+                <a:solidFill>
+                  <a:schemeClr val="tx1"/>
+                </a:solidFill>
+                <a:effectLst/>
+                <a:latin typeface="+mn-lt"/>
+                <a:ea typeface="+mn-ea"/>
+                <a:cs typeface="+mn-cs"/>
+              </a:rPr>
+              <a:t>）”。</a:t>
+            </a:r>
+            <a:br>
+              <a:rPr lang="zh-CN" altLang="en-US" sz="1200" b="0" i="0" kern="1200" dirty="0" smtClean="0">
+                <a:solidFill>
+                  <a:schemeClr val="tx1"/>
+                </a:solidFill>
+                <a:effectLst/>
+                <a:latin typeface="+mn-lt"/>
+                <a:ea typeface="+mn-ea"/>
+                <a:cs typeface="+mn-cs"/>
+              </a:rPr>
+            </a:br>
+            <a:r>
+              <a:rPr lang="zh-CN" altLang="en-US" sz="1200" b="0" i="0" kern="1200" dirty="0" smtClean="0">
+                <a:solidFill>
+                  <a:schemeClr val="tx1"/>
+                </a:solidFill>
+                <a:effectLst/>
+                <a:latin typeface="+mn-lt"/>
+                <a:ea typeface="+mn-ea"/>
+                <a:cs typeface="+mn-cs"/>
+              </a:rPr>
+              <a:t>                        </a:t>
+            </a:r>
+            <a:br>
+              <a:rPr lang="zh-CN" altLang="en-US" sz="1200" b="0" i="0" kern="1200" dirty="0" smtClean="0">
+                <a:solidFill>
+                  <a:schemeClr val="tx1"/>
+                </a:solidFill>
+                <a:effectLst/>
+                <a:latin typeface="+mn-lt"/>
+                <a:ea typeface="+mn-ea"/>
+                <a:cs typeface="+mn-cs"/>
+              </a:rPr>
+            </a:br>
+            <a:r>
+              <a:rPr lang="zh-CN" altLang="en-US" sz="1200" b="0" i="0" kern="1200" dirty="0" smtClean="0">
+                <a:solidFill>
+                  <a:schemeClr val="tx1"/>
+                </a:solidFill>
+                <a:effectLst/>
+                <a:latin typeface="+mn-lt"/>
+                <a:ea typeface="+mn-ea"/>
+                <a:cs typeface="+mn-cs"/>
+              </a:rPr>
+              <a:t>用户故事          故事点</a:t>
+            </a:r>
+            <a:br>
+              <a:rPr lang="zh-CN" altLang="en-US" sz="1200" b="0" i="0" kern="1200" dirty="0" smtClean="0">
+                <a:solidFill>
+                  <a:schemeClr val="tx1"/>
+                </a:solidFill>
+                <a:effectLst/>
+                <a:latin typeface="+mn-lt"/>
+                <a:ea typeface="+mn-ea"/>
+                <a:cs typeface="+mn-cs"/>
+              </a:rPr>
+            </a:br>
+            <a:r>
+              <a:rPr lang="zh-CN" altLang="en-US" sz="1200" b="0" i="0" kern="1200" dirty="0" smtClean="0">
+                <a:solidFill>
+                  <a:schemeClr val="tx1"/>
+                </a:solidFill>
+                <a:effectLst/>
+                <a:latin typeface="+mn-lt"/>
+                <a:ea typeface="+mn-ea"/>
+                <a:cs typeface="+mn-cs"/>
+              </a:rPr>
+              <a:t>卖饮料        </a:t>
+            </a:r>
+            <a:br>
+              <a:rPr lang="zh-CN" altLang="en-US" sz="1200" b="0" i="0" kern="1200" dirty="0" smtClean="0">
+                <a:solidFill>
+                  <a:schemeClr val="tx1"/>
+                </a:solidFill>
+                <a:effectLst/>
+                <a:latin typeface="+mn-lt"/>
+                <a:ea typeface="+mn-ea"/>
+                <a:cs typeface="+mn-cs"/>
+              </a:rPr>
+            </a:br>
+            <a:r>
+              <a:rPr lang="zh-CN" altLang="en-US" sz="1200" b="0" i="0" kern="1200" dirty="0" smtClean="0">
+                <a:solidFill>
+                  <a:schemeClr val="tx1"/>
+                </a:solidFill>
+                <a:effectLst/>
+                <a:latin typeface="+mn-lt"/>
+                <a:ea typeface="+mn-ea"/>
+                <a:cs typeface="+mn-cs"/>
+              </a:rPr>
+              <a:t>取消购买        </a:t>
+            </a:r>
+            <a:br>
+              <a:rPr lang="zh-CN" altLang="en-US" sz="1200" b="0" i="0" kern="1200" dirty="0" smtClean="0">
+                <a:solidFill>
+                  <a:schemeClr val="tx1"/>
+                </a:solidFill>
+                <a:effectLst/>
+                <a:latin typeface="+mn-lt"/>
+                <a:ea typeface="+mn-ea"/>
+                <a:cs typeface="+mn-cs"/>
+              </a:rPr>
+            </a:br>
+            <a:r>
+              <a:rPr lang="zh-CN" altLang="en-US" sz="1200" b="0" i="0" kern="1200" dirty="0" smtClean="0">
+                <a:solidFill>
+                  <a:schemeClr val="tx1"/>
+                </a:solidFill>
+                <a:effectLst/>
+                <a:latin typeface="+mn-lt"/>
+                <a:ea typeface="+mn-ea"/>
+                <a:cs typeface="+mn-cs"/>
+              </a:rPr>
+              <a:t>输入管理密码   </a:t>
+            </a:r>
+            <a:r>
+              <a:rPr lang="en-US" altLang="zh-CN" sz="1200" b="0" i="0" kern="1200" dirty="0" smtClean="0">
+                <a:solidFill>
+                  <a:schemeClr val="tx1"/>
+                </a:solidFill>
+                <a:effectLst/>
+                <a:latin typeface="+mn-lt"/>
+                <a:ea typeface="+mn-ea"/>
+                <a:cs typeface="+mn-cs"/>
+              </a:rPr>
+              <a:t>1</a:t>
+            </a:r>
+            <a:br>
+              <a:rPr lang="en-US" altLang="zh-CN" sz="1200" b="0" i="0" kern="1200" dirty="0" smtClean="0">
+                <a:solidFill>
+                  <a:schemeClr val="tx1"/>
+                </a:solidFill>
+                <a:effectLst/>
+                <a:latin typeface="+mn-lt"/>
+                <a:ea typeface="+mn-ea"/>
+                <a:cs typeface="+mn-cs"/>
+              </a:rPr>
+            </a:br>
+            <a:r>
+              <a:rPr lang="zh-CN" altLang="en-US" sz="1200" b="0" i="0" kern="1200" dirty="0" smtClean="0">
+                <a:solidFill>
+                  <a:schemeClr val="tx1"/>
+                </a:solidFill>
+                <a:effectLst/>
+                <a:latin typeface="+mn-lt"/>
+                <a:ea typeface="+mn-ea"/>
+                <a:cs typeface="+mn-cs"/>
+              </a:rPr>
+              <a:t>补充饮料        </a:t>
+            </a:r>
+            <a:br>
+              <a:rPr lang="zh-CN" altLang="en-US" sz="1200" b="0" i="0" kern="1200" dirty="0" smtClean="0">
+                <a:solidFill>
+                  <a:schemeClr val="tx1"/>
+                </a:solidFill>
+                <a:effectLst/>
+                <a:latin typeface="+mn-lt"/>
+                <a:ea typeface="+mn-ea"/>
+                <a:cs typeface="+mn-cs"/>
+              </a:rPr>
+            </a:br>
+            <a:r>
+              <a:rPr lang="zh-CN" altLang="en-US" sz="1200" b="0" i="0" kern="1200" dirty="0" smtClean="0">
+                <a:solidFill>
+                  <a:schemeClr val="tx1"/>
+                </a:solidFill>
+                <a:effectLst/>
+                <a:latin typeface="+mn-lt"/>
+                <a:ea typeface="+mn-ea"/>
+                <a:cs typeface="+mn-cs"/>
+              </a:rPr>
+              <a:t>取出钱箱里的钱        </a:t>
+            </a:r>
+            <a:br>
+              <a:rPr lang="zh-CN" altLang="en-US" sz="1200" b="0" i="0" kern="1200" dirty="0" smtClean="0">
+                <a:solidFill>
+                  <a:schemeClr val="tx1"/>
+                </a:solidFill>
+                <a:effectLst/>
+                <a:latin typeface="+mn-lt"/>
+                <a:ea typeface="+mn-ea"/>
+                <a:cs typeface="+mn-cs"/>
+              </a:rPr>
+            </a:br>
+            <a:r>
+              <a:rPr lang="zh-CN" altLang="en-US" sz="1200" b="0" i="0" kern="1200" dirty="0" smtClean="0">
+                <a:solidFill>
+                  <a:schemeClr val="tx1"/>
+                </a:solidFill>
+                <a:effectLst/>
+                <a:latin typeface="+mn-lt"/>
+                <a:ea typeface="+mn-ea"/>
+                <a:cs typeface="+mn-cs"/>
+              </a:rPr>
+              <a:t>安全警报        </a:t>
+            </a:r>
+            <a:br>
+              <a:rPr lang="zh-CN" altLang="en-US" sz="1200" b="0" i="0" kern="1200" dirty="0" smtClean="0">
+                <a:solidFill>
+                  <a:schemeClr val="tx1"/>
+                </a:solidFill>
+                <a:effectLst/>
+                <a:latin typeface="+mn-lt"/>
+                <a:ea typeface="+mn-ea"/>
+                <a:cs typeface="+mn-cs"/>
+              </a:rPr>
+            </a:br>
+            <a:r>
+              <a:rPr lang="zh-CN" altLang="en-US" sz="1200" b="0" i="0" kern="1200" dirty="0" smtClean="0">
+                <a:solidFill>
+                  <a:schemeClr val="tx1"/>
+                </a:solidFill>
+                <a:effectLst/>
+                <a:latin typeface="+mn-lt"/>
+                <a:ea typeface="+mn-ea"/>
+                <a:cs typeface="+mn-cs"/>
+              </a:rPr>
+              <a:t>打印月销售报表       </a:t>
+            </a:r>
+          </a:p>
+          <a:p>
+            <a:r>
+              <a:rPr lang="zh-CN" altLang="en-US" sz="1200" b="0" i="0" kern="1200" dirty="0" smtClean="0">
+                <a:solidFill>
+                  <a:schemeClr val="tx1"/>
+                </a:solidFill>
+                <a:effectLst/>
+                <a:latin typeface="+mn-lt"/>
+                <a:ea typeface="+mn-ea"/>
+                <a:cs typeface="+mn-cs"/>
+              </a:rPr>
+              <a:t>不过一般我们不会列出清单，而是做出一堆卡片贴在墙上，每张卡片记录一个用户故事，然后将故事点写在卡片上面：</a:t>
+            </a:r>
+          </a:p>
+          <a:p>
+            <a:r>
+              <a:rPr lang="zh-CN" altLang="en-US" sz="1200" b="0" i="0" kern="1200" dirty="0" smtClean="0">
+                <a:solidFill>
+                  <a:schemeClr val="tx1"/>
+                </a:solidFill>
+                <a:effectLst/>
+                <a:latin typeface="+mn-lt"/>
+                <a:ea typeface="+mn-ea"/>
+                <a:cs typeface="+mn-cs"/>
+              </a:rPr>
+              <a:t>这样的一张卡片就叫“</a:t>
+            </a:r>
+            <a:r>
+              <a:rPr lang="zh-CN" altLang="en-US" sz="1200" b="1" i="0" kern="1200" dirty="0" smtClean="0">
+                <a:solidFill>
+                  <a:schemeClr val="tx1"/>
+                </a:solidFill>
+                <a:effectLst/>
+                <a:latin typeface="+mn-lt"/>
+                <a:ea typeface="+mn-ea"/>
+                <a:cs typeface="+mn-cs"/>
+              </a:rPr>
+              <a:t>故事卡（</a:t>
+            </a:r>
+            <a:r>
+              <a:rPr lang="en-US" altLang="zh-CN" sz="1200" b="1" i="0" kern="1200" dirty="0" smtClean="0">
+                <a:solidFill>
+                  <a:schemeClr val="tx1"/>
+                </a:solidFill>
+                <a:effectLst/>
+                <a:latin typeface="+mn-lt"/>
+                <a:ea typeface="+mn-ea"/>
+                <a:cs typeface="+mn-cs"/>
+              </a:rPr>
+              <a:t>story card</a:t>
+            </a:r>
+            <a:r>
+              <a:rPr lang="zh-CN" altLang="en-US" sz="1200" b="1" i="0" kern="1200" dirty="0" smtClean="0">
+                <a:solidFill>
+                  <a:schemeClr val="tx1"/>
+                </a:solidFill>
+                <a:effectLst/>
+                <a:latin typeface="+mn-lt"/>
+                <a:ea typeface="+mn-ea"/>
+                <a:cs typeface="+mn-cs"/>
+              </a:rPr>
+              <a:t>）</a:t>
+            </a:r>
+            <a:r>
+              <a:rPr lang="zh-CN" altLang="en-US" sz="1200" b="0" i="0" kern="1200" dirty="0" smtClean="0">
+                <a:solidFill>
+                  <a:schemeClr val="tx1"/>
+                </a:solidFill>
+                <a:effectLst/>
+                <a:latin typeface="+mn-lt"/>
+                <a:ea typeface="+mn-ea"/>
+                <a:cs typeface="+mn-cs"/>
+              </a:rPr>
+              <a:t>”。</a:t>
+            </a:r>
+          </a:p>
+          <a:p>
+            <a:r>
+              <a:rPr lang="zh-CN" altLang="en-US" sz="1200" b="0" i="0" kern="1200" dirty="0" smtClean="0">
+                <a:solidFill>
+                  <a:schemeClr val="tx1"/>
+                </a:solidFill>
+                <a:effectLst/>
+                <a:latin typeface="+mn-lt"/>
+                <a:ea typeface="+mn-ea"/>
+                <a:cs typeface="+mn-cs"/>
+              </a:rPr>
+              <a:t> </a:t>
+            </a:r>
+          </a:p>
+          <a:p>
+            <a:r>
+              <a:rPr lang="zh-CN" altLang="en-US" sz="1200" b="0" i="0" kern="1200" dirty="0" smtClean="0">
+                <a:solidFill>
+                  <a:schemeClr val="tx1"/>
+                </a:solidFill>
+                <a:effectLst/>
+                <a:latin typeface="+mn-lt"/>
+                <a:ea typeface="+mn-ea"/>
+                <a:cs typeface="+mn-cs"/>
+              </a:rPr>
+              <a:t> </a:t>
+            </a:r>
+          </a:p>
+          <a:p>
+            <a:r>
+              <a:rPr lang="zh-CN" altLang="en-US" sz="1200" b="0" i="0" kern="1200" dirty="0" smtClean="0">
+                <a:solidFill>
+                  <a:schemeClr val="tx1"/>
+                </a:solidFill>
+                <a:effectLst/>
+                <a:latin typeface="+mn-lt"/>
+                <a:ea typeface="+mn-ea"/>
+                <a:cs typeface="+mn-cs"/>
+              </a:rPr>
+              <a:t>用户故事通常按照如下的格式来表达：</a:t>
+            </a:r>
+          </a:p>
+          <a:p>
+            <a:r>
+              <a:rPr lang="zh-CN" altLang="en-US" sz="1200" b="0" i="0" kern="1200" dirty="0" smtClean="0">
+                <a:solidFill>
+                  <a:schemeClr val="tx1"/>
+                </a:solidFill>
+                <a:effectLst/>
+                <a:latin typeface="+mn-lt"/>
+                <a:ea typeface="+mn-ea"/>
+                <a:cs typeface="+mn-cs"/>
+              </a:rPr>
+              <a:t>英文：</a:t>
+            </a:r>
+          </a:p>
+          <a:p>
+            <a:r>
+              <a:rPr lang="en-US" altLang="zh-CN" sz="1200" b="0" i="0" kern="1200" dirty="0" smtClean="0">
+                <a:solidFill>
+                  <a:schemeClr val="tx1"/>
+                </a:solidFill>
+                <a:effectLst/>
+                <a:latin typeface="+mn-lt"/>
+                <a:ea typeface="+mn-ea"/>
+                <a:cs typeface="+mn-cs"/>
+              </a:rPr>
+              <a:t>As a &lt;Role&gt;, I want to &lt;Activity&gt;, so that &lt;Business Value&gt;.</a:t>
+            </a:r>
+          </a:p>
+          <a:p>
+            <a:r>
+              <a:rPr lang="zh-CN" altLang="en-US" sz="1200" b="0" i="0" kern="1200" dirty="0" smtClean="0">
+                <a:solidFill>
+                  <a:schemeClr val="tx1"/>
+                </a:solidFill>
+                <a:effectLst/>
+                <a:latin typeface="+mn-lt"/>
+                <a:ea typeface="+mn-ea"/>
+                <a:cs typeface="+mn-cs"/>
+              </a:rPr>
+              <a:t>中文：</a:t>
+            </a:r>
+          </a:p>
+          <a:p>
+            <a:r>
+              <a:rPr lang="zh-CN" altLang="en-US" sz="1200" b="0" i="0" kern="1200" dirty="0" smtClean="0">
+                <a:solidFill>
+                  <a:schemeClr val="tx1"/>
+                </a:solidFill>
+                <a:effectLst/>
+                <a:latin typeface="+mn-lt"/>
+                <a:ea typeface="+mn-ea"/>
+                <a:cs typeface="+mn-cs"/>
+              </a:rPr>
+              <a:t>作为一个</a:t>
+            </a:r>
+            <a:r>
+              <a:rPr lang="en-US" altLang="zh-CN" sz="1200" b="0" i="0" kern="1200" dirty="0" smtClean="0">
+                <a:solidFill>
+                  <a:schemeClr val="tx1"/>
+                </a:solidFill>
+                <a:effectLst/>
+                <a:latin typeface="+mn-lt"/>
+                <a:ea typeface="+mn-ea"/>
+                <a:cs typeface="+mn-cs"/>
+              </a:rPr>
+              <a:t>&lt;</a:t>
+            </a:r>
+            <a:r>
+              <a:rPr lang="zh-CN" altLang="en-US" sz="1200" b="0" i="0" kern="1200" dirty="0" smtClean="0">
+                <a:solidFill>
+                  <a:schemeClr val="tx1"/>
+                </a:solidFill>
+                <a:effectLst/>
+                <a:latin typeface="+mn-lt"/>
+                <a:ea typeface="+mn-ea"/>
+                <a:cs typeface="+mn-cs"/>
+              </a:rPr>
+              <a:t>角色</a:t>
+            </a:r>
+            <a:r>
+              <a:rPr lang="en-US" altLang="zh-CN" sz="1200" b="0" i="0" kern="1200" dirty="0" smtClean="0">
+                <a:solidFill>
+                  <a:schemeClr val="tx1"/>
+                </a:solidFill>
+                <a:effectLst/>
+                <a:latin typeface="+mn-lt"/>
+                <a:ea typeface="+mn-ea"/>
+                <a:cs typeface="+mn-cs"/>
+              </a:rPr>
+              <a:t>&gt;, </a:t>
+            </a:r>
+            <a:r>
+              <a:rPr lang="zh-CN" altLang="en-US" sz="1200" b="0" i="0" kern="1200" dirty="0" smtClean="0">
+                <a:solidFill>
+                  <a:schemeClr val="tx1"/>
+                </a:solidFill>
+                <a:effectLst/>
+                <a:latin typeface="+mn-lt"/>
+                <a:ea typeface="+mn-ea"/>
+                <a:cs typeface="+mn-cs"/>
+              </a:rPr>
+              <a:t>我想要</a:t>
+            </a:r>
+            <a:r>
+              <a:rPr lang="en-US" altLang="zh-CN" sz="1200" b="0" i="0" kern="1200" dirty="0" smtClean="0">
+                <a:solidFill>
+                  <a:schemeClr val="tx1"/>
+                </a:solidFill>
+                <a:effectLst/>
+                <a:latin typeface="+mn-lt"/>
+                <a:ea typeface="+mn-ea"/>
+                <a:cs typeface="+mn-cs"/>
+              </a:rPr>
+              <a:t>&lt;</a:t>
+            </a:r>
+            <a:r>
+              <a:rPr lang="zh-CN" altLang="en-US" sz="1200" b="0" i="0" kern="1200" dirty="0" smtClean="0">
+                <a:solidFill>
+                  <a:schemeClr val="tx1"/>
+                </a:solidFill>
+                <a:effectLst/>
+                <a:latin typeface="+mn-lt"/>
+                <a:ea typeface="+mn-ea"/>
+                <a:cs typeface="+mn-cs"/>
+              </a:rPr>
+              <a:t>活动</a:t>
+            </a:r>
+            <a:r>
+              <a:rPr lang="en-US" altLang="zh-CN" sz="1200" b="0" i="0" kern="1200" dirty="0" smtClean="0">
+                <a:solidFill>
+                  <a:schemeClr val="tx1"/>
+                </a:solidFill>
+                <a:effectLst/>
+                <a:latin typeface="+mn-lt"/>
+                <a:ea typeface="+mn-ea"/>
+                <a:cs typeface="+mn-cs"/>
+              </a:rPr>
+              <a:t>&gt;, </a:t>
+            </a:r>
+            <a:r>
+              <a:rPr lang="zh-CN" altLang="en-US" sz="1200" b="0" i="0" kern="1200" dirty="0" smtClean="0">
+                <a:solidFill>
+                  <a:schemeClr val="tx1"/>
+                </a:solidFill>
+                <a:effectLst/>
+                <a:latin typeface="+mn-lt"/>
+                <a:ea typeface="+mn-ea"/>
+                <a:cs typeface="+mn-cs"/>
+              </a:rPr>
+              <a:t>以便于</a:t>
+            </a:r>
+            <a:r>
+              <a:rPr lang="en-US" altLang="zh-CN" sz="1200" b="0" i="0" kern="1200" dirty="0" smtClean="0">
+                <a:solidFill>
+                  <a:schemeClr val="tx1"/>
+                </a:solidFill>
+                <a:effectLst/>
+                <a:latin typeface="+mn-lt"/>
+                <a:ea typeface="+mn-ea"/>
+                <a:cs typeface="+mn-cs"/>
+              </a:rPr>
+              <a:t>&lt;</a:t>
+            </a:r>
+            <a:r>
+              <a:rPr lang="zh-CN" altLang="en-US" sz="1200" b="0" i="0" kern="1200" dirty="0" smtClean="0">
+                <a:solidFill>
+                  <a:schemeClr val="tx1"/>
+                </a:solidFill>
+                <a:effectLst/>
+                <a:latin typeface="+mn-lt"/>
+                <a:ea typeface="+mn-ea"/>
+                <a:cs typeface="+mn-cs"/>
+              </a:rPr>
+              <a:t>商业价值</a:t>
+            </a:r>
+            <a:r>
+              <a:rPr lang="en-US" altLang="zh-CN" sz="1200" b="0" i="0" kern="1200" dirty="0" smtClean="0">
+                <a:solidFill>
+                  <a:schemeClr val="tx1"/>
+                </a:solidFill>
+                <a:effectLst/>
+                <a:latin typeface="+mn-lt"/>
+                <a:ea typeface="+mn-ea"/>
+                <a:cs typeface="+mn-cs"/>
+              </a:rPr>
+              <a:t>&gt;</a:t>
+            </a:r>
+          </a:p>
+          <a:p>
+            <a:r>
+              <a:rPr lang="zh-CN" altLang="en-US" sz="1200" b="0" i="0" kern="1200" dirty="0" smtClean="0">
+                <a:solidFill>
+                  <a:schemeClr val="tx1"/>
+                </a:solidFill>
+                <a:effectLst/>
+                <a:latin typeface="+mn-lt"/>
+                <a:ea typeface="+mn-ea"/>
+                <a:cs typeface="+mn-cs"/>
+              </a:rPr>
+              <a:t>举例：</a:t>
+            </a:r>
+          </a:p>
+          <a:p>
+            <a:r>
+              <a:rPr lang="zh-CN" altLang="en-US" sz="1200" b="0" i="0" kern="1200" dirty="0" smtClean="0">
+                <a:solidFill>
+                  <a:schemeClr val="tx1"/>
+                </a:solidFill>
+                <a:effectLst/>
+                <a:latin typeface="+mn-lt"/>
+                <a:ea typeface="+mn-ea"/>
+                <a:cs typeface="+mn-cs"/>
+              </a:rPr>
+              <a:t>作为一个“网站管理员”，我想要“统计每天有多少人访问了我的网站”，以便于“我的赞助商了解我的网站会给他们带来什么收益。”</a:t>
+            </a:r>
+          </a:p>
+          <a:p>
+            <a:r>
+              <a:rPr lang="zh-CN" altLang="en-US" sz="1200" b="0" i="0" kern="1200" dirty="0" smtClean="0">
+                <a:solidFill>
+                  <a:schemeClr val="tx1"/>
+                </a:solidFill>
+                <a:effectLst/>
+                <a:latin typeface="+mn-lt"/>
+                <a:ea typeface="+mn-ea"/>
+                <a:cs typeface="+mn-cs"/>
+              </a:rPr>
+              <a:t>需要注意的是用户故事不能够使用技术语言来描述，要使用用户可以理解的业务语言来描述。</a:t>
+            </a:r>
+          </a:p>
+          <a:p>
+            <a:r>
+              <a:rPr lang="en-US" altLang="zh-CN" sz="1200" b="0" i="0" kern="1200" dirty="0" smtClean="0">
+                <a:solidFill>
+                  <a:schemeClr val="tx1"/>
+                </a:solidFill>
+                <a:effectLst/>
+                <a:latin typeface="+mn-lt"/>
+                <a:ea typeface="+mn-ea"/>
+                <a:cs typeface="+mn-cs"/>
+              </a:rPr>
+              <a:t>Ron Jeffries</a:t>
+            </a:r>
+            <a:r>
+              <a:rPr lang="zh-CN" altLang="en-US" sz="1200" b="0" i="0" kern="1200" dirty="0" smtClean="0">
+                <a:solidFill>
+                  <a:schemeClr val="tx1"/>
+                </a:solidFill>
+                <a:effectLst/>
+                <a:latin typeface="+mn-lt"/>
+                <a:ea typeface="+mn-ea"/>
+                <a:cs typeface="+mn-cs"/>
+              </a:rPr>
+              <a:t>的</a:t>
+            </a:r>
+            <a:r>
+              <a:rPr lang="en-US" altLang="zh-CN" sz="1200" b="0" i="0" kern="1200" dirty="0" smtClean="0">
+                <a:solidFill>
+                  <a:schemeClr val="tx1"/>
+                </a:solidFill>
+                <a:effectLst/>
+                <a:latin typeface="+mn-lt"/>
+                <a:ea typeface="+mn-ea"/>
+                <a:cs typeface="+mn-cs"/>
+              </a:rPr>
+              <a:t>3</a:t>
+            </a:r>
+            <a:r>
+              <a:rPr lang="zh-CN" altLang="en-US" sz="1200" b="0" i="0" kern="1200" dirty="0" smtClean="0">
+                <a:solidFill>
+                  <a:schemeClr val="tx1"/>
+                </a:solidFill>
+                <a:effectLst/>
+                <a:latin typeface="+mn-lt"/>
+                <a:ea typeface="+mn-ea"/>
+                <a:cs typeface="+mn-cs"/>
+              </a:rPr>
+              <a:t>个</a:t>
+            </a:r>
+            <a:r>
+              <a:rPr lang="en-US" altLang="zh-CN" sz="1200" b="0" i="0" kern="1200" dirty="0" smtClean="0">
+                <a:solidFill>
+                  <a:schemeClr val="tx1"/>
+                </a:solidFill>
+                <a:effectLst/>
+                <a:latin typeface="+mn-lt"/>
+                <a:ea typeface="+mn-ea"/>
+                <a:cs typeface="+mn-cs"/>
+              </a:rPr>
+              <a:t>C</a:t>
+            </a:r>
+          </a:p>
+          <a:p>
+            <a:r>
+              <a:rPr lang="zh-CN" altLang="en-US" sz="1200" b="0" i="0" kern="1200" dirty="0" smtClean="0">
+                <a:solidFill>
+                  <a:schemeClr val="tx1"/>
+                </a:solidFill>
+                <a:effectLst/>
+                <a:latin typeface="+mn-lt"/>
+                <a:ea typeface="+mn-ea"/>
+                <a:cs typeface="+mn-cs"/>
+              </a:rPr>
+              <a:t>关于用户故事，</a:t>
+            </a:r>
+            <a:r>
+              <a:rPr lang="en-US" altLang="zh-CN" sz="1200" b="0" i="0" kern="1200" dirty="0" smtClean="0">
+                <a:solidFill>
+                  <a:schemeClr val="tx1"/>
+                </a:solidFill>
+                <a:effectLst/>
+                <a:latin typeface="+mn-lt"/>
+                <a:ea typeface="+mn-ea"/>
+                <a:cs typeface="+mn-cs"/>
+              </a:rPr>
+              <a:t>Ron Jeffries</a:t>
+            </a:r>
+            <a:r>
+              <a:rPr lang="zh-CN" altLang="en-US" sz="1200" b="0" i="0" kern="1200" dirty="0" smtClean="0">
+                <a:solidFill>
+                  <a:schemeClr val="tx1"/>
+                </a:solidFill>
+                <a:effectLst/>
+                <a:latin typeface="+mn-lt"/>
+                <a:ea typeface="+mn-ea"/>
+                <a:cs typeface="+mn-cs"/>
+              </a:rPr>
+              <a:t>用</a:t>
+            </a:r>
+            <a:r>
+              <a:rPr lang="en-US" altLang="zh-CN" sz="1200" b="0" i="0" kern="1200" dirty="0" smtClean="0">
+                <a:solidFill>
+                  <a:schemeClr val="tx1"/>
+                </a:solidFill>
+                <a:effectLst/>
+                <a:latin typeface="+mn-lt"/>
+                <a:ea typeface="+mn-ea"/>
+                <a:cs typeface="+mn-cs"/>
+              </a:rPr>
+              <a:t>3</a:t>
+            </a:r>
+            <a:r>
+              <a:rPr lang="zh-CN" altLang="en-US" sz="1200" b="0" i="0" kern="1200" dirty="0" smtClean="0">
+                <a:solidFill>
+                  <a:schemeClr val="tx1"/>
+                </a:solidFill>
+                <a:effectLst/>
+                <a:latin typeface="+mn-lt"/>
+                <a:ea typeface="+mn-ea"/>
+                <a:cs typeface="+mn-cs"/>
+              </a:rPr>
+              <a:t>个</a:t>
+            </a:r>
+            <a:r>
+              <a:rPr lang="en-US" altLang="zh-CN" sz="1200" b="0" i="0" kern="1200" dirty="0" smtClean="0">
+                <a:solidFill>
+                  <a:schemeClr val="tx1"/>
+                </a:solidFill>
+                <a:effectLst/>
+                <a:latin typeface="+mn-lt"/>
+                <a:ea typeface="+mn-ea"/>
+                <a:cs typeface="+mn-cs"/>
+              </a:rPr>
+              <a:t>C</a:t>
+            </a:r>
+            <a:r>
+              <a:rPr lang="zh-CN" altLang="en-US" sz="1200" b="0" i="0" kern="1200" dirty="0" smtClean="0">
+                <a:solidFill>
+                  <a:schemeClr val="tx1"/>
+                </a:solidFill>
+                <a:effectLst/>
+                <a:latin typeface="+mn-lt"/>
+                <a:ea typeface="+mn-ea"/>
+                <a:cs typeface="+mn-cs"/>
+              </a:rPr>
+              <a:t>来描述它：</a:t>
+            </a:r>
+          </a:p>
+          <a:p>
+            <a:r>
+              <a:rPr lang="zh-CN" altLang="en-US" sz="1200" b="1" i="0" kern="1200" dirty="0" smtClean="0">
+                <a:solidFill>
+                  <a:schemeClr val="tx1"/>
+                </a:solidFill>
+                <a:effectLst/>
+                <a:latin typeface="+mn-lt"/>
+                <a:ea typeface="+mn-ea"/>
+                <a:cs typeface="+mn-cs"/>
+              </a:rPr>
+              <a:t>卡片（</a:t>
+            </a:r>
+            <a:r>
+              <a:rPr lang="en-US" altLang="zh-CN" sz="1200" b="1" i="0" kern="1200" dirty="0" smtClean="0">
+                <a:solidFill>
+                  <a:schemeClr val="tx1"/>
+                </a:solidFill>
+                <a:effectLst/>
+                <a:latin typeface="+mn-lt"/>
+                <a:ea typeface="+mn-ea"/>
+                <a:cs typeface="+mn-cs"/>
+              </a:rPr>
+              <a:t>Card</a:t>
+            </a:r>
+            <a:r>
+              <a:rPr lang="zh-CN" altLang="en-US" sz="1200" b="1" i="0" kern="1200" dirty="0" smtClean="0">
+                <a:solidFill>
+                  <a:schemeClr val="tx1"/>
+                </a:solidFill>
+                <a:effectLst/>
+                <a:latin typeface="+mn-lt"/>
+                <a:ea typeface="+mn-ea"/>
+                <a:cs typeface="+mn-cs"/>
+              </a:rPr>
+              <a:t>）</a:t>
+            </a:r>
+            <a:r>
+              <a:rPr lang="zh-CN" altLang="en-US" sz="1200" b="0" i="0" kern="1200" dirty="0" smtClean="0">
+                <a:solidFill>
+                  <a:schemeClr val="tx1"/>
+                </a:solidFill>
+                <a:effectLst/>
+                <a:latin typeface="+mn-lt"/>
+                <a:ea typeface="+mn-ea"/>
+                <a:cs typeface="+mn-cs"/>
+              </a:rPr>
+              <a:t> </a:t>
+            </a:r>
+            <a:r>
+              <a:rPr lang="en-US" altLang="zh-CN" sz="1200" b="0" i="0" kern="1200" dirty="0" smtClean="0">
+                <a:solidFill>
+                  <a:schemeClr val="tx1"/>
+                </a:solidFill>
+                <a:effectLst/>
+                <a:latin typeface="+mn-lt"/>
+                <a:ea typeface="+mn-ea"/>
+                <a:cs typeface="+mn-cs"/>
+              </a:rPr>
+              <a:t>- </a:t>
+            </a:r>
+            <a:r>
+              <a:rPr lang="zh-CN" altLang="en-US" sz="1200" b="0" i="0" kern="1200" dirty="0" smtClean="0">
+                <a:solidFill>
+                  <a:schemeClr val="tx1"/>
+                </a:solidFill>
+                <a:effectLst/>
+                <a:latin typeface="+mn-lt"/>
+                <a:ea typeface="+mn-ea"/>
+                <a:cs typeface="+mn-cs"/>
+              </a:rPr>
+              <a:t>用户故事一般写在小的记事卡片上。卡片上可能会写上故事的简短描述，工作量估算等。</a:t>
+            </a:r>
+          </a:p>
+          <a:p>
+            <a:r>
+              <a:rPr lang="zh-CN" altLang="en-US" sz="1200" b="1" i="0" kern="1200" dirty="0" smtClean="0">
+                <a:solidFill>
+                  <a:schemeClr val="tx1"/>
+                </a:solidFill>
+                <a:effectLst/>
+                <a:latin typeface="+mn-lt"/>
+                <a:ea typeface="+mn-ea"/>
+                <a:cs typeface="+mn-cs"/>
+              </a:rPr>
+              <a:t>交谈（</a:t>
+            </a:r>
+            <a:r>
+              <a:rPr lang="en-US" altLang="zh-CN" sz="1200" b="1" i="0" kern="1200" dirty="0" smtClean="0">
+                <a:solidFill>
+                  <a:schemeClr val="tx1"/>
+                </a:solidFill>
+                <a:effectLst/>
+                <a:latin typeface="+mn-lt"/>
+                <a:ea typeface="+mn-ea"/>
+                <a:cs typeface="+mn-cs"/>
+              </a:rPr>
+              <a:t>Conversation</a:t>
+            </a:r>
+            <a:r>
+              <a:rPr lang="zh-CN" altLang="en-US" sz="1200" b="1" i="0" kern="1200" dirty="0" smtClean="0">
+                <a:solidFill>
+                  <a:schemeClr val="tx1"/>
+                </a:solidFill>
+                <a:effectLst/>
+                <a:latin typeface="+mn-lt"/>
+                <a:ea typeface="+mn-ea"/>
+                <a:cs typeface="+mn-cs"/>
+              </a:rPr>
+              <a:t>）</a:t>
+            </a:r>
+            <a:r>
+              <a:rPr lang="en-US" altLang="zh-CN" sz="1200" b="1" i="0" kern="1200" dirty="0" smtClean="0">
+                <a:solidFill>
+                  <a:schemeClr val="tx1"/>
+                </a:solidFill>
+                <a:effectLst/>
+                <a:latin typeface="+mn-lt"/>
+                <a:ea typeface="+mn-ea"/>
+                <a:cs typeface="+mn-cs"/>
+              </a:rPr>
+              <a:t>-</a:t>
+            </a:r>
+            <a:r>
+              <a:rPr lang="zh-CN" altLang="en-US" sz="1200" b="0" i="0" kern="1200" dirty="0" smtClean="0">
+                <a:solidFill>
+                  <a:schemeClr val="tx1"/>
+                </a:solidFill>
+                <a:effectLst/>
+                <a:latin typeface="+mn-lt"/>
+                <a:ea typeface="+mn-ea"/>
+                <a:cs typeface="+mn-cs"/>
+              </a:rPr>
+              <a:t> 用户故事背后的细节来源于和客户或者产品负责人的交流沟通。</a:t>
+            </a:r>
+          </a:p>
+          <a:p>
+            <a:r>
+              <a:rPr lang="zh-CN" altLang="en-US" sz="1200" b="1" i="0" kern="1200" dirty="0" smtClean="0">
+                <a:solidFill>
+                  <a:schemeClr val="tx1"/>
+                </a:solidFill>
+                <a:effectLst/>
+                <a:latin typeface="+mn-lt"/>
+                <a:ea typeface="+mn-ea"/>
+                <a:cs typeface="+mn-cs"/>
+              </a:rPr>
+              <a:t>确认（</a:t>
+            </a:r>
+            <a:r>
+              <a:rPr lang="en-US" altLang="zh-CN" sz="1200" b="1" i="0" kern="1200" dirty="0" smtClean="0">
+                <a:solidFill>
+                  <a:schemeClr val="tx1"/>
+                </a:solidFill>
+                <a:effectLst/>
+                <a:latin typeface="+mn-lt"/>
+                <a:ea typeface="+mn-ea"/>
+                <a:cs typeface="+mn-cs"/>
+              </a:rPr>
+              <a:t>Confirmation</a:t>
+            </a:r>
+            <a:r>
+              <a:rPr lang="zh-CN" altLang="en-US" sz="1200" b="1" i="0" kern="1200" dirty="0" smtClean="0">
+                <a:solidFill>
+                  <a:schemeClr val="tx1"/>
+                </a:solidFill>
+                <a:effectLst/>
+                <a:latin typeface="+mn-lt"/>
+                <a:ea typeface="+mn-ea"/>
+                <a:cs typeface="+mn-cs"/>
+              </a:rPr>
+              <a:t>）</a:t>
+            </a:r>
+            <a:r>
+              <a:rPr lang="en-US" altLang="zh-CN" sz="1200" b="1" i="0" kern="1200" dirty="0" smtClean="0">
+                <a:solidFill>
+                  <a:schemeClr val="tx1"/>
+                </a:solidFill>
+                <a:effectLst/>
+                <a:latin typeface="+mn-lt"/>
+                <a:ea typeface="+mn-ea"/>
+                <a:cs typeface="+mn-cs"/>
+              </a:rPr>
+              <a:t>-</a:t>
+            </a:r>
+            <a:r>
+              <a:rPr lang="zh-CN" altLang="en-US" sz="1200" b="0" i="0" kern="1200" dirty="0" smtClean="0">
+                <a:solidFill>
+                  <a:schemeClr val="tx1"/>
+                </a:solidFill>
+                <a:effectLst/>
+                <a:latin typeface="+mn-lt"/>
+                <a:ea typeface="+mn-ea"/>
+                <a:cs typeface="+mn-cs"/>
+              </a:rPr>
+              <a:t> 通过验收测试确认用户故事被正确完成。</a:t>
+            </a:r>
+          </a:p>
+          <a:p>
+            <a:endParaRPr lang="zh-CN" altLang="en-US" dirty="0"/>
+          </a:p>
+        </p:txBody>
+      </p:sp>
+      <p:sp>
+        <p:nvSpPr>
+          <p:cNvPr id="4" name="灯片编号占位符 3"/>
+          <p:cNvSpPr>
+            <a:spLocks noGrp="1"/>
+          </p:cNvSpPr>
+          <p:nvPr>
+            <p:ph type="sldNum" sz="quarter" idx="10"/>
+          </p:nvPr>
+        </p:nvSpPr>
+        <p:spPr/>
+        <p:txBody>
+          <a:bodyPr/>
+          <a:lstStyle/>
+          <a:p>
+            <a:fld id="{8D7ACA88-C620-47A1-A6D3-F68F6DD6FEE9}" type="slidenum">
+              <a:rPr lang="zh-CN" altLang="en-US" smtClean="0"/>
+              <a:t>20</a:t>
+            </a:fld>
+            <a:endParaRPr lang="zh-CN" altLang="en-US"/>
+          </a:p>
+        </p:txBody>
+      </p:sp>
+    </p:spTree>
+    <p:extLst>
+      <p:ext uri="{BB962C8B-B14F-4D97-AF65-F5344CB8AC3E}">
+        <p14:creationId xmlns:p14="http://schemas.microsoft.com/office/powerpoint/2010/main" val="967524837"/>
+      </p:ext>
+    </p:extLst>
+  </p:cSld>
+  <p:clrMapOvr>
+    <a:masterClrMapping/>
+  </p:clrMapOvr>
+</p:notes>
+</file>
+
+<file path=ppt/notesSlides/notesSlide4.xml><?xml version="1.0" encoding="utf-8"?>
+<p:notes xmlns:a="http://schemas.openxmlformats.org/drawingml/2006/main" xmlns:r="http://schemas.openxmlformats.org/officeDocument/2006/relationships" xmlns:p="http://schemas.openxmlformats.org/presentationml/2006/main">
+  <p:cSld>
+    <p:spTree>
+      <p:nvGrpSpPr>
+        <p:cNvPr id="1" name=""/>
+        <p:cNvGrpSpPr/>
+        <p:nvPr/>
+      </p:nvGrpSpPr>
+      <p:grpSpPr>
+        <a:xfrm>
+          <a:off x="0" y="0"/>
+          <a:ext cx="0" cy="0"/>
+          <a:chOff x="0" y="0"/>
+          <a:chExt cx="0" cy="0"/>
+        </a:xfrm>
+      </p:grpSpPr>
+      <p:sp>
+        <p:nvSpPr>
+          <p:cNvPr id="2" name="幻灯片图像占位符 1"/>
+          <p:cNvSpPr>
+            <a:spLocks noGrp="1" noRot="1" noChangeAspect="1"/>
+          </p:cNvSpPr>
+          <p:nvPr>
+            <p:ph type="sldImg"/>
+          </p:nvPr>
+        </p:nvSpPr>
+        <p:spPr/>
+      </p:sp>
+      <p:sp>
+        <p:nvSpPr>
+          <p:cNvPr id="3" name="备注占位符 2"/>
+          <p:cNvSpPr>
+            <a:spLocks noGrp="1"/>
+          </p:cNvSpPr>
+          <p:nvPr>
+            <p:ph type="body" idx="1"/>
+          </p:nvPr>
+        </p:nvSpPr>
+        <p:spPr/>
+        <p:txBody>
+          <a:bodyPr/>
+          <a:lstStyle/>
+          <a:p>
+            <a:endParaRPr lang="zh-CN" altLang="en-US" dirty="0"/>
+          </a:p>
+        </p:txBody>
+      </p:sp>
+      <p:sp>
+        <p:nvSpPr>
+          <p:cNvPr id="4" name="灯片编号占位符 3"/>
+          <p:cNvSpPr>
+            <a:spLocks noGrp="1"/>
+          </p:cNvSpPr>
+          <p:nvPr>
+            <p:ph type="sldNum" sz="quarter" idx="10"/>
+          </p:nvPr>
+        </p:nvSpPr>
+        <p:spPr/>
+        <p:txBody>
+          <a:bodyPr/>
+          <a:lstStyle/>
+          <a:p>
+            <a:fld id="{8D7ACA88-C620-47A1-A6D3-F68F6DD6FEE9}" type="slidenum">
+              <a:rPr lang="zh-CN" altLang="en-US" smtClean="0"/>
+              <a:t>21</a:t>
+            </a:fld>
+            <a:endParaRPr lang="zh-CN" altLang="en-US"/>
+          </a:p>
+        </p:txBody>
+      </p:sp>
+    </p:spTree>
+    <p:extLst>
+      <p:ext uri="{BB962C8B-B14F-4D97-AF65-F5344CB8AC3E}">
+        <p14:creationId xmlns:p14="http://schemas.microsoft.com/office/powerpoint/2010/main" val="460690887"/>
+      </p:ext>
+    </p:extLst>
+  </p:cSld>
+  <p:clrMapOvr>
+    <a:masterClrMapping/>
+  </p:clrMapOvr>
+</p:notes>
+</file>
+
+<file path=ppt/notesSlides/notesSlide5.xml><?xml version="1.0" encoding="utf-8"?>
+<p:notes xmlns:a="http://schemas.openxmlformats.org/drawingml/2006/main" xmlns:r="http://schemas.openxmlformats.org/officeDocument/2006/relationships" xmlns:p="http://schemas.openxmlformats.org/presentationml/2006/main">
+  <p:cSld>
+    <p:spTree>
+      <p:nvGrpSpPr>
+        <p:cNvPr id="1" name=""/>
+        <p:cNvGrpSpPr/>
+        <p:nvPr/>
+      </p:nvGrpSpPr>
+      <p:grpSpPr>
+        <a:xfrm>
+          <a:off x="0" y="0"/>
+          <a:ext cx="0" cy="0"/>
+          <a:chOff x="0" y="0"/>
+          <a:chExt cx="0" cy="0"/>
+        </a:xfrm>
+      </p:grpSpPr>
+      <p:sp>
+        <p:nvSpPr>
+          <p:cNvPr id="2" name="幻灯片图像占位符 1"/>
+          <p:cNvSpPr>
+            <a:spLocks noGrp="1" noRot="1" noChangeAspect="1"/>
+          </p:cNvSpPr>
+          <p:nvPr>
+            <p:ph type="sldImg"/>
+          </p:nvPr>
+        </p:nvSpPr>
+        <p:spPr/>
+      </p:sp>
+      <p:sp>
+        <p:nvSpPr>
+          <p:cNvPr id="3" name="备注占位符 2"/>
+          <p:cNvSpPr>
+            <a:spLocks noGrp="1"/>
+          </p:cNvSpPr>
+          <p:nvPr>
+            <p:ph type="body" idx="1"/>
+          </p:nvPr>
+        </p:nvSpPr>
+        <p:spPr/>
+        <p:txBody>
+          <a:bodyPr/>
+          <a:lstStyle/>
+          <a:p>
             <a:pPr latinLnBrk="0"/>
             <a:r>
               <a:rPr lang="en-US" altLang="zh-CN" sz="1200" b="0" i="0" kern="1200" dirty="0" smtClean="0">
@@ -3393,6 +3563,162 @@
     <p:extLst>
       <p:ext uri="{BB962C8B-B14F-4D97-AF65-F5344CB8AC3E}">
         <p14:creationId xmlns:p14="http://schemas.microsoft.com/office/powerpoint/2010/main" val="2877808165"/>
+      </p:ext>
+    </p:extLst>
+  </p:cSld>
+  <p:clrMapOvr>
+    <a:masterClrMapping/>
+  </p:clrMapOvr>
+</p:notes>
+</file>
+
+<file path=ppt/notesSlides/notesSlide6.xml><?xml version="1.0" encoding="utf-8"?>
+<p:notes xmlns:a="http://schemas.openxmlformats.org/drawingml/2006/main" xmlns:r="http://schemas.openxmlformats.org/officeDocument/2006/relationships" xmlns:p="http://schemas.openxmlformats.org/presentationml/2006/main">
+  <p:cSld>
+    <p:spTree>
+      <p:nvGrpSpPr>
+        <p:cNvPr id="1" name=""/>
+        <p:cNvGrpSpPr/>
+        <p:nvPr/>
+      </p:nvGrpSpPr>
+      <p:grpSpPr>
+        <a:xfrm>
+          <a:off x="0" y="0"/>
+          <a:ext cx="0" cy="0"/>
+          <a:chOff x="0" y="0"/>
+          <a:chExt cx="0" cy="0"/>
+        </a:xfrm>
+      </p:grpSpPr>
+      <p:sp>
+        <p:nvSpPr>
+          <p:cNvPr id="2" name="幻灯片图像占位符 1"/>
+          <p:cNvSpPr>
+            <a:spLocks noGrp="1" noRot="1" noChangeAspect="1"/>
+          </p:cNvSpPr>
+          <p:nvPr>
+            <p:ph type="sldImg"/>
+          </p:nvPr>
+        </p:nvSpPr>
+        <p:spPr/>
+      </p:sp>
+      <p:sp>
+        <p:nvSpPr>
+          <p:cNvPr id="3" name="备注占位符 2"/>
+          <p:cNvSpPr>
+            <a:spLocks noGrp="1"/>
+          </p:cNvSpPr>
+          <p:nvPr>
+            <p:ph type="body" idx="1"/>
+          </p:nvPr>
+        </p:nvSpPr>
+        <p:spPr/>
+        <p:txBody>
+          <a:bodyPr/>
+          <a:lstStyle/>
+          <a:p>
+            <a:r>
+              <a:rPr lang="zh-CN" altLang="en-US" sz="1200" b="0" i="0" kern="1200" dirty="0" smtClean="0">
+                <a:solidFill>
+                  <a:schemeClr val="tx1"/>
+                </a:solidFill>
+                <a:effectLst/>
+                <a:latin typeface="+mn-lt"/>
+                <a:ea typeface="+mn-ea"/>
+                <a:cs typeface="+mn-cs"/>
+              </a:rPr>
+              <a:t>用户故事之间的依赖使得制订计划、确定优先级和工作量评估都变得很困难。通常我们可以通过组合用户故事和分解用户故事来减少依赖性。</a:t>
+            </a:r>
+            <a:endParaRPr lang="en-US" altLang="zh-CN" sz="1200" b="0" i="0" kern="1200" dirty="0" smtClean="0">
+              <a:solidFill>
+                <a:schemeClr val="tx1"/>
+              </a:solidFill>
+              <a:effectLst/>
+              <a:latin typeface="+mn-lt"/>
+              <a:ea typeface="+mn-ea"/>
+              <a:cs typeface="+mn-cs"/>
+            </a:endParaRPr>
+          </a:p>
+          <a:p>
+            <a:endParaRPr lang="en-US" altLang="zh-CN" sz="1200" b="0" i="0" kern="1200" dirty="0" smtClean="0">
+              <a:solidFill>
+                <a:schemeClr val="tx1"/>
+              </a:solidFill>
+              <a:effectLst/>
+              <a:latin typeface="+mn-lt"/>
+              <a:ea typeface="+mn-ea"/>
+              <a:cs typeface="+mn-cs"/>
+            </a:endParaRPr>
+          </a:p>
+          <a:p>
+            <a:r>
+              <a:rPr lang="zh-CN" altLang="en-US" sz="1200" b="0" i="0" kern="1200" dirty="0" smtClean="0">
+                <a:solidFill>
+                  <a:schemeClr val="tx1"/>
+                </a:solidFill>
+                <a:effectLst/>
+                <a:latin typeface="+mn-lt"/>
+                <a:ea typeface="+mn-ea"/>
+                <a:cs typeface="+mn-cs"/>
+              </a:rPr>
+              <a:t>用户故事不是合同。一张用户故事卡片上只是一个简短的描述，不包括太多的细节。具体的细节在沟通阶段提出。如果一张用户故事卡片带有太多的细节，实际上会限制和用户的沟通。</a:t>
+            </a:r>
+            <a:endParaRPr lang="en-US" altLang="zh-CN" sz="1200" b="0" i="0" kern="1200" dirty="0" smtClean="0">
+              <a:solidFill>
+                <a:schemeClr val="tx1"/>
+              </a:solidFill>
+              <a:effectLst/>
+              <a:latin typeface="+mn-lt"/>
+              <a:ea typeface="+mn-ea"/>
+              <a:cs typeface="+mn-cs"/>
+            </a:endParaRPr>
+          </a:p>
+          <a:p>
+            <a:endParaRPr lang="en-US" altLang="zh-CN" sz="1200" b="0" i="0" kern="1200" dirty="0" smtClean="0">
+              <a:solidFill>
+                <a:schemeClr val="tx1"/>
+              </a:solidFill>
+              <a:effectLst/>
+              <a:latin typeface="+mn-lt"/>
+              <a:ea typeface="+mn-ea"/>
+              <a:cs typeface="+mn-cs"/>
+            </a:endParaRPr>
+          </a:p>
+          <a:p>
+            <a:r>
+              <a:rPr lang="zh-CN" altLang="en-US" b="0" dirty="0" smtClean="0"/>
+              <a:t>。用户故事越大，在安排计划、工作量评估等方面的风险就会越大。</a:t>
+            </a:r>
+            <a:endParaRPr lang="zh-CN" altLang="en-US" dirty="0"/>
+          </a:p>
+        </p:txBody>
+      </p:sp>
+      <p:sp>
+        <p:nvSpPr>
+          <p:cNvPr id="4" name="灯片编号占位符 3"/>
+          <p:cNvSpPr>
+            <a:spLocks noGrp="1"/>
+          </p:cNvSpPr>
+          <p:nvPr>
+            <p:ph type="sldNum" sz="quarter" idx="10"/>
+          </p:nvPr>
+        </p:nvSpPr>
+        <p:spPr/>
+        <p:txBody>
+          <a:bodyPr/>
+          <a:lstStyle/>
+          <a:p>
+            <a:fld id="{8D7ACA88-C620-47A1-A6D3-F68F6DD6FEE9}" type="slidenum">
+              <a:rPr lang="zh-CN" altLang="en-US" smtClean="0"/>
+              <a:t>24</a:t>
+            </a:fld>
+            <a:endParaRPr lang="zh-CN" altLang="en-US"/>
+          </a:p>
+        </p:txBody>
+      </p:sp>
+    </p:spTree>
+    <p:extLst>
+      <p:ext uri="{BB962C8B-B14F-4D97-AF65-F5344CB8AC3E}">
+        <p14:creationId xmlns:p14="http://schemas.microsoft.com/office/powerpoint/2010/main" val="4151050176"/>
       </p:ext>
     </p:extLst>
   </p:cSld>
@@ -3537,7 +3863,7 @@
           <a:p>
             <a:fld id="{C04CF4A6-17F9-4CD5-BCB8-44B65F331829}" type="datetimeFigureOut">
               <a:rPr lang="zh-CN" altLang="en-US" smtClean="0"/>
-              <a:t>2019/7/1</a:t>
+              <a:t>2019/10/9</a:t>
             </a:fld>
             <a:endParaRPr lang="zh-CN" altLang="en-US"/>
           </a:p>
@@ -3829,7 +4155,7 @@
           <a:p>
             <a:fld id="{C04CF4A6-17F9-4CD5-BCB8-44B65F331829}" type="datetimeFigureOut">
               <a:rPr lang="zh-CN" altLang="en-US" smtClean="0"/>
-              <a:t>2019/7/1</a:t>
+              <a:t>2019/10/9</a:t>
             </a:fld>
             <a:endParaRPr lang="zh-CN" altLang="en-US"/>
           </a:p>
@@ -3999,7 +4325,7 @@
           <a:p>
             <a:fld id="{C04CF4A6-17F9-4CD5-BCB8-44B65F331829}" type="datetimeFigureOut">
               <a:rPr lang="zh-CN" altLang="en-US" smtClean="0"/>
-              <a:t>2019/7/1</a:t>
+              <a:t>2019/10/9</a:t>
             </a:fld>
             <a:endParaRPr lang="zh-CN" altLang="en-US"/>
           </a:p>
@@ -4179,7 +4505,7 @@
           <a:p>
             <a:fld id="{C04CF4A6-17F9-4CD5-BCB8-44B65F331829}" type="datetimeFigureOut">
               <a:rPr lang="zh-CN" altLang="en-US" smtClean="0"/>
-              <a:t>2019/7/1</a:t>
+              <a:t>2019/10/9</a:t>
             </a:fld>
             <a:endParaRPr lang="zh-CN" altLang="en-US"/>
           </a:p>
@@ -4403,7 +4729,7 @@
           <a:p>
             <a:fld id="{C04CF4A6-17F9-4CD5-BCB8-44B65F331829}" type="datetimeFigureOut">
               <a:rPr lang="zh-CN" altLang="en-US" smtClean="0"/>
-              <a:t>2019/7/1</a:t>
+              <a:t>2019/10/9</a:t>
             </a:fld>
             <a:endParaRPr lang="zh-CN" altLang="en-US"/>
           </a:p>
@@ -4700,7 +5026,7 @@
           <a:p>
             <a:fld id="{C04CF4A6-17F9-4CD5-BCB8-44B65F331829}" type="datetimeFigureOut">
               <a:rPr lang="zh-CN" altLang="en-US" smtClean="0"/>
-              <a:t>2019/7/1</a:t>
+              <a:t>2019/10/9</a:t>
             </a:fld>
             <a:endParaRPr lang="zh-CN" altLang="en-US"/>
           </a:p>
@@ -5019,7 +5345,7 @@
           <a:p>
             <a:fld id="{C04CF4A6-17F9-4CD5-BCB8-44B65F331829}" type="datetimeFigureOut">
               <a:rPr lang="zh-CN" altLang="en-US" smtClean="0"/>
-              <a:t>2019/7/1</a:t>
+              <a:t>2019/10/9</a:t>
             </a:fld>
             <a:endParaRPr lang="zh-CN" altLang="en-US"/>
           </a:p>
@@ -5251,7 +5577,7 @@
           <a:p>
             <a:fld id="{C04CF4A6-17F9-4CD5-BCB8-44B65F331829}" type="datetimeFigureOut">
               <a:rPr lang="zh-CN" altLang="en-US" smtClean="0"/>
-              <a:t>2019/7/1</a:t>
+              <a:t>2019/10/9</a:t>
             </a:fld>
             <a:endParaRPr lang="zh-CN" altLang="en-US"/>
           </a:p>
@@ -5618,7 +5944,7 @@
           <a:p>
             <a:fld id="{C04CF4A6-17F9-4CD5-BCB8-44B65F331829}" type="datetimeFigureOut">
               <a:rPr lang="zh-CN" altLang="en-US" smtClean="0"/>
-              <a:t>2019/7/1</a:t>
+              <a:t>2019/10/9</a:t>
             </a:fld>
             <a:endParaRPr lang="zh-CN" altLang="en-US"/>
           </a:p>
@@ -5736,7 +6062,7 @@
           <a:p>
             <a:fld id="{C04CF4A6-17F9-4CD5-BCB8-44B65F331829}" type="datetimeFigureOut">
               <a:rPr lang="zh-CN" altLang="en-US" smtClean="0"/>
-              <a:t>2019/7/1</a:t>
+              <a:t>2019/10/9</a:t>
             </a:fld>
             <a:endParaRPr lang="zh-CN" altLang="en-US"/>
           </a:p>
@@ -5831,7 +6157,7 @@
           <a:p>
             <a:fld id="{C04CF4A6-17F9-4CD5-BCB8-44B65F331829}" type="datetimeFigureOut">
               <a:rPr lang="zh-CN" altLang="en-US" smtClean="0"/>
-              <a:t>2019/7/1</a:t>
+              <a:t>2019/10/9</a:t>
             </a:fld>
             <a:endParaRPr lang="zh-CN" altLang="en-US"/>
           </a:p>
@@ -6108,7 +6434,7 @@
           <a:p>
             <a:fld id="{C04CF4A6-17F9-4CD5-BCB8-44B65F331829}" type="datetimeFigureOut">
               <a:rPr lang="zh-CN" altLang="en-US" smtClean="0"/>
-              <a:t>2019/7/1</a:t>
+              <a:t>2019/10/9</a:t>
             </a:fld>
             <a:endParaRPr lang="zh-CN" altLang="en-US"/>
           </a:p>
@@ -6321,7 +6647,7 @@
           <a:p>
             <a:fld id="{C04CF4A6-17F9-4CD5-BCB8-44B65F331829}" type="datetimeFigureOut">
               <a:rPr lang="zh-CN" altLang="en-US" smtClean="0"/>
-              <a:t>2019/7/1</a:t>
+              <a:t>2019/10/9</a:t>
             </a:fld>
             <a:endParaRPr lang="zh-CN" altLang="en-US"/>
           </a:p>
@@ -6785,8 +7111,8 @@
           <a:p>
             <a:pPr algn="r"/>
             <a:r>
-              <a:rPr lang="en-US" altLang="zh-CN" dirty="0" smtClean="0"/>
-              <a:t>2</a:t>
+              <a:rPr lang="en-US" altLang="zh-CN" dirty="0"/>
+              <a:t>3</a:t>
             </a:r>
             <a:r>
               <a:rPr lang="en-US" altLang="zh-CN" sz="3600" dirty="0" smtClean="0"/>
@@ -10689,9 +11015,12 @@
           <a:p>
             <a:r>
               <a:rPr lang="zh-CN" altLang="en-US" dirty="0" smtClean="0"/>
-              <a:t>看版</a:t>
-            </a:r>
-            <a:endParaRPr lang="zh-CN" altLang="en-US" dirty="0"/>
+              <a:t>看</a:t>
+            </a:r>
+            <a:r>
+              <a:rPr lang="zh-CN" altLang="en-US" dirty="0"/>
+              <a:t>板</a:t>
+            </a:r>
           </a:p>
         </p:txBody>
       </p:sp>
@@ -11522,7 +11851,7 @@
 </file>
 
 <file path=ppt/slides/slide2.xml><?xml version="1.0" encoding="utf-8"?>
-<p:sld xmlns:a="http://schemas.openxmlformats.org/drawingml/2006/main" xmlns:r="http://schemas.openxmlformats.org/officeDocument/2006/relationships" xmlns:p="http://schemas.openxmlformats.org/presentationml/2006/main">
+<p:sld xmlns:a="http://schemas.openxmlformats.org/drawingml/2006/main" xmlns:r="http://schemas.openxmlformats.org/officeDocument/2006/relationships" xmlns:p="http://schemas.openxmlformats.org/presentationml/2006/main" show="0">
   <p:cSld>
     <p:spTree>
       <p:nvGrpSpPr>
@@ -11585,7 +11914,7 @@
           <p:nvPr/>
         </p:nvPicPr>
         <p:blipFill>
-          <a:blip r:embed="rId2">
+          <a:blip r:embed="rId3">
             <a:extLst>
               <a:ext uri="{28A0092B-C50C-407E-A947-70E740481C1C}">
                 <a14:useLocalDpi xmlns:a14="http://schemas.microsoft.com/office/drawing/2010/main" val="0"/>
@@ -11627,6 +11956,21 @@
   <p:clrMapOvr>
     <a:masterClrMapping/>
   </p:clrMapOvr>
+  <mc:AlternateContent xmlns:mc="http://schemas.openxmlformats.org/markup-compatibility/2006">
+    <mc:Choice xmlns:p14="http://schemas.microsoft.com/office/powerpoint/2010/main" Requires="p14">
+      <p:transition spd="slow" p14:dur="2000"/>
+    </mc:Choice>
+    <mc:Fallback>
+      <p:transition spd="slow"/>
+    </mc:Fallback>
+  </mc:AlternateContent>
+  <p:timing>
+    <p:tnLst>
+      <p:par>
+        <p:cTn id="1" dur="indefinite" restart="never" nodeType="tmRoot"/>
+      </p:par>
+    </p:tnLst>
+  </p:timing>
 </p:sld>
 </file>
 
@@ -11687,23 +12031,26 @@
           <a:p>
             <a:r>
               <a:rPr lang="zh-CN" altLang="en-US" dirty="0" smtClean="0"/>
-              <a:t>大部分项目失败的主要原因在于规格说明的缺乏</a:t>
+              <a:t>实现</a:t>
             </a:r>
             <a:endParaRPr lang="en-US" altLang="zh-CN" dirty="0" smtClean="0"/>
           </a:p>
           <a:p>
+            <a:r>
+              <a:rPr lang="zh-CN" altLang="en-US" dirty="0"/>
+              <a:t>敏大部分项目失败的主要原因在于规格说明的缺乏</a:t>
+            </a:r>
+            <a:endParaRPr lang="en-US" altLang="zh-CN" dirty="0"/>
+          </a:p>
+          <a:p>
             <a:pPr lvl="1"/>
             <a:r>
-              <a:rPr lang="zh-CN" altLang="en-US" dirty="0" smtClean="0"/>
-              <a:t>在顺序开发中，这种特性的共同价值观是在需求编写完成后，通过正式评审来实现</a:t>
-            </a:r>
-            <a:endParaRPr lang="en-US" altLang="zh-CN" dirty="0" smtClean="0"/>
-          </a:p>
-          <a:p>
-            <a:pPr lvl="1"/>
-            <a:r>
-              <a:rPr lang="zh-CN" altLang="en-US" dirty="0" smtClean="0"/>
-              <a:t>敏捷开发中：这种特性的共同价值观是在需求编写过程中通过频繁的非正式评审来完成</a:t>
+              <a:rPr lang="zh-CN" altLang="en-US" dirty="0"/>
+              <a:t>在顺序开发中，这种特性的共同价值观是在需求编写完成后，通过正式评审来捷</a:t>
+            </a:r>
+            <a:r>
+              <a:rPr lang="zh-CN" altLang="en-US" dirty="0" smtClean="0"/>
+              <a:t>开发中：这种特性的共同价值观是在需求编写过程中通过频繁的非正式评审来完成</a:t>
             </a:r>
             <a:endParaRPr lang="zh-CN" altLang="en-US" dirty="0"/>
           </a:p>
@@ -11955,6 +12302,13 @@
   <p:clrMapOvr>
     <a:masterClrMapping/>
   </p:clrMapOvr>
+  <p:timing>
+    <p:tnLst>
+      <p:par>
+        <p:cTn id="1" dur="indefinite" restart="never" nodeType="tmRoot"/>
+      </p:par>
+    </p:tnLst>
+  </p:timing>
 </p:sld>
 </file>
 
@@ -12119,8 +12473,8 @@
           <a:lstStyle/>
           <a:p>
             <a:r>
-              <a:rPr lang="zh-CN" altLang="en-US" dirty="0" smtClean="0"/>
-              <a:t>发布和迭代计划</a:t>
+              <a:rPr lang="zh-CN" altLang="en-US" smtClean="0"/>
+              <a:t>评价故事的完整性</a:t>
             </a:r>
             <a:endParaRPr lang="zh-CN" altLang="en-US" dirty="0"/>
           </a:p>
@@ -12143,48 +12497,31 @@
           <a:p>
             <a:r>
               <a:rPr lang="zh-CN" altLang="en-US" dirty="0" smtClean="0"/>
-              <a:t>迭代计划：着眼于一次单独的迭代过程的顺利完成并且主要的关注点在迭代过程的冲刺待办列表</a:t>
+              <a:t>独立性：尽可能让一个用户故事独立于其他的用户故事</a:t>
             </a:r>
             <a:endParaRPr lang="en-US" altLang="zh-CN" dirty="0" smtClean="0"/>
           </a:p>
           <a:p>
-            <a:pPr lvl="1"/>
-            <a:r>
-              <a:rPr lang="zh-CN" altLang="en-US" dirty="0" smtClean="0"/>
-              <a:t>定义可被测试的用户故事，包括验收准则</a:t>
+            <a:r>
+              <a:rPr lang="zh-CN" altLang="en-US" dirty="0" smtClean="0"/>
+              <a:t>可协商性：用户故事的内容要是可以协商的</a:t>
             </a:r>
             <a:endParaRPr lang="en-US" altLang="zh-CN" dirty="0" smtClean="0"/>
           </a:p>
           <a:p>
-            <a:pPr lvl="1"/>
-            <a:r>
-              <a:rPr lang="zh-CN" altLang="en-US" dirty="0" smtClean="0"/>
-              <a:t>参与到项目风险和质量风险的分析活动中</a:t>
+            <a:r>
+              <a:rPr lang="zh-CN" altLang="en-US" dirty="0" smtClean="0"/>
+              <a:t>有价值：每个用户故事必须对客户具有价值</a:t>
             </a:r>
             <a:endParaRPr lang="en-US" altLang="zh-CN" dirty="0" smtClean="0"/>
           </a:p>
           <a:p>
-            <a:pPr lvl="1"/>
-            <a:r>
-              <a:rPr lang="zh-CN" altLang="en-US" dirty="0" smtClean="0"/>
-              <a:t>根据关联的用户故事预估测试工作量</a:t>
-            </a:r>
-            <a:endParaRPr lang="en-US" altLang="zh-CN" dirty="0" smtClean="0"/>
-          </a:p>
-          <a:p>
-            <a:pPr lvl="1"/>
-            <a:r>
-              <a:rPr lang="zh-CN" altLang="en-US" dirty="0" smtClean="0"/>
-              <a:t>定义必要的测试级别</a:t>
-            </a:r>
-            <a:endParaRPr lang="en-US" altLang="zh-CN" dirty="0" smtClean="0"/>
-          </a:p>
-          <a:p>
-            <a:pPr lvl="1"/>
-            <a:r>
-              <a:rPr lang="zh-CN" altLang="en-US" dirty="0" smtClean="0"/>
-              <a:t>为发布而策划测试活动</a:t>
-            </a:r>
+            <a:r>
+              <a:rPr lang="zh-CN" altLang="en-US" dirty="0" smtClean="0"/>
+              <a:t>可评估：开发团队需要衡量用户故事，以便确定优先级和工作量，并便于安排工作计划。</a:t>
+            </a:r>
+          </a:p>
+          <a:p>
             <a:endParaRPr lang="zh-CN" altLang="en-US" dirty="0"/>
           </a:p>
         </p:txBody>
@@ -12192,7 +12529,7 @@
     </p:spTree>
     <p:extLst>
       <p:ext uri="{BB962C8B-B14F-4D97-AF65-F5344CB8AC3E}">
-        <p14:creationId xmlns:p14="http://schemas.microsoft.com/office/powerpoint/2010/main" val="42832401"/>
+        <p14:creationId xmlns:p14="http://schemas.microsoft.com/office/powerpoint/2010/main" val="1164004361"/>
       </p:ext>
     </p:extLst>
   </p:cSld>
@@ -12242,8 +12579,8 @@
           <a:lstStyle/>
           <a:p>
             <a:r>
-              <a:rPr lang="zh-CN" altLang="en-US" dirty="0" smtClean="0"/>
-              <a:t>发布和迭代计划</a:t>
+              <a:rPr lang="zh-CN" altLang="en-US" smtClean="0"/>
+              <a:t>评价故事的完整性</a:t>
             </a:r>
             <a:endParaRPr lang="zh-CN" altLang="en-US" dirty="0"/>
           </a:p>
@@ -12266,52 +12603,16 @@
           <a:p>
             <a:r>
               <a:rPr lang="zh-CN" altLang="en-US" dirty="0" smtClean="0"/>
-              <a:t>测试人员积极参与迭代计划过程，并在如下方面提供具有价值的输入：</a:t>
-            </a:r>
-            <a:endParaRPr lang="en-US" altLang="zh-CN" dirty="0" smtClean="0"/>
-          </a:p>
-          <a:p>
-            <a:pPr lvl="1"/>
-            <a:r>
-              <a:rPr lang="zh-CN" altLang="en-US" dirty="0" smtClean="0"/>
-              <a:t>参与用户故事的详尽风险分析</a:t>
-            </a:r>
-            <a:endParaRPr lang="en-US" altLang="zh-CN" dirty="0" smtClean="0"/>
-          </a:p>
-          <a:p>
-            <a:pPr lvl="1"/>
-            <a:r>
-              <a:rPr lang="zh-CN" altLang="en-US" dirty="0" smtClean="0"/>
-              <a:t>确定用户故事的可测试性</a:t>
-            </a:r>
-            <a:endParaRPr lang="en-US" altLang="zh-CN" dirty="0" smtClean="0"/>
-          </a:p>
-          <a:p>
-            <a:pPr lvl="1"/>
-            <a:r>
-              <a:rPr lang="zh-CN" altLang="en-US" dirty="0" smtClean="0"/>
-              <a:t>为用户故事创建验收测试</a:t>
-            </a:r>
-            <a:endParaRPr lang="en-US" altLang="zh-CN" dirty="0" smtClean="0"/>
-          </a:p>
-          <a:p>
-            <a:pPr lvl="1"/>
-            <a:r>
-              <a:rPr lang="zh-CN" altLang="en-US" dirty="0" smtClean="0"/>
-              <a:t>把用户故事分解成工作任务（特别是测试任务）</a:t>
-            </a:r>
-            <a:endParaRPr lang="en-US" altLang="zh-CN" dirty="0" smtClean="0"/>
-          </a:p>
-          <a:p>
-            <a:pPr lvl="1"/>
-            <a:r>
-              <a:rPr lang="zh-CN" altLang="en-US" dirty="0" smtClean="0"/>
-              <a:t>为所有的测试任务进行测试工作量估算</a:t>
-            </a:r>
-            <a:endParaRPr lang="en-US" altLang="zh-CN" dirty="0" smtClean="0"/>
-          </a:p>
-          <a:p>
-            <a:pPr lvl="1"/>
+              <a:t> 规模小：一个好的故事要尽量维持小规模，至少要确保在一个冲刺周期中能够完成</a:t>
+            </a:r>
+          </a:p>
+          <a:p>
+            <a:r>
+              <a:rPr lang="zh-CN" altLang="en-US" dirty="0" smtClean="0"/>
+              <a:t> 可测试：一个用户故事要可以测试，以便确定它是可以完成的。如果一个用户故事不能够测试，那么你就无法知道它什么时候可以完成</a:t>
+            </a:r>
+          </a:p>
+          <a:p>
             <a:endParaRPr lang="zh-CN" altLang="en-US" dirty="0"/>
           </a:p>
         </p:txBody>
@@ -12319,7 +12620,7 @@
     </p:spTree>
     <p:extLst>
       <p:ext uri="{BB962C8B-B14F-4D97-AF65-F5344CB8AC3E}">
-        <p14:creationId xmlns:p14="http://schemas.microsoft.com/office/powerpoint/2010/main" val="1145013593"/>
+        <p14:creationId xmlns:p14="http://schemas.microsoft.com/office/powerpoint/2010/main" val="2633088207"/>
       </p:ext>
     </p:extLst>
   </p:cSld>
@@ -12388,14 +12689,12 @@
         </p:nvSpPr>
         <p:spPr/>
         <p:txBody>
-          <a:bodyPr>
-            <a:normAutofit lnSpcReduction="10000"/>
-          </a:bodyPr>
+          <a:bodyPr/>
           <a:lstStyle/>
           <a:p>
             <a:r>
               <a:rPr lang="zh-CN" altLang="en-US" dirty="0" smtClean="0"/>
-              <a:t>发布和迭代计划中包含测试计划</a:t>
+              <a:t>迭代计划：着眼于一次单独的迭代过程的顺利完成并且主要的关注点在迭代过程的冲刺待办列表</a:t>
             </a:r>
             <a:endParaRPr lang="en-US" altLang="zh-CN" dirty="0" smtClean="0"/>
           </a:p>
@@ -12403,7 +12702,7 @@
             <a:pPr lvl="1"/>
             <a:r>
               <a:rPr lang="zh-CN" altLang="en-US" dirty="0" smtClean="0"/>
-              <a:t>测试范围、此范围的延伸范围、测试目标和所做决策的理由</a:t>
+              <a:t>定义可被测试的用户故事，包括验收准则</a:t>
             </a:r>
             <a:endParaRPr lang="en-US" altLang="zh-CN" dirty="0" smtClean="0"/>
           </a:p>
@@ -12411,7 +12710,7 @@
             <a:pPr lvl="1"/>
             <a:r>
               <a:rPr lang="zh-CN" altLang="en-US" dirty="0" smtClean="0"/>
-              <a:t>执行各项测试活动的人员</a:t>
+              <a:t>参与到项目风险和质量风险的分析活动中</a:t>
             </a:r>
             <a:endParaRPr lang="en-US" altLang="zh-CN" dirty="0" smtClean="0"/>
           </a:p>
@@ -12419,7 +12718,7 @@
             <a:pPr lvl="1"/>
             <a:r>
               <a:rPr lang="zh-CN" altLang="en-US" dirty="0" smtClean="0"/>
-              <a:t>需要的测试环境和测试数据的准备</a:t>
+              <a:t>根据关联的用户故事预估测试工作量</a:t>
             </a:r>
             <a:endParaRPr lang="en-US" altLang="zh-CN" dirty="0" smtClean="0"/>
           </a:p>
@@ -12427,7 +12726,7 @@
             <a:pPr lvl="1"/>
             <a:r>
               <a:rPr lang="zh-CN" altLang="en-US" dirty="0" smtClean="0"/>
-              <a:t>功能性测试和非功能性测试所需的时间、顺序、依赖关系和前置条件等</a:t>
+              <a:t>定义必要的测试级别</a:t>
             </a:r>
             <a:endParaRPr lang="en-US" altLang="zh-CN" dirty="0" smtClean="0"/>
           </a:p>
@@ -12435,18 +12734,7 @@
             <a:pPr lvl="1"/>
             <a:r>
               <a:rPr lang="zh-CN" altLang="en-US" dirty="0" smtClean="0"/>
-              <a:t>需要关注的项目风险和质量风险</a:t>
-            </a:r>
-            <a:r>
-              <a:rPr lang="en-US" altLang="zh-CN" dirty="0" smtClean="0"/>
-              <a:t/>
-            </a:r>
-            <a:br>
-              <a:rPr lang="en-US" altLang="zh-CN" dirty="0" smtClean="0"/>
-            </a:br>
-            <a:r>
-              <a:rPr lang="en-US" altLang="zh-CN" dirty="0" smtClean="0"/>
-              <a:t>	</a:t>
+              <a:t>为发布而策划测试活动</a:t>
             </a:r>
             <a:endParaRPr lang="zh-CN" altLang="en-US" dirty="0"/>
           </a:p>
@@ -12455,7 +12743,7 @@
     </p:spTree>
     <p:extLst>
       <p:ext uri="{BB962C8B-B14F-4D97-AF65-F5344CB8AC3E}">
-        <p14:creationId xmlns:p14="http://schemas.microsoft.com/office/powerpoint/2010/main" val="1952601899"/>
+        <p14:creationId xmlns:p14="http://schemas.microsoft.com/office/powerpoint/2010/main" val="42832401"/>
       </p:ext>
     </p:extLst>
   </p:cSld>
@@ -12506,6 +12794,269 @@
           <a:p>
             <a:r>
               <a:rPr lang="zh-CN" altLang="en-US" dirty="0" smtClean="0"/>
+              <a:t>发布和迭代计划</a:t>
+            </a:r>
+            <a:endParaRPr lang="zh-CN" altLang="en-US" dirty="0"/>
+          </a:p>
+        </p:txBody>
+      </p:sp>
+      <p:sp>
+        <p:nvSpPr>
+          <p:cNvPr id="3" name="内容占位符 2"/>
+          <p:cNvSpPr>
+            <a:spLocks noGrp="1"/>
+          </p:cNvSpPr>
+          <p:nvPr>
+            <p:ph idx="1"/>
+          </p:nvPr>
+        </p:nvSpPr>
+        <p:spPr/>
+        <p:txBody>
+          <a:bodyPr/>
+          <a:lstStyle/>
+          <a:p>
+            <a:r>
+              <a:rPr lang="zh-CN" altLang="en-US" dirty="0" smtClean="0"/>
+              <a:t>测试人员积极参与迭代计划过程，并在如下方面提供具有价值的输入：</a:t>
+            </a:r>
+            <a:endParaRPr lang="en-US" altLang="zh-CN" dirty="0" smtClean="0"/>
+          </a:p>
+          <a:p>
+            <a:pPr lvl="1"/>
+            <a:r>
+              <a:rPr lang="zh-CN" altLang="en-US" dirty="0" smtClean="0"/>
+              <a:t>参与用户故事的详尽风险分析</a:t>
+            </a:r>
+            <a:endParaRPr lang="en-US" altLang="zh-CN" dirty="0" smtClean="0"/>
+          </a:p>
+          <a:p>
+            <a:pPr lvl="1"/>
+            <a:r>
+              <a:rPr lang="zh-CN" altLang="en-US" dirty="0" smtClean="0"/>
+              <a:t>确定用户故事的可测试性</a:t>
+            </a:r>
+            <a:endParaRPr lang="en-US" altLang="zh-CN" dirty="0" smtClean="0"/>
+          </a:p>
+          <a:p>
+            <a:pPr lvl="1"/>
+            <a:r>
+              <a:rPr lang="zh-CN" altLang="en-US" dirty="0" smtClean="0"/>
+              <a:t>为用户故事创建验收测试</a:t>
+            </a:r>
+            <a:endParaRPr lang="en-US" altLang="zh-CN" dirty="0" smtClean="0"/>
+          </a:p>
+          <a:p>
+            <a:pPr lvl="1"/>
+            <a:r>
+              <a:rPr lang="zh-CN" altLang="en-US" dirty="0" smtClean="0"/>
+              <a:t>把用户故事分解成工作任务（特别是测试任务）</a:t>
+            </a:r>
+            <a:endParaRPr lang="en-US" altLang="zh-CN" dirty="0" smtClean="0"/>
+          </a:p>
+          <a:p>
+            <a:pPr lvl="1"/>
+            <a:r>
+              <a:rPr lang="zh-CN" altLang="en-US" dirty="0" smtClean="0"/>
+              <a:t>为所有的测试任务进行测试工作量估算</a:t>
+            </a:r>
+            <a:endParaRPr lang="en-US" altLang="zh-CN" dirty="0" smtClean="0"/>
+          </a:p>
+          <a:p>
+            <a:pPr lvl="1"/>
+            <a:endParaRPr lang="zh-CN" altLang="en-US" dirty="0"/>
+          </a:p>
+        </p:txBody>
+      </p:sp>
+    </p:spTree>
+    <p:extLst>
+      <p:ext uri="{BB962C8B-B14F-4D97-AF65-F5344CB8AC3E}">
+        <p14:creationId xmlns:p14="http://schemas.microsoft.com/office/powerpoint/2010/main" val="1145013593"/>
+      </p:ext>
+    </p:extLst>
+  </p:cSld>
+  <p:clrMapOvr>
+    <a:masterClrMapping/>
+  </p:clrMapOvr>
+  <p:timing>
+    <p:tnLst>
+      <p:par>
+        <p:cTn id="1" dur="indefinite" restart="never" nodeType="tmRoot"/>
+      </p:par>
+    </p:tnLst>
+  </p:timing>
+</p:sld>
+</file>
+
+<file path=ppt/slides/slide28.xml><?xml version="1.0" encoding="utf-8"?>
+<p:sld xmlns:a="http://schemas.openxmlformats.org/drawingml/2006/main" xmlns:r="http://schemas.openxmlformats.org/officeDocument/2006/relationships" xmlns:p="http://schemas.openxmlformats.org/presentationml/2006/main">
+  <p:cSld>
+    <p:spTree>
+      <p:nvGrpSpPr>
+        <p:cNvPr id="1" name=""/>
+        <p:cNvGrpSpPr/>
+        <p:nvPr/>
+      </p:nvGrpSpPr>
+      <p:grpSpPr>
+        <a:xfrm>
+          <a:off x="0" y="0"/>
+          <a:ext cx="0" cy="0"/>
+          <a:chOff x="0" y="0"/>
+          <a:chExt cx="0" cy="0"/>
+        </a:xfrm>
+      </p:grpSpPr>
+      <p:sp>
+        <p:nvSpPr>
+          <p:cNvPr id="2" name="标题 1"/>
+          <p:cNvSpPr>
+            <a:spLocks noGrp="1"/>
+          </p:cNvSpPr>
+          <p:nvPr>
+            <p:ph type="title"/>
+          </p:nvPr>
+        </p:nvSpPr>
+        <p:spPr/>
+        <p:txBody>
+          <a:bodyPr/>
+          <a:lstStyle/>
+          <a:p>
+            <a:r>
+              <a:rPr lang="zh-CN" altLang="en-US" dirty="0" smtClean="0"/>
+              <a:t>发布和迭代计划</a:t>
+            </a:r>
+            <a:endParaRPr lang="zh-CN" altLang="en-US" dirty="0"/>
+          </a:p>
+        </p:txBody>
+      </p:sp>
+      <p:sp>
+        <p:nvSpPr>
+          <p:cNvPr id="3" name="内容占位符 2"/>
+          <p:cNvSpPr>
+            <a:spLocks noGrp="1"/>
+          </p:cNvSpPr>
+          <p:nvPr>
+            <p:ph idx="1"/>
+          </p:nvPr>
+        </p:nvSpPr>
+        <p:spPr/>
+        <p:txBody>
+          <a:bodyPr>
+            <a:normAutofit lnSpcReduction="10000"/>
+          </a:bodyPr>
+          <a:lstStyle/>
+          <a:p>
+            <a:r>
+              <a:rPr lang="zh-CN" altLang="en-US" dirty="0" smtClean="0"/>
+              <a:t>发布和迭代计划中包含测试计划</a:t>
+            </a:r>
+            <a:endParaRPr lang="en-US" altLang="zh-CN" dirty="0" smtClean="0"/>
+          </a:p>
+          <a:p>
+            <a:pPr lvl="1"/>
+            <a:r>
+              <a:rPr lang="zh-CN" altLang="en-US" dirty="0" smtClean="0"/>
+              <a:t>测试范围、此范围的延伸范围、测试目标和所做决策的理由</a:t>
+            </a:r>
+            <a:endParaRPr lang="en-US" altLang="zh-CN" dirty="0" smtClean="0"/>
+          </a:p>
+          <a:p>
+            <a:pPr lvl="1"/>
+            <a:r>
+              <a:rPr lang="zh-CN" altLang="en-US" dirty="0" smtClean="0"/>
+              <a:t>执行各项测试活动的人员</a:t>
+            </a:r>
+            <a:endParaRPr lang="en-US" altLang="zh-CN" dirty="0" smtClean="0"/>
+          </a:p>
+          <a:p>
+            <a:pPr lvl="1"/>
+            <a:r>
+              <a:rPr lang="zh-CN" altLang="en-US" dirty="0" smtClean="0"/>
+              <a:t>需要的测试环境和测试数据的准备</a:t>
+            </a:r>
+            <a:endParaRPr lang="en-US" altLang="zh-CN" dirty="0" smtClean="0"/>
+          </a:p>
+          <a:p>
+            <a:pPr lvl="1"/>
+            <a:r>
+              <a:rPr lang="zh-CN" altLang="en-US" dirty="0" smtClean="0"/>
+              <a:t>功能性测试和非功能性测试所需的时间、顺序、依赖关系和前置条件等</a:t>
+            </a:r>
+            <a:endParaRPr lang="en-US" altLang="zh-CN" dirty="0" smtClean="0"/>
+          </a:p>
+          <a:p>
+            <a:pPr lvl="1"/>
+            <a:r>
+              <a:rPr lang="zh-CN" altLang="en-US" dirty="0" smtClean="0"/>
+              <a:t>需要关注的项目风险和质量风险</a:t>
+            </a:r>
+            <a:r>
+              <a:rPr lang="en-US" altLang="zh-CN" dirty="0" smtClean="0"/>
+              <a:t/>
+            </a:r>
+            <a:br>
+              <a:rPr lang="en-US" altLang="zh-CN" dirty="0" smtClean="0"/>
+            </a:br>
+            <a:r>
+              <a:rPr lang="en-US" altLang="zh-CN" dirty="0" smtClean="0"/>
+              <a:t>	</a:t>
+            </a:r>
+            <a:endParaRPr lang="zh-CN" altLang="en-US" dirty="0"/>
+          </a:p>
+        </p:txBody>
+      </p:sp>
+    </p:spTree>
+    <p:extLst>
+      <p:ext uri="{BB962C8B-B14F-4D97-AF65-F5344CB8AC3E}">
+        <p14:creationId xmlns:p14="http://schemas.microsoft.com/office/powerpoint/2010/main" val="1952601899"/>
+      </p:ext>
+    </p:extLst>
+  </p:cSld>
+  <p:clrMapOvr>
+    <a:masterClrMapping/>
+  </p:clrMapOvr>
+  <p:timing>
+    <p:tnLst>
+      <p:par>
+        <p:cTn id="1" dur="indefinite" restart="never" nodeType="tmRoot"/>
+      </p:par>
+    </p:tnLst>
+  </p:timing>
+</p:sld>
+</file>
+
+<file path=ppt/slides/slide29.xml><?xml version="1.0" encoding="utf-8"?>
+<p:sld xmlns:a="http://schemas.openxmlformats.org/drawingml/2006/main" xmlns:r="http://schemas.openxmlformats.org/officeDocument/2006/relationships" xmlns:p="http://schemas.openxmlformats.org/presentationml/2006/main">
+  <p:cSld>
+    <p:spTree>
+      <p:nvGrpSpPr>
+        <p:cNvPr id="1" name=""/>
+        <p:cNvGrpSpPr/>
+        <p:nvPr/>
+      </p:nvGrpSpPr>
+      <p:grpSpPr>
+        <a:xfrm>
+          <a:off x="0" y="0"/>
+          <a:ext cx="0" cy="0"/>
+          <a:chOff x="0" y="0"/>
+          <a:chExt cx="0" cy="0"/>
+        </a:xfrm>
+      </p:grpSpPr>
+      <p:sp>
+        <p:nvSpPr>
+          <p:cNvPr id="2" name="标题 1"/>
+          <p:cNvSpPr>
+            <a:spLocks noGrp="1"/>
+          </p:cNvSpPr>
+          <p:nvPr>
+            <p:ph type="title"/>
+          </p:nvPr>
+        </p:nvSpPr>
+        <p:spPr/>
+        <p:txBody>
+          <a:bodyPr/>
+          <a:lstStyle/>
+          <a:p>
+            <a:r>
+              <a:rPr lang="zh-CN" altLang="en-US" dirty="0" smtClean="0"/>
               <a:t>持续集成</a:t>
             </a:r>
             <a:endParaRPr lang="zh-CN" altLang="en-US" dirty="0"/>
@@ -12619,275 +13170,8 @@
 </p:sld>
 </file>
 
-<file path=ppt/slides/slide28.xml><?xml version="1.0" encoding="utf-8"?>
+<file path=ppt/slides/slide3.xml><?xml version="1.0" encoding="utf-8"?>
 <p:sld xmlns:a="http://schemas.openxmlformats.org/drawingml/2006/main" xmlns:r="http://schemas.openxmlformats.org/officeDocument/2006/relationships" xmlns:p="http://schemas.openxmlformats.org/presentationml/2006/main" show="0">
-  <p:cSld>
-    <p:spTree>
-      <p:nvGrpSpPr>
-        <p:cNvPr id="1" name=""/>
-        <p:cNvGrpSpPr/>
-        <p:nvPr/>
-      </p:nvGrpSpPr>
-      <p:grpSpPr>
-        <a:xfrm>
-          <a:off x="0" y="0"/>
-          <a:ext cx="0" cy="0"/>
-          <a:chOff x="0" y="0"/>
-          <a:chExt cx="0" cy="0"/>
-        </a:xfrm>
-      </p:grpSpPr>
-      <p:sp>
-        <p:nvSpPr>
-          <p:cNvPr id="2" name="标题 1"/>
-          <p:cNvSpPr>
-            <a:spLocks noGrp="1"/>
-          </p:cNvSpPr>
-          <p:nvPr>
-            <p:ph type="title"/>
-          </p:nvPr>
-        </p:nvSpPr>
-        <p:spPr/>
-        <p:txBody>
-          <a:bodyPr/>
-          <a:lstStyle/>
-          <a:p>
-            <a:r>
-              <a:rPr lang="zh-CN" altLang="en-US" dirty="0" smtClean="0"/>
-              <a:t>回顾</a:t>
-            </a:r>
-            <a:endParaRPr lang="zh-CN" altLang="en-US" dirty="0"/>
-          </a:p>
-        </p:txBody>
-      </p:sp>
-      <p:sp>
-        <p:nvSpPr>
-          <p:cNvPr id="3" name="内容占位符 2"/>
-          <p:cNvSpPr>
-            <a:spLocks noGrp="1"/>
-          </p:cNvSpPr>
-          <p:nvPr>
-            <p:ph idx="1"/>
-          </p:nvPr>
-        </p:nvSpPr>
-        <p:spPr/>
-        <p:txBody>
-          <a:bodyPr>
-            <a:normAutofit fontScale="92500" lnSpcReduction="10000"/>
-          </a:bodyPr>
-          <a:lstStyle/>
-          <a:p>
-            <a:r>
-              <a:rPr lang="zh-CN" altLang="en-US" dirty="0" smtClean="0"/>
-              <a:t>在一个迭代结束后举行的会议，该会议讨论哪些是成功的、哪些需要改进以及如何在为了的迭代里整合这些改进并继续保持成功</a:t>
-            </a:r>
-            <a:endParaRPr lang="en-US" altLang="zh-CN" dirty="0" smtClean="0"/>
-          </a:p>
-          <a:p>
-            <a:r>
-              <a:rPr lang="zh-CN" altLang="en-US" dirty="0" smtClean="0"/>
-              <a:t>主要议题包括：</a:t>
-            </a:r>
-            <a:endParaRPr lang="en-US" altLang="zh-CN" dirty="0" smtClean="0"/>
-          </a:p>
-          <a:p>
-            <a:pPr lvl="1"/>
-            <a:r>
-              <a:rPr lang="zh-CN" altLang="en-US" dirty="0" smtClean="0"/>
-              <a:t>过程</a:t>
-            </a:r>
-            <a:endParaRPr lang="en-US" altLang="zh-CN" dirty="0" smtClean="0"/>
-          </a:p>
-          <a:p>
-            <a:pPr lvl="1"/>
-            <a:r>
-              <a:rPr lang="zh-CN" altLang="en-US" dirty="0" smtClean="0"/>
-              <a:t>人员</a:t>
-            </a:r>
-            <a:endParaRPr lang="en-US" altLang="zh-CN" dirty="0" smtClean="0"/>
-          </a:p>
-          <a:p>
-            <a:pPr lvl="1"/>
-            <a:r>
-              <a:rPr lang="zh-CN" altLang="en-US" dirty="0" smtClean="0"/>
-              <a:t>组织</a:t>
-            </a:r>
-            <a:endParaRPr lang="en-US" altLang="zh-CN" dirty="0" smtClean="0"/>
-          </a:p>
-          <a:p>
-            <a:pPr lvl="1"/>
-            <a:r>
-              <a:rPr lang="zh-CN" altLang="en-US" dirty="0" smtClean="0"/>
-              <a:t>关系</a:t>
-            </a:r>
-            <a:endParaRPr lang="en-US" altLang="zh-CN" dirty="0" smtClean="0"/>
-          </a:p>
-          <a:p>
-            <a:pPr lvl="1"/>
-            <a:r>
-              <a:rPr lang="zh-CN" altLang="en-US" dirty="0" smtClean="0"/>
-              <a:t>工具</a:t>
-            </a:r>
-            <a:endParaRPr lang="en-US" altLang="zh-CN" dirty="0" smtClean="0"/>
-          </a:p>
-          <a:p>
-            <a:pPr lvl="1"/>
-            <a:endParaRPr lang="zh-CN" altLang="en-US" dirty="0"/>
-          </a:p>
-        </p:txBody>
-      </p:sp>
-    </p:spTree>
-    <p:extLst>
-      <p:ext uri="{BB962C8B-B14F-4D97-AF65-F5344CB8AC3E}">
-        <p14:creationId xmlns:p14="http://schemas.microsoft.com/office/powerpoint/2010/main" val="2623655226"/>
-      </p:ext>
-    </p:extLst>
-  </p:cSld>
-  <p:clrMapOvr>
-    <a:masterClrMapping/>
-  </p:clrMapOvr>
-  <mc:AlternateContent xmlns:mc="http://schemas.openxmlformats.org/markup-compatibility/2006" xmlns:p14="http://schemas.microsoft.com/office/powerpoint/2010/main">
-    <mc:Choice Requires="p14">
-      <p:transition spd="slow" p14:dur="2000"/>
-    </mc:Choice>
-    <mc:Fallback xmlns="">
-      <p:transition spd="slow"/>
-    </mc:Fallback>
-  </mc:AlternateContent>
-  <p:timing>
-    <p:tnLst>
-      <p:par>
-        <p:cTn id="1" dur="indefinite" restart="never" nodeType="tmRoot"/>
-      </p:par>
-    </p:tnLst>
-  </p:timing>
-</p:sld>
-</file>
-
-<file path=ppt/slides/slide29.xml><?xml version="1.0" encoding="utf-8"?>
-<p:sld xmlns:a="http://schemas.openxmlformats.org/drawingml/2006/main" xmlns:r="http://schemas.openxmlformats.org/officeDocument/2006/relationships" xmlns:p="http://schemas.openxmlformats.org/presentationml/2006/main" show="0">
-  <p:cSld>
-    <p:spTree>
-      <p:nvGrpSpPr>
-        <p:cNvPr id="1" name=""/>
-        <p:cNvGrpSpPr/>
-        <p:nvPr/>
-      </p:nvGrpSpPr>
-      <p:grpSpPr>
-        <a:xfrm>
-          <a:off x="0" y="0"/>
-          <a:ext cx="0" cy="0"/>
-          <a:chOff x="0" y="0"/>
-          <a:chExt cx="0" cy="0"/>
-        </a:xfrm>
-      </p:grpSpPr>
-      <p:sp>
-        <p:nvSpPr>
-          <p:cNvPr id="2" name="标题 1"/>
-          <p:cNvSpPr>
-            <a:spLocks noGrp="1"/>
-          </p:cNvSpPr>
-          <p:nvPr>
-            <p:ph type="title"/>
-          </p:nvPr>
-        </p:nvSpPr>
-        <p:spPr/>
-        <p:txBody>
-          <a:bodyPr/>
-          <a:lstStyle/>
-          <a:p>
-            <a:r>
-              <a:rPr lang="zh-CN" altLang="en-US" dirty="0" smtClean="0"/>
-              <a:t>回顾</a:t>
-            </a:r>
-            <a:endParaRPr lang="zh-CN" altLang="en-US" dirty="0"/>
-          </a:p>
-        </p:txBody>
-      </p:sp>
-      <p:sp>
-        <p:nvSpPr>
-          <p:cNvPr id="3" name="内容占位符 2"/>
-          <p:cNvSpPr>
-            <a:spLocks noGrp="1"/>
-          </p:cNvSpPr>
-          <p:nvPr>
-            <p:ph idx="1"/>
-          </p:nvPr>
-        </p:nvSpPr>
-        <p:spPr/>
-        <p:txBody>
-          <a:bodyPr/>
-          <a:lstStyle/>
-          <a:p>
-            <a:r>
-              <a:rPr lang="zh-CN" altLang="en-US" dirty="0" smtClean="0"/>
-              <a:t>回顾内容</a:t>
-            </a:r>
-            <a:endParaRPr lang="en-US" altLang="zh-CN" dirty="0" smtClean="0"/>
-          </a:p>
-          <a:p>
-            <a:pPr lvl="1"/>
-            <a:r>
-              <a:rPr lang="zh-CN" altLang="en-US" dirty="0" smtClean="0"/>
-              <a:t>测试有效性、测试效率、测试用例质量和团队满意度等测试相关的改进决定</a:t>
-            </a:r>
-            <a:endParaRPr lang="en-US" altLang="zh-CN" dirty="0" smtClean="0"/>
-          </a:p>
-          <a:p>
-            <a:pPr lvl="1"/>
-            <a:r>
-              <a:rPr lang="zh-CN" altLang="en-US" dirty="0" smtClean="0"/>
-              <a:t>应用程序、用户故事、特性或系统接口的可测试性</a:t>
-            </a:r>
-            <a:endParaRPr lang="en-US" altLang="zh-CN" dirty="0" smtClean="0"/>
-          </a:p>
-          <a:p>
-            <a:pPr lvl="1"/>
-            <a:r>
-              <a:rPr lang="zh-CN" altLang="en-US" dirty="0" smtClean="0"/>
-              <a:t>缺陷根本原因的分析</a:t>
-            </a:r>
-            <a:endParaRPr lang="en-US" altLang="zh-CN" dirty="0" smtClean="0"/>
-          </a:p>
-          <a:p>
-            <a:pPr lvl="1"/>
-            <a:r>
-              <a:rPr lang="zh-CN" altLang="en-US" dirty="0" smtClean="0"/>
-              <a:t>驱动测试和开发的改进</a:t>
-            </a:r>
-            <a:endParaRPr lang="zh-CN" altLang="en-US" dirty="0"/>
-          </a:p>
-        </p:txBody>
-      </p:sp>
-    </p:spTree>
-    <p:extLst>
-      <p:ext uri="{BB962C8B-B14F-4D97-AF65-F5344CB8AC3E}">
-        <p14:creationId xmlns:p14="http://schemas.microsoft.com/office/powerpoint/2010/main" val="4013113502"/>
-      </p:ext>
-    </p:extLst>
-  </p:cSld>
-  <p:clrMapOvr>
-    <a:masterClrMapping/>
-  </p:clrMapOvr>
-  <mc:AlternateContent xmlns:mc="http://schemas.openxmlformats.org/markup-compatibility/2006" xmlns:p14="http://schemas.microsoft.com/office/powerpoint/2010/main">
-    <mc:Choice Requires="p14">
-      <p:transition spd="slow" p14:dur="2000"/>
-    </mc:Choice>
-    <mc:Fallback xmlns="">
-      <p:transition spd="slow"/>
-    </mc:Fallback>
-  </mc:AlternateContent>
-  <p:timing>
-    <p:tnLst>
-      <p:par>
-        <p:cTn id="1" dur="indefinite" restart="never" nodeType="tmRoot"/>
-      </p:par>
-    </p:tnLst>
-  </p:timing>
-</p:sld>
-</file>
-
-<file path=ppt/slides/slide3.xml><?xml version="1.0" encoding="utf-8"?>
-<p:sld xmlns:a="http://schemas.openxmlformats.org/drawingml/2006/main" xmlns:r="http://schemas.openxmlformats.org/officeDocument/2006/relationships" xmlns:p="http://schemas.openxmlformats.org/presentationml/2006/main">
   <p:cSld>
     <p:spTree>
       <p:nvGrpSpPr>
@@ -12992,10 +13276,292 @@
   <p:clrMapOvr>
     <a:masterClrMapping/>
   </p:clrMapOvr>
+  <mc:AlternateContent xmlns:mc="http://schemas.openxmlformats.org/markup-compatibility/2006">
+    <mc:Choice xmlns:p14="http://schemas.microsoft.com/office/powerpoint/2010/main" Requires="p14">
+      <p:transition spd="slow" p14:dur="2000"/>
+    </mc:Choice>
+    <mc:Fallback>
+      <p:transition spd="slow"/>
+    </mc:Fallback>
+  </mc:AlternateContent>
+  <p:timing>
+    <p:tnLst>
+      <p:par>
+        <p:cTn id="1" dur="indefinite" restart="never" nodeType="tmRoot"/>
+      </p:par>
+    </p:tnLst>
+  </p:timing>
 </p:sld>
 </file>
 
 <file path=ppt/slides/slide30.xml><?xml version="1.0" encoding="utf-8"?>
+<p:sld xmlns:a="http://schemas.openxmlformats.org/drawingml/2006/main" xmlns:r="http://schemas.openxmlformats.org/officeDocument/2006/relationships" xmlns:p="http://schemas.openxmlformats.org/presentationml/2006/main">
+  <p:cSld>
+    <p:spTree>
+      <p:nvGrpSpPr>
+        <p:cNvPr id="1" name=""/>
+        <p:cNvGrpSpPr/>
+        <p:nvPr/>
+      </p:nvGrpSpPr>
+      <p:grpSpPr>
+        <a:xfrm>
+          <a:off x="0" y="0"/>
+          <a:ext cx="0" cy="0"/>
+          <a:chOff x="0" y="0"/>
+          <a:chExt cx="0" cy="0"/>
+        </a:xfrm>
+      </p:grpSpPr>
+      <p:sp>
+        <p:nvSpPr>
+          <p:cNvPr id="2" name="标题 1"/>
+          <p:cNvSpPr>
+            <a:spLocks noGrp="1"/>
+          </p:cNvSpPr>
+          <p:nvPr>
+            <p:ph type="title"/>
+          </p:nvPr>
+        </p:nvSpPr>
+        <p:spPr/>
+        <p:txBody>
+          <a:bodyPr/>
+          <a:lstStyle/>
+          <a:p>
+            <a:r>
+              <a:rPr lang="zh-CN" altLang="en-US" dirty="0" smtClean="0"/>
+              <a:t>回顾</a:t>
+            </a:r>
+            <a:endParaRPr lang="zh-CN" altLang="en-US" dirty="0"/>
+          </a:p>
+        </p:txBody>
+      </p:sp>
+      <p:sp>
+        <p:nvSpPr>
+          <p:cNvPr id="3" name="内容占位符 2"/>
+          <p:cNvSpPr>
+            <a:spLocks noGrp="1"/>
+          </p:cNvSpPr>
+          <p:nvPr>
+            <p:ph idx="1"/>
+          </p:nvPr>
+        </p:nvSpPr>
+        <p:spPr/>
+        <p:txBody>
+          <a:bodyPr>
+            <a:normAutofit fontScale="92500" lnSpcReduction="10000"/>
+          </a:bodyPr>
+          <a:lstStyle/>
+          <a:p>
+            <a:r>
+              <a:rPr lang="zh-CN" altLang="en-US" dirty="0" smtClean="0"/>
+              <a:t>在一个迭代结束后举行的会议，该会议讨论哪些是成功的、哪些需要改进以及如何在为了的迭代里整合这些改进并继续保持成功</a:t>
+            </a:r>
+            <a:endParaRPr lang="en-US" altLang="zh-CN" dirty="0" smtClean="0"/>
+          </a:p>
+          <a:p>
+            <a:r>
+              <a:rPr lang="zh-CN" altLang="en-US" dirty="0" smtClean="0"/>
+              <a:t>主要议题包括：</a:t>
+            </a:r>
+            <a:endParaRPr lang="en-US" altLang="zh-CN" dirty="0" smtClean="0"/>
+          </a:p>
+          <a:p>
+            <a:pPr lvl="1"/>
+            <a:r>
+              <a:rPr lang="zh-CN" altLang="en-US" dirty="0" smtClean="0"/>
+              <a:t>过程</a:t>
+            </a:r>
+            <a:endParaRPr lang="en-US" altLang="zh-CN" dirty="0" smtClean="0"/>
+          </a:p>
+          <a:p>
+            <a:pPr lvl="1"/>
+            <a:r>
+              <a:rPr lang="zh-CN" altLang="en-US" dirty="0" smtClean="0"/>
+              <a:t>人员</a:t>
+            </a:r>
+            <a:endParaRPr lang="en-US" altLang="zh-CN" dirty="0" smtClean="0"/>
+          </a:p>
+          <a:p>
+            <a:pPr lvl="1"/>
+            <a:r>
+              <a:rPr lang="zh-CN" altLang="en-US" dirty="0" smtClean="0"/>
+              <a:t>组织</a:t>
+            </a:r>
+            <a:endParaRPr lang="en-US" altLang="zh-CN" dirty="0" smtClean="0"/>
+          </a:p>
+          <a:p>
+            <a:pPr lvl="1"/>
+            <a:r>
+              <a:rPr lang="zh-CN" altLang="en-US" dirty="0" smtClean="0"/>
+              <a:t>关系</a:t>
+            </a:r>
+            <a:endParaRPr lang="en-US" altLang="zh-CN" dirty="0" smtClean="0"/>
+          </a:p>
+          <a:p>
+            <a:pPr lvl="1"/>
+            <a:r>
+              <a:rPr lang="zh-CN" altLang="en-US" dirty="0" smtClean="0"/>
+              <a:t>工具</a:t>
+            </a:r>
+            <a:endParaRPr lang="en-US" altLang="zh-CN" dirty="0" smtClean="0"/>
+          </a:p>
+          <a:p>
+            <a:pPr lvl="1"/>
+            <a:endParaRPr lang="zh-CN" altLang="en-US" dirty="0"/>
+          </a:p>
+        </p:txBody>
+      </p:sp>
+    </p:spTree>
+    <p:extLst>
+      <p:ext uri="{BB962C8B-B14F-4D97-AF65-F5344CB8AC3E}">
+        <p14:creationId xmlns:p14="http://schemas.microsoft.com/office/powerpoint/2010/main" val="2623655226"/>
+      </p:ext>
+    </p:extLst>
+  </p:cSld>
+  <p:clrMapOvr>
+    <a:masterClrMapping/>
+  </p:clrMapOvr>
+  <mc:AlternateContent xmlns:mc="http://schemas.openxmlformats.org/markup-compatibility/2006" xmlns:p14="http://schemas.microsoft.com/office/powerpoint/2010/main">
+    <mc:Choice Requires="p14">
+      <p:transition spd="slow" p14:dur="2000"/>
+    </mc:Choice>
+    <mc:Fallback xmlns="">
+      <p:transition spd="slow"/>
+    </mc:Fallback>
+  </mc:AlternateContent>
+  <p:timing>
+    <p:tnLst>
+      <p:par>
+        <p:cTn id="1" dur="indefinite" restart="never" nodeType="tmRoot"/>
+      </p:par>
+    </p:tnLst>
+  </p:timing>
+</p:sld>
+</file>
+
+<file path=ppt/slides/slide31.xml><?xml version="1.0" encoding="utf-8"?>
+<p:sld xmlns:a="http://schemas.openxmlformats.org/drawingml/2006/main" xmlns:r="http://schemas.openxmlformats.org/officeDocument/2006/relationships" xmlns:p="http://schemas.openxmlformats.org/presentationml/2006/main">
+  <p:cSld>
+    <p:spTree>
+      <p:nvGrpSpPr>
+        <p:cNvPr id="1" name=""/>
+        <p:cNvGrpSpPr/>
+        <p:nvPr/>
+      </p:nvGrpSpPr>
+      <p:grpSpPr>
+        <a:xfrm>
+          <a:off x="0" y="0"/>
+          <a:ext cx="0" cy="0"/>
+          <a:chOff x="0" y="0"/>
+          <a:chExt cx="0" cy="0"/>
+        </a:xfrm>
+      </p:grpSpPr>
+      <p:sp>
+        <p:nvSpPr>
+          <p:cNvPr id="2" name="标题 1"/>
+          <p:cNvSpPr>
+            <a:spLocks noGrp="1"/>
+          </p:cNvSpPr>
+          <p:nvPr>
+            <p:ph type="title"/>
+          </p:nvPr>
+        </p:nvSpPr>
+        <p:spPr/>
+        <p:txBody>
+          <a:bodyPr/>
+          <a:lstStyle/>
+          <a:p>
+            <a:r>
+              <a:rPr lang="zh-CN" altLang="en-US" dirty="0" smtClean="0"/>
+              <a:t>回顾</a:t>
+            </a:r>
+            <a:endParaRPr lang="zh-CN" altLang="en-US" dirty="0"/>
+          </a:p>
+        </p:txBody>
+      </p:sp>
+      <p:sp>
+        <p:nvSpPr>
+          <p:cNvPr id="3" name="内容占位符 2"/>
+          <p:cNvSpPr>
+            <a:spLocks noGrp="1"/>
+          </p:cNvSpPr>
+          <p:nvPr>
+            <p:ph idx="1"/>
+          </p:nvPr>
+        </p:nvSpPr>
+        <p:spPr/>
+        <p:txBody>
+          <a:bodyPr/>
+          <a:lstStyle/>
+          <a:p>
+            <a:r>
+              <a:rPr lang="zh-CN" altLang="en-US" dirty="0" smtClean="0"/>
+              <a:t>回顾内容</a:t>
+            </a:r>
+            <a:endParaRPr lang="en-US" altLang="zh-CN" dirty="0" smtClean="0"/>
+          </a:p>
+          <a:p>
+            <a:pPr lvl="1"/>
+            <a:r>
+              <a:rPr lang="zh-CN" altLang="en-US" dirty="0" smtClean="0"/>
+              <a:t>测试有效性、测试效率、测试用例质量和团队满意度等测试相关的改进决定</a:t>
+            </a:r>
+            <a:endParaRPr lang="en-US" altLang="zh-CN" dirty="0" smtClean="0"/>
+          </a:p>
+          <a:p>
+            <a:pPr lvl="1"/>
+            <a:r>
+              <a:rPr lang="zh-CN" altLang="en-US" dirty="0" smtClean="0"/>
+              <a:t>应用程序、用户故事、特性或系统接口的可测试性</a:t>
+            </a:r>
+            <a:endParaRPr lang="en-US" altLang="zh-CN" dirty="0" smtClean="0"/>
+          </a:p>
+          <a:p>
+            <a:pPr lvl="1"/>
+            <a:r>
+              <a:rPr lang="zh-CN" altLang="en-US" dirty="0" smtClean="0"/>
+              <a:t>缺陷根本原因的分析</a:t>
+            </a:r>
+            <a:endParaRPr lang="en-US" altLang="zh-CN" dirty="0" smtClean="0"/>
+          </a:p>
+          <a:p>
+            <a:pPr lvl="1"/>
+            <a:r>
+              <a:rPr lang="zh-CN" altLang="en-US" dirty="0" smtClean="0"/>
+              <a:t>驱动测试和开发的改进</a:t>
+            </a:r>
+            <a:endParaRPr lang="zh-CN" altLang="en-US" dirty="0"/>
+          </a:p>
+        </p:txBody>
+      </p:sp>
+    </p:spTree>
+    <p:extLst>
+      <p:ext uri="{BB962C8B-B14F-4D97-AF65-F5344CB8AC3E}">
+        <p14:creationId xmlns:p14="http://schemas.microsoft.com/office/powerpoint/2010/main" val="4013113502"/>
+      </p:ext>
+    </p:extLst>
+  </p:cSld>
+  <p:clrMapOvr>
+    <a:masterClrMapping/>
+  </p:clrMapOvr>
+  <mc:AlternateContent xmlns:mc="http://schemas.openxmlformats.org/markup-compatibility/2006" xmlns:p14="http://schemas.microsoft.com/office/powerpoint/2010/main">
+    <mc:Choice Requires="p14">
+      <p:transition spd="slow" p14:dur="2000"/>
+    </mc:Choice>
+    <mc:Fallback xmlns="">
+      <p:transition spd="slow"/>
+    </mc:Fallback>
+  </mc:AlternateContent>
+  <p:timing>
+    <p:tnLst>
+      <p:par>
+        <p:cTn id="1" dur="indefinite" restart="never" nodeType="tmRoot"/>
+      </p:par>
+    </p:tnLst>
+  </p:timing>
+</p:sld>
+</file>
+
+<file path=ppt/slides/slide32.xml><?xml version="1.0" encoding="utf-8"?>
 <p:sld xmlns:a="http://schemas.openxmlformats.org/drawingml/2006/main" xmlns:r="http://schemas.openxmlformats.org/officeDocument/2006/relationships" xmlns:p="http://schemas.openxmlformats.org/presentationml/2006/main">
   <p:cSld>
     <p:spTree>
@@ -13102,8 +13668,8 @@
 </p:sld>
 </file>
 
-<file path=ppt/slides/slide31.xml><?xml version="1.0" encoding="utf-8"?>
-<p:sld xmlns:a="http://schemas.openxmlformats.org/drawingml/2006/main" xmlns:r="http://schemas.openxmlformats.org/officeDocument/2006/relationships" xmlns:p="http://schemas.openxmlformats.org/presentationml/2006/main" show="0">
+<file path=ppt/slides/slide33.xml><?xml version="1.0" encoding="utf-8"?>
+<p:sld xmlns:a="http://schemas.openxmlformats.org/drawingml/2006/main" xmlns:r="http://schemas.openxmlformats.org/officeDocument/2006/relationships" xmlns:p="http://schemas.openxmlformats.org/presentationml/2006/main">
   <p:cSld>
     <p:spTree>
       <p:nvGrpSpPr>
@@ -13183,209 +13749,6 @@
       <p:transition spd="slow"/>
     </mc:Fallback>
   </mc:AlternateContent>
-</p:sld>
-</file>
-
-<file path=ppt/slides/slide32.xml><?xml version="1.0" encoding="utf-8"?>
-<p:sld xmlns:a="http://schemas.openxmlformats.org/drawingml/2006/main" xmlns:r="http://schemas.openxmlformats.org/officeDocument/2006/relationships" xmlns:p="http://schemas.openxmlformats.org/presentationml/2006/main">
-  <p:cSld>
-    <p:spTree>
-      <p:nvGrpSpPr>
-        <p:cNvPr id="1" name=""/>
-        <p:cNvGrpSpPr/>
-        <p:nvPr/>
-      </p:nvGrpSpPr>
-      <p:grpSpPr>
-        <a:xfrm>
-          <a:off x="0" y="0"/>
-          <a:ext cx="0" cy="0"/>
-          <a:chOff x="0" y="0"/>
-          <a:chExt cx="0" cy="0"/>
-        </a:xfrm>
-      </p:grpSpPr>
-      <p:sp>
-        <p:nvSpPr>
-          <p:cNvPr id="2" name="标题 1"/>
-          <p:cNvSpPr>
-            <a:spLocks noGrp="1"/>
-          </p:cNvSpPr>
-          <p:nvPr>
-            <p:ph type="title"/>
-          </p:nvPr>
-        </p:nvSpPr>
-        <p:spPr/>
-        <p:txBody>
-          <a:bodyPr/>
-          <a:lstStyle/>
-          <a:p>
-            <a:r>
-              <a:rPr lang="zh-CN" altLang="en-US" dirty="0" smtClean="0"/>
-              <a:t>“敏捷测试”意味着什么</a:t>
-            </a:r>
-            <a:endParaRPr lang="zh-CN" altLang="en-US" dirty="0"/>
-          </a:p>
-        </p:txBody>
-      </p:sp>
-      <p:sp>
-        <p:nvSpPr>
-          <p:cNvPr id="3" name="内容占位符 2"/>
-          <p:cNvSpPr>
-            <a:spLocks noGrp="1"/>
-          </p:cNvSpPr>
-          <p:nvPr>
-            <p:ph idx="1"/>
-          </p:nvPr>
-        </p:nvSpPr>
-        <p:spPr/>
-        <p:txBody>
-          <a:bodyPr/>
-          <a:lstStyle/>
-          <a:p>
-            <a:r>
-              <a:rPr lang="zh-CN" altLang="en-US" dirty="0" smtClean="0"/>
-              <a:t>程序员的工作不仅仅是编写程序，测试人员的工作不仅仅是执行测试任务</a:t>
-            </a:r>
-            <a:endParaRPr lang="en-US" altLang="zh-CN" dirty="0" smtClean="0"/>
-          </a:p>
-          <a:p>
-            <a:r>
-              <a:rPr lang="zh-CN" altLang="en-US" dirty="0" smtClean="0"/>
-              <a:t>敏捷团队中的每一个成员都关注与交付具有业务价值的高质量产品</a:t>
-            </a:r>
-            <a:endParaRPr lang="zh-CN" altLang="en-US" dirty="0"/>
-          </a:p>
-        </p:txBody>
-      </p:sp>
-    </p:spTree>
-    <p:extLst>
-      <p:ext uri="{BB962C8B-B14F-4D97-AF65-F5344CB8AC3E}">
-        <p14:creationId xmlns:p14="http://schemas.microsoft.com/office/powerpoint/2010/main" val="2250147160"/>
-      </p:ext>
-    </p:extLst>
-  </p:cSld>
-  <p:clrMapOvr>
-    <a:masterClrMapping/>
-  </p:clrMapOvr>
-  <p:timing>
-    <p:tnLst>
-      <p:par>
-        <p:cTn id="1" dur="indefinite" restart="never" nodeType="tmRoot"/>
-      </p:par>
-    </p:tnLst>
-  </p:timing>
-</p:sld>
-</file>
-
-<file path=ppt/slides/slide33.xml><?xml version="1.0" encoding="utf-8"?>
-<p:sld xmlns:a="http://schemas.openxmlformats.org/drawingml/2006/main" xmlns:r="http://schemas.openxmlformats.org/officeDocument/2006/relationships" xmlns:p="http://schemas.openxmlformats.org/presentationml/2006/main">
-  <p:cSld>
-    <p:spTree>
-      <p:nvGrpSpPr>
-        <p:cNvPr id="1" name=""/>
-        <p:cNvGrpSpPr/>
-        <p:nvPr/>
-      </p:nvGrpSpPr>
-      <p:grpSpPr>
-        <a:xfrm>
-          <a:off x="0" y="0"/>
-          <a:ext cx="0" cy="0"/>
-          <a:chOff x="0" y="0"/>
-          <a:chExt cx="0" cy="0"/>
-        </a:xfrm>
-      </p:grpSpPr>
-      <p:sp>
-        <p:nvSpPr>
-          <p:cNvPr id="2" name="标题 1"/>
-          <p:cNvSpPr>
-            <a:spLocks noGrp="1"/>
-          </p:cNvSpPr>
-          <p:nvPr>
-            <p:ph type="title"/>
-          </p:nvPr>
-        </p:nvSpPr>
-        <p:spPr/>
-        <p:txBody>
-          <a:bodyPr/>
-          <a:lstStyle/>
-          <a:p>
-            <a:r>
-              <a:rPr lang="zh-CN" altLang="en-US" dirty="0" smtClean="0"/>
-              <a:t>敏捷团队中测试人员的技能</a:t>
-            </a:r>
-            <a:endParaRPr lang="zh-CN" altLang="en-US" dirty="0"/>
-          </a:p>
-        </p:txBody>
-      </p:sp>
-      <p:sp>
-        <p:nvSpPr>
-          <p:cNvPr id="3" name="内容占位符 2"/>
-          <p:cNvSpPr>
-            <a:spLocks noGrp="1"/>
-          </p:cNvSpPr>
-          <p:nvPr>
-            <p:ph idx="1"/>
-          </p:nvPr>
-        </p:nvSpPr>
-        <p:spPr/>
-        <p:txBody>
-          <a:bodyPr>
-            <a:normAutofit lnSpcReduction="10000"/>
-          </a:bodyPr>
-          <a:lstStyle/>
-          <a:p>
-            <a:r>
-              <a:rPr lang="zh-CN" altLang="en-US" dirty="0" smtClean="0"/>
-              <a:t>与团队成员和干系人保持积极的、以解决方案导向的太多</a:t>
-            </a:r>
-            <a:endParaRPr lang="en-US" altLang="zh-CN" dirty="0" smtClean="0"/>
-          </a:p>
-          <a:p>
-            <a:r>
-              <a:rPr lang="zh-CN" altLang="en-US" dirty="0" smtClean="0"/>
-              <a:t>针对产品，具备严肃的、质量导向的和怀疑精神的思维</a:t>
-            </a:r>
-            <a:endParaRPr lang="en-US" altLang="zh-CN" dirty="0" smtClean="0"/>
-          </a:p>
-          <a:p>
-            <a:r>
-              <a:rPr lang="zh-CN" altLang="en-US" dirty="0" smtClean="0"/>
-              <a:t>积极地从干系人获取信息</a:t>
-            </a:r>
-            <a:endParaRPr lang="en-US" altLang="zh-CN" dirty="0" smtClean="0"/>
-          </a:p>
-          <a:p>
-            <a:r>
-              <a:rPr lang="zh-CN" altLang="en-US" dirty="0" smtClean="0"/>
-              <a:t>准确的评估和报告测试结果、测试进度和产品质量</a:t>
-            </a:r>
-            <a:endParaRPr lang="en-US" altLang="zh-CN" dirty="0" smtClean="0"/>
-          </a:p>
-          <a:p>
-            <a:r>
-              <a:rPr lang="zh-CN" altLang="en-US" dirty="0" smtClean="0"/>
-              <a:t>与客户代表和干系人高效的工作，并定义出可测试的用户故事，特别是验收准则</a:t>
-            </a:r>
-            <a:endParaRPr lang="en-US" altLang="zh-CN" dirty="0" smtClean="0"/>
-          </a:p>
-          <a:p>
-            <a:r>
-              <a:rPr lang="zh-CN" altLang="en-US" dirty="0" smtClean="0"/>
-              <a:t>合作精神，可以与程序员和其他团队成员结对工作</a:t>
-            </a:r>
-            <a:endParaRPr lang="zh-CN" altLang="en-US" dirty="0"/>
-          </a:p>
-        </p:txBody>
-      </p:sp>
-    </p:spTree>
-    <p:extLst>
-      <p:ext uri="{BB962C8B-B14F-4D97-AF65-F5344CB8AC3E}">
-        <p14:creationId xmlns:p14="http://schemas.microsoft.com/office/powerpoint/2010/main" val="2747849522"/>
-      </p:ext>
-    </p:extLst>
-  </p:cSld>
-  <p:clrMapOvr>
-    <a:masterClrMapping/>
-  </p:clrMapOvr>
   <p:timing>
     <p:tnLst>
       <p:par>
@@ -13430,7 +13793,7 @@
           <a:p>
             <a:r>
               <a:rPr lang="zh-CN" altLang="en-US" dirty="0" smtClean="0"/>
-              <a:t>敏捷团队中测试人员的技能</a:t>
+              <a:t>“敏捷测试”意味着什么</a:t>
             </a:r>
             <a:endParaRPr lang="zh-CN" altLang="en-US" dirty="0"/>
           </a:p>
@@ -13453,14 +13816,14 @@
           <a:p>
             <a:r>
               <a:rPr lang="zh-CN" altLang="en-US" dirty="0" smtClean="0"/>
-              <a:t>迅速地应对变化，包括更改、增加，或改善测试用例</a:t>
+              <a:t>程序员的工作不仅仅是编写程序，测试人员的工作不仅仅是执行测试任务</a:t>
             </a:r>
             <a:endParaRPr lang="en-US" altLang="zh-CN" dirty="0" smtClean="0"/>
           </a:p>
           <a:p>
             <a:r>
               <a:rPr lang="zh-CN" altLang="en-US" dirty="0" smtClean="0"/>
-              <a:t>计划和组织好自己的工作</a:t>
+              <a:t>敏捷团队中的每一个成员都关注与交付具有业务价值的高质量产品</a:t>
             </a:r>
             <a:endParaRPr lang="zh-CN" altLang="en-US" dirty="0"/>
           </a:p>
@@ -13469,7 +13832,7 @@
     </p:spTree>
     <p:extLst>
       <p:ext uri="{BB962C8B-B14F-4D97-AF65-F5344CB8AC3E}">
-        <p14:creationId xmlns:p14="http://schemas.microsoft.com/office/powerpoint/2010/main" val="3808356028"/>
+        <p14:creationId xmlns:p14="http://schemas.microsoft.com/office/powerpoint/2010/main" val="2250147160"/>
       </p:ext>
     </p:extLst>
   </p:cSld>
@@ -13520,7 +13883,7 @@
           <a:p>
             <a:r>
               <a:rPr lang="zh-CN" altLang="en-US" dirty="0" smtClean="0"/>
-              <a:t>敏捷测试人员的角色</a:t>
+              <a:t>敏捷团队中测试人员的技能</a:t>
             </a:r>
             <a:endParaRPr lang="zh-CN" altLang="en-US" dirty="0"/>
           </a:p>
@@ -13539,53 +13902,48 @@
         <p:spPr/>
         <p:txBody>
           <a:bodyPr>
-            <a:normAutofit fontScale="92500" lnSpcReduction="10000"/>
+            <a:normAutofit lnSpcReduction="10000"/>
           </a:bodyPr>
           <a:lstStyle/>
           <a:p>
             <a:r>
               <a:rPr lang="zh-CN" altLang="en-US" dirty="0" smtClean="0"/>
-              <a:t>敏捷团队的测试人员，其职责不仅包括提供对测试状态、过程以及产品质量的反馈信息，还包括对整个过程的质量反馈。执行包括但不限于下面罗列的各种活动：</a:t>
+              <a:t>与团队成员和干系人保持积极的、以解决方案导向的态度</a:t>
             </a:r>
             <a:endParaRPr lang="en-US" altLang="zh-CN" dirty="0" smtClean="0"/>
           </a:p>
           <a:p>
-            <a:pPr lvl="1"/>
-            <a:r>
-              <a:rPr lang="zh-CN" altLang="en-US" dirty="0" smtClean="0"/>
-              <a:t>理解、实施和更新测试策略</a:t>
+            <a:r>
+              <a:rPr lang="zh-CN" altLang="en-US" dirty="0" smtClean="0"/>
+              <a:t>针对产品，具备严肃的、质量导向的和怀疑精神的思维</a:t>
             </a:r>
             <a:endParaRPr lang="en-US" altLang="zh-CN" dirty="0" smtClean="0"/>
           </a:p>
           <a:p>
-            <a:pPr lvl="1"/>
-            <a:r>
-              <a:rPr lang="zh-CN" altLang="en-US" dirty="0" smtClean="0"/>
-              <a:t>通过所有可能的覆盖维度独立和报告测试覆盖情况</a:t>
+            <a:r>
+              <a:rPr lang="zh-CN" altLang="en-US" dirty="0" smtClean="0"/>
+              <a:t>积极地从干系人获取信息</a:t>
             </a:r>
             <a:endParaRPr lang="en-US" altLang="zh-CN" dirty="0" smtClean="0"/>
           </a:p>
           <a:p>
-            <a:pPr lvl="1"/>
-            <a:r>
-              <a:rPr lang="zh-CN" altLang="en-US" dirty="0" smtClean="0"/>
-              <a:t>确保对测试工具的合理使用</a:t>
+            <a:r>
+              <a:rPr lang="zh-CN" altLang="en-US" dirty="0" smtClean="0"/>
+              <a:t>准确的评估和报告测试结果、测试进度和产品质量</a:t>
             </a:r>
             <a:endParaRPr lang="en-US" altLang="zh-CN" dirty="0" smtClean="0"/>
           </a:p>
           <a:p>
-            <a:pPr lvl="1"/>
-            <a:r>
-              <a:rPr lang="zh-CN" altLang="en-US" dirty="0" smtClean="0"/>
-              <a:t>配置、使用和管理测试环境与测试数据</a:t>
+            <a:r>
+              <a:rPr lang="zh-CN" altLang="en-US" dirty="0" smtClean="0"/>
+              <a:t>与客户代表和干系人高效的工作，并定义出可测试的用户故事，特别是验收准则</a:t>
             </a:r>
             <a:endParaRPr lang="en-US" altLang="zh-CN" dirty="0" smtClean="0"/>
           </a:p>
           <a:p>
-            <a:pPr lvl="1"/>
-            <a:r>
-              <a:rPr lang="zh-CN" altLang="en-US" dirty="0" smtClean="0"/>
-              <a:t>报告缺陷，并与团队合作以解决这些缺陷</a:t>
+            <a:r>
+              <a:rPr lang="zh-CN" altLang="en-US" dirty="0" smtClean="0"/>
+              <a:t>合作精神，可以与程序员和其他团队成员结对工作</a:t>
             </a:r>
             <a:endParaRPr lang="zh-CN" altLang="en-US" dirty="0"/>
           </a:p>
@@ -13594,7 +13952,7 @@
     </p:spTree>
     <p:extLst>
       <p:ext uri="{BB962C8B-B14F-4D97-AF65-F5344CB8AC3E}">
-        <p14:creationId xmlns:p14="http://schemas.microsoft.com/office/powerpoint/2010/main" val="2156862164"/>
+        <p14:creationId xmlns:p14="http://schemas.microsoft.com/office/powerpoint/2010/main" val="2747849522"/>
       </p:ext>
     </p:extLst>
   </p:cSld>
@@ -13645,7 +14003,7 @@
           <a:p>
             <a:r>
               <a:rPr lang="zh-CN" altLang="en-US" dirty="0" smtClean="0"/>
-              <a:t>敏捷测试人员角色</a:t>
+              <a:t>敏捷团队中测试人员的技能</a:t>
             </a:r>
             <a:endParaRPr lang="zh-CN" altLang="en-US" dirty="0"/>
           </a:p>
@@ -13668,32 +14026,15 @@
           <a:p>
             <a:r>
               <a:rPr lang="zh-CN" altLang="en-US" dirty="0" smtClean="0"/>
-              <a:t>给其他团队成员提供与测试有关的培训</a:t>
+              <a:t>迅速地应对变化，包括更改、增加，或改善测试用例</a:t>
             </a:r>
             <a:endParaRPr lang="en-US" altLang="zh-CN" dirty="0" smtClean="0"/>
           </a:p>
           <a:p>
             <a:r>
               <a:rPr lang="zh-CN" altLang="en-US" dirty="0" smtClean="0"/>
-              <a:t>确保在发布和迭代计划中，加入了测试任务并安排了合理的时间进度</a:t>
-            </a:r>
-            <a:endParaRPr lang="en-US" altLang="zh-CN" dirty="0" smtClean="0"/>
-          </a:p>
-          <a:p>
-            <a:r>
-              <a:rPr lang="zh-CN" altLang="en-US" dirty="0" smtClean="0"/>
-              <a:t>积极地与开发人员和业务干系人协作，对需求进行细化，尤其是对需求的可测试性，一致性和完整性进行细化</a:t>
-            </a:r>
-            <a:endParaRPr lang="en-US" altLang="zh-CN" dirty="0" smtClean="0"/>
-          </a:p>
-          <a:p>
-            <a:r>
-              <a:rPr lang="zh-CN" altLang="en-US" dirty="0" smtClean="0"/>
-              <a:t>积极地参加团队的回顾会议，建议并实施改进措施</a:t>
-            </a:r>
-            <a:endParaRPr lang="en-US" altLang="zh-CN" dirty="0" smtClean="0"/>
-          </a:p>
-          <a:p>
+              <a:t>计划和组织好自己的工作</a:t>
+            </a:r>
             <a:endParaRPr lang="zh-CN" altLang="en-US" dirty="0"/>
           </a:p>
         </p:txBody>
@@ -13701,7 +14042,7 @@
     </p:spTree>
     <p:extLst>
       <p:ext uri="{BB962C8B-B14F-4D97-AF65-F5344CB8AC3E}">
-        <p14:creationId xmlns:p14="http://schemas.microsoft.com/office/powerpoint/2010/main" val="1311118924"/>
+        <p14:creationId xmlns:p14="http://schemas.microsoft.com/office/powerpoint/2010/main" val="3808356028"/>
       </p:ext>
     </p:extLst>
   </p:cSld>
@@ -13752,7 +14093,7 @@
           <a:p>
             <a:r>
               <a:rPr lang="zh-CN" altLang="en-US" dirty="0" smtClean="0"/>
-              <a:t>角色和活动的情境</a:t>
+              <a:t>敏捷测试人员的角色</a:t>
             </a:r>
             <a:endParaRPr lang="zh-CN" altLang="en-US" dirty="0"/>
           </a:p>
@@ -13770,23 +14111,55 @@
         </p:nvSpPr>
         <p:spPr/>
         <p:txBody>
-          <a:bodyPr/>
+          <a:bodyPr>
+            <a:normAutofit fontScale="92500" lnSpcReduction="10000"/>
+          </a:bodyPr>
           <a:lstStyle/>
           <a:p>
             <a:r>
               <a:rPr lang="zh-CN" altLang="en-US" dirty="0" smtClean="0"/>
-              <a:t>客户团队</a:t>
+              <a:t>敏捷团队的测试人员，其职责不仅包括提供对测试状态、过程以及产品质量的反馈信息，还包括对整个过程的质量反馈。执行包括但不限于下面罗列的各种活动：</a:t>
             </a:r>
             <a:endParaRPr lang="en-US" altLang="zh-CN" dirty="0" smtClean="0"/>
           </a:p>
           <a:p>
-            <a:r>
-              <a:rPr lang="zh-CN" altLang="en-US" dirty="0" smtClean="0"/>
-              <a:t>开发团队</a:t>
+            <a:pPr lvl="1"/>
+            <a:r>
+              <a:rPr lang="zh-CN" altLang="en-US" dirty="0" smtClean="0"/>
+              <a:t>理解、实施和更新测试策略</a:t>
             </a:r>
             <a:endParaRPr lang="en-US" altLang="zh-CN" dirty="0" smtClean="0"/>
           </a:p>
           <a:p>
+            <a:pPr lvl="1"/>
+            <a:r>
+              <a:rPr lang="zh-CN" altLang="en-US" dirty="0" smtClean="0"/>
+              <a:t>通过所有可能的覆盖维度独立和报告测试覆盖情况</a:t>
+            </a:r>
+            <a:endParaRPr lang="en-US" altLang="zh-CN" dirty="0" smtClean="0"/>
+          </a:p>
+          <a:p>
+            <a:pPr lvl="1"/>
+            <a:r>
+              <a:rPr lang="zh-CN" altLang="en-US" dirty="0" smtClean="0"/>
+              <a:t>确保对测试工具的合理使用</a:t>
+            </a:r>
+            <a:endParaRPr lang="en-US" altLang="zh-CN" dirty="0" smtClean="0"/>
+          </a:p>
+          <a:p>
+            <a:pPr lvl="1"/>
+            <a:r>
+              <a:rPr lang="zh-CN" altLang="en-US" dirty="0" smtClean="0"/>
+              <a:t>配置、使用和管理测试环境与测试数据</a:t>
+            </a:r>
+            <a:endParaRPr lang="en-US" altLang="zh-CN" dirty="0" smtClean="0"/>
+          </a:p>
+          <a:p>
+            <a:pPr lvl="1"/>
+            <a:r>
+              <a:rPr lang="zh-CN" altLang="en-US" dirty="0" smtClean="0"/>
+              <a:t>报告缺陷，并与团队合作以解决这些缺陷</a:t>
+            </a:r>
             <a:endParaRPr lang="zh-CN" altLang="en-US" dirty="0"/>
           </a:p>
         </p:txBody>
@@ -13794,7 +14167,7 @@
     </p:spTree>
     <p:extLst>
       <p:ext uri="{BB962C8B-B14F-4D97-AF65-F5344CB8AC3E}">
-        <p14:creationId xmlns:p14="http://schemas.microsoft.com/office/powerpoint/2010/main" val="4185997440"/>
+        <p14:creationId xmlns:p14="http://schemas.microsoft.com/office/powerpoint/2010/main" val="2156862164"/>
       </p:ext>
     </p:extLst>
   </p:cSld>
@@ -13845,7 +14218,7 @@
           <a:p>
             <a:r>
               <a:rPr lang="zh-CN" altLang="en-US" dirty="0" smtClean="0"/>
-              <a:t>敏捷测试工具</a:t>
+              <a:t>敏捷测试人员角色</a:t>
             </a:r>
             <a:endParaRPr lang="zh-CN" altLang="en-US" dirty="0"/>
           </a:p>
@@ -13868,36 +14241,32 @@
           <a:p>
             <a:r>
               <a:rPr lang="zh-CN" altLang="en-US" dirty="0" smtClean="0"/>
-              <a:t>任务管理和跟踪工具</a:t>
+              <a:t>给其他团队成员提供与测试有关的培训</a:t>
             </a:r>
             <a:endParaRPr lang="en-US" altLang="zh-CN" dirty="0" smtClean="0"/>
           </a:p>
           <a:p>
             <a:r>
               <a:rPr lang="zh-CN" altLang="en-US" dirty="0" smtClean="0"/>
-              <a:t>沟通和信息共享工具</a:t>
+              <a:t>确保在发布和迭代计划中，加入了测试任务并安排了合理的时间进度</a:t>
             </a:r>
             <a:endParaRPr lang="en-US" altLang="zh-CN" dirty="0" smtClean="0"/>
           </a:p>
           <a:p>
             <a:r>
               <a:rPr lang="zh-CN" altLang="en-US" dirty="0" smtClean="0"/>
-              <a:t>软件构建和分发工具</a:t>
+              <a:t>积极地与开发人员和业务干系人协作，对需求进行细化，尤其是对需求的可测试性，一致性和完整性进行细化</a:t>
             </a:r>
             <a:endParaRPr lang="en-US" altLang="zh-CN" dirty="0" smtClean="0"/>
           </a:p>
           <a:p>
             <a:r>
               <a:rPr lang="zh-CN" altLang="en-US" dirty="0" smtClean="0"/>
-              <a:t>配置管理工具</a:t>
+              <a:t>积极地参加团队的回顾会议，建议并实施改进措施</a:t>
             </a:r>
             <a:endParaRPr lang="en-US" altLang="zh-CN" dirty="0" smtClean="0"/>
           </a:p>
           <a:p>
-            <a:r>
-              <a:rPr lang="zh-CN" altLang="en-US" dirty="0" smtClean="0"/>
-              <a:t>测试设计、实施和执行工具</a:t>
-            </a:r>
             <a:endParaRPr lang="zh-CN" altLang="en-US" dirty="0"/>
           </a:p>
         </p:txBody>
@@ -13905,7 +14274,7 @@
     </p:spTree>
     <p:extLst>
       <p:ext uri="{BB962C8B-B14F-4D97-AF65-F5344CB8AC3E}">
-        <p14:creationId xmlns:p14="http://schemas.microsoft.com/office/powerpoint/2010/main" val="3288962337"/>
+        <p14:creationId xmlns:p14="http://schemas.microsoft.com/office/powerpoint/2010/main" val="1311118924"/>
       </p:ext>
     </p:extLst>
   </p:cSld>
@@ -13923,7 +14292,7 @@
 </file>
 
 <file path=ppt/slides/slide39.xml><?xml version="1.0" encoding="utf-8"?>
-<p:sld xmlns:a="http://schemas.openxmlformats.org/drawingml/2006/main" xmlns:r="http://schemas.openxmlformats.org/officeDocument/2006/relationships" xmlns:p="http://schemas.openxmlformats.org/presentationml/2006/main">
+<p:sld xmlns:a="http://schemas.openxmlformats.org/drawingml/2006/main" xmlns:r="http://schemas.openxmlformats.org/officeDocument/2006/relationships" xmlns:p="http://schemas.openxmlformats.org/presentationml/2006/main" show="0">
   <p:cSld>
     <p:spTree>
       <p:nvGrpSpPr>
@@ -13955,10 +14324,10 @@
           <a:lstStyle/>
           <a:p>
             <a:r>
-              <a:rPr lang="zh-CN" altLang="en-US" smtClean="0"/>
-              <a:t>总结</a:t>
-            </a:r>
-            <a:endParaRPr lang="zh-CN" altLang="en-US"/>
+              <a:rPr lang="zh-CN" altLang="en-US" dirty="0" smtClean="0"/>
+              <a:t>角色和活动的情境</a:t>
+            </a:r>
+            <a:endParaRPr lang="zh-CN" altLang="en-US" dirty="0"/>
           </a:p>
         </p:txBody>
       </p:sp>
@@ -13978,51 +14347,17 @@
           <a:lstStyle/>
           <a:p>
             <a:r>
-              <a:rPr lang="zh-CN" altLang="en-US" dirty="0"/>
-              <a:t>什么是</a:t>
-            </a:r>
-            <a:r>
-              <a:rPr lang="zh-CN" altLang="en-US" dirty="0" smtClean="0"/>
-              <a:t>敏捷</a:t>
+              <a:rPr lang="zh-CN" altLang="en-US" dirty="0" smtClean="0"/>
+              <a:t>客户团队</a:t>
             </a:r>
             <a:endParaRPr lang="en-US" altLang="zh-CN" dirty="0" smtClean="0"/>
           </a:p>
           <a:p>
-            <a:pPr lvl="1"/>
-            <a:r>
-              <a:rPr lang="zh-CN" altLang="en-US" dirty="0"/>
-              <a:t>快速应对变化，轻量级的软件</a:t>
-            </a:r>
-            <a:r>
-              <a:rPr lang="zh-CN" altLang="en-US" dirty="0" smtClean="0"/>
-              <a:t>过程</a:t>
-            </a:r>
-            <a:endParaRPr lang="en-US" altLang="zh-CN" dirty="0"/>
-          </a:p>
-          <a:p>
-            <a:r>
-              <a:rPr lang="zh-CN" altLang="en-US" dirty="0"/>
-              <a:t>什么是敏捷开发</a:t>
-            </a:r>
-            <a:endParaRPr lang="en-US" altLang="zh-CN" dirty="0"/>
-          </a:p>
-          <a:p>
-            <a:r>
-              <a:rPr lang="zh-CN" altLang="en-US" dirty="0"/>
-              <a:t>什么是敏捷</a:t>
-            </a:r>
-            <a:r>
-              <a:rPr lang="zh-CN" altLang="en-US" dirty="0" smtClean="0"/>
-              <a:t>测试</a:t>
+            <a:r>
+              <a:rPr lang="zh-CN" altLang="en-US" dirty="0" smtClean="0"/>
+              <a:t>开发团队</a:t>
             </a:r>
             <a:endParaRPr lang="en-US" altLang="zh-CN" dirty="0" smtClean="0"/>
-          </a:p>
-          <a:p>
-            <a:r>
-              <a:rPr lang="zh-CN" altLang="en-US" dirty="0" smtClean="0"/>
-              <a:t>重点理解：传统开发模型与敏捷的区别</a:t>
-            </a:r>
-            <a:endParaRPr lang="en-US" altLang="zh-CN" dirty="0"/>
           </a:p>
           <a:p>
             <a:endParaRPr lang="zh-CN" altLang="en-US" dirty="0"/>
@@ -14032,13 +14367,21 @@
     </p:spTree>
     <p:extLst>
       <p:ext uri="{BB962C8B-B14F-4D97-AF65-F5344CB8AC3E}">
-        <p14:creationId xmlns:p14="http://schemas.microsoft.com/office/powerpoint/2010/main" val="526454244"/>
+        <p14:creationId xmlns:p14="http://schemas.microsoft.com/office/powerpoint/2010/main" val="4185997440"/>
       </p:ext>
     </p:extLst>
   </p:cSld>
   <p:clrMapOvr>
     <a:masterClrMapping/>
   </p:clrMapOvr>
+  <mc:AlternateContent xmlns:mc="http://schemas.openxmlformats.org/markup-compatibility/2006" xmlns:p14="http://schemas.microsoft.com/office/powerpoint/2010/main">
+    <mc:Choice Requires="p14">
+      <p:transition spd="slow" p14:dur="2000"/>
+    </mc:Choice>
+    <mc:Fallback xmlns="">
+      <p:transition spd="slow"/>
+    </mc:Fallback>
+  </mc:AlternateContent>
   <p:timing>
     <p:tnLst>
       <p:par>
@@ -14156,6 +14499,244 @@
 </file>
 
 <file path=ppt/slides/slide40.xml><?xml version="1.0" encoding="utf-8"?>
+<p:sld xmlns:a="http://schemas.openxmlformats.org/drawingml/2006/main" xmlns:r="http://schemas.openxmlformats.org/officeDocument/2006/relationships" xmlns:p="http://schemas.openxmlformats.org/presentationml/2006/main">
+  <p:cSld>
+    <p:spTree>
+      <p:nvGrpSpPr>
+        <p:cNvPr id="1" name=""/>
+        <p:cNvGrpSpPr/>
+        <p:nvPr/>
+      </p:nvGrpSpPr>
+      <p:grpSpPr>
+        <a:xfrm>
+          <a:off x="0" y="0"/>
+          <a:ext cx="0" cy="0"/>
+          <a:chOff x="0" y="0"/>
+          <a:chExt cx="0" cy="0"/>
+        </a:xfrm>
+      </p:grpSpPr>
+      <p:sp>
+        <p:nvSpPr>
+          <p:cNvPr id="2" name="标题 1"/>
+          <p:cNvSpPr>
+            <a:spLocks noGrp="1"/>
+          </p:cNvSpPr>
+          <p:nvPr>
+            <p:ph type="title"/>
+          </p:nvPr>
+        </p:nvSpPr>
+        <p:spPr/>
+        <p:txBody>
+          <a:bodyPr/>
+          <a:lstStyle/>
+          <a:p>
+            <a:r>
+              <a:rPr lang="zh-CN" altLang="en-US" dirty="0" smtClean="0"/>
+              <a:t>敏捷测试工具</a:t>
+            </a:r>
+            <a:endParaRPr lang="zh-CN" altLang="en-US" dirty="0"/>
+          </a:p>
+        </p:txBody>
+      </p:sp>
+      <p:sp>
+        <p:nvSpPr>
+          <p:cNvPr id="3" name="内容占位符 2"/>
+          <p:cNvSpPr>
+            <a:spLocks noGrp="1"/>
+          </p:cNvSpPr>
+          <p:nvPr>
+            <p:ph idx="1"/>
+          </p:nvPr>
+        </p:nvSpPr>
+        <p:spPr/>
+        <p:txBody>
+          <a:bodyPr/>
+          <a:lstStyle/>
+          <a:p>
+            <a:r>
+              <a:rPr lang="zh-CN" altLang="en-US" dirty="0" smtClean="0"/>
+              <a:t>任务管理和跟踪工具</a:t>
+            </a:r>
+            <a:endParaRPr lang="en-US" altLang="zh-CN" dirty="0" smtClean="0"/>
+          </a:p>
+          <a:p>
+            <a:r>
+              <a:rPr lang="zh-CN" altLang="en-US" dirty="0" smtClean="0"/>
+              <a:t>沟通和信息共享工具</a:t>
+            </a:r>
+            <a:endParaRPr lang="en-US" altLang="zh-CN" dirty="0" smtClean="0"/>
+          </a:p>
+          <a:p>
+            <a:r>
+              <a:rPr lang="zh-CN" altLang="en-US" dirty="0" smtClean="0"/>
+              <a:t>软件构建和分发工具</a:t>
+            </a:r>
+            <a:endParaRPr lang="en-US" altLang="zh-CN" dirty="0" smtClean="0"/>
+          </a:p>
+          <a:p>
+            <a:r>
+              <a:rPr lang="zh-CN" altLang="en-US" dirty="0" smtClean="0"/>
+              <a:t>配置管理工具</a:t>
+            </a:r>
+            <a:endParaRPr lang="en-US" altLang="zh-CN" dirty="0" smtClean="0"/>
+          </a:p>
+          <a:p>
+            <a:r>
+              <a:rPr lang="zh-CN" altLang="en-US" dirty="0" smtClean="0"/>
+              <a:t>测试设计、实施和执行工具</a:t>
+            </a:r>
+            <a:endParaRPr lang="zh-CN" altLang="en-US" dirty="0"/>
+          </a:p>
+        </p:txBody>
+      </p:sp>
+    </p:spTree>
+    <p:extLst>
+      <p:ext uri="{BB962C8B-B14F-4D97-AF65-F5344CB8AC3E}">
+        <p14:creationId xmlns:p14="http://schemas.microsoft.com/office/powerpoint/2010/main" val="3288962337"/>
+      </p:ext>
+    </p:extLst>
+  </p:cSld>
+  <p:clrMapOvr>
+    <a:masterClrMapping/>
+  </p:clrMapOvr>
+  <p:timing>
+    <p:tnLst>
+      <p:par>
+        <p:cTn id="1" dur="indefinite" restart="never" nodeType="tmRoot"/>
+      </p:par>
+    </p:tnLst>
+  </p:timing>
+</p:sld>
+</file>
+
+<file path=ppt/slides/slide41.xml><?xml version="1.0" encoding="utf-8"?>
+<p:sld xmlns:a="http://schemas.openxmlformats.org/drawingml/2006/main" xmlns:r="http://schemas.openxmlformats.org/officeDocument/2006/relationships" xmlns:p="http://schemas.openxmlformats.org/presentationml/2006/main">
+  <p:cSld>
+    <p:spTree>
+      <p:nvGrpSpPr>
+        <p:cNvPr id="1" name=""/>
+        <p:cNvGrpSpPr/>
+        <p:nvPr/>
+      </p:nvGrpSpPr>
+      <p:grpSpPr>
+        <a:xfrm>
+          <a:off x="0" y="0"/>
+          <a:ext cx="0" cy="0"/>
+          <a:chOff x="0" y="0"/>
+          <a:chExt cx="0" cy="0"/>
+        </a:xfrm>
+      </p:grpSpPr>
+      <p:sp>
+        <p:nvSpPr>
+          <p:cNvPr id="2" name="标题 1"/>
+          <p:cNvSpPr>
+            <a:spLocks noGrp="1"/>
+          </p:cNvSpPr>
+          <p:nvPr>
+            <p:ph type="title"/>
+          </p:nvPr>
+        </p:nvSpPr>
+        <p:spPr/>
+        <p:txBody>
+          <a:bodyPr/>
+          <a:lstStyle/>
+          <a:p>
+            <a:r>
+              <a:rPr lang="zh-CN" altLang="en-US" smtClean="0"/>
+              <a:t>总结</a:t>
+            </a:r>
+            <a:endParaRPr lang="zh-CN" altLang="en-US"/>
+          </a:p>
+        </p:txBody>
+      </p:sp>
+      <p:sp>
+        <p:nvSpPr>
+          <p:cNvPr id="3" name="内容占位符 2"/>
+          <p:cNvSpPr>
+            <a:spLocks noGrp="1"/>
+          </p:cNvSpPr>
+          <p:nvPr>
+            <p:ph idx="1"/>
+          </p:nvPr>
+        </p:nvSpPr>
+        <p:spPr/>
+        <p:txBody>
+          <a:bodyPr/>
+          <a:lstStyle/>
+          <a:p>
+            <a:r>
+              <a:rPr lang="zh-CN" altLang="en-US" dirty="0"/>
+              <a:t>什么是</a:t>
+            </a:r>
+            <a:r>
+              <a:rPr lang="zh-CN" altLang="en-US" dirty="0" smtClean="0"/>
+              <a:t>敏捷</a:t>
+            </a:r>
+            <a:endParaRPr lang="en-US" altLang="zh-CN" dirty="0" smtClean="0"/>
+          </a:p>
+          <a:p>
+            <a:pPr lvl="1"/>
+            <a:r>
+              <a:rPr lang="zh-CN" altLang="en-US" dirty="0"/>
+              <a:t>快速应对变化，轻量级的软件</a:t>
+            </a:r>
+            <a:r>
+              <a:rPr lang="zh-CN" altLang="en-US" dirty="0" smtClean="0"/>
+              <a:t>过程</a:t>
+            </a:r>
+            <a:endParaRPr lang="en-US" altLang="zh-CN" dirty="0"/>
+          </a:p>
+          <a:p>
+            <a:r>
+              <a:rPr lang="zh-CN" altLang="en-US" dirty="0"/>
+              <a:t>什么是敏捷开发</a:t>
+            </a:r>
+            <a:endParaRPr lang="en-US" altLang="zh-CN" dirty="0"/>
+          </a:p>
+          <a:p>
+            <a:r>
+              <a:rPr lang="zh-CN" altLang="en-US" dirty="0"/>
+              <a:t>什么是敏捷</a:t>
+            </a:r>
+            <a:r>
+              <a:rPr lang="zh-CN" altLang="en-US" dirty="0" smtClean="0"/>
+              <a:t>测试</a:t>
+            </a:r>
+            <a:endParaRPr lang="en-US" altLang="zh-CN" dirty="0" smtClean="0"/>
+          </a:p>
+          <a:p>
+            <a:r>
+              <a:rPr lang="zh-CN" altLang="en-US" dirty="0" smtClean="0"/>
+              <a:t>重点理解：传统开发模型与敏捷的区别</a:t>
+            </a:r>
+            <a:endParaRPr lang="en-US" altLang="zh-CN" dirty="0"/>
+          </a:p>
+          <a:p>
+            <a:endParaRPr lang="zh-CN" altLang="en-US" dirty="0"/>
+          </a:p>
+        </p:txBody>
+      </p:sp>
+    </p:spTree>
+    <p:extLst>
+      <p:ext uri="{BB962C8B-B14F-4D97-AF65-F5344CB8AC3E}">
+        <p14:creationId xmlns:p14="http://schemas.microsoft.com/office/powerpoint/2010/main" val="526454244"/>
+      </p:ext>
+    </p:extLst>
+  </p:cSld>
+  <p:clrMapOvr>
+    <a:masterClrMapping/>
+  </p:clrMapOvr>
+  <p:timing>
+    <p:tnLst>
+      <p:par>
+        <p:cTn id="1" dur="indefinite" restart="never" nodeType="tmRoot"/>
+      </p:par>
+    </p:tnLst>
+  </p:timing>
+</p:sld>
+</file>
+
+<file path=ppt/slides/slide42.xml><?xml version="1.0" encoding="utf-8"?>
 <p:sld xmlns:a="http://schemas.openxmlformats.org/drawingml/2006/main" xmlns:r="http://schemas.openxmlformats.org/officeDocument/2006/relationships" xmlns:p="http://schemas.openxmlformats.org/presentationml/2006/main">
   <p:cSld>
     <p:spTree>
